--- a/PPT/DeepLearning05-MachineLearning.pptx
+++ b/PPT/DeepLearning05-MachineLearning.pptx
@@ -6848,8 +6848,17 @@
           <a:p>
             <a:r>
               <a:rPr lang="fr-FR" sz="2400" dirty="0" smtClean="0"/>
-              <a:t>Une image 4K RAW fait 16Go</a:t>
-            </a:r>
+              <a:t>Une image 4K RAW </a:t>
+            </a:r>
+            <a:r>
+              <a:rPr lang="fr-FR" sz="2400" smtClean="0"/>
+              <a:t>fait </a:t>
+            </a:r>
+            <a:r>
+              <a:rPr lang="fr-FR" sz="2400" smtClean="0"/>
+              <a:t>16Mo</a:t>
+            </a:r>
+            <a:endParaRPr lang="fr-FR" sz="2400" dirty="0" smtClean="0"/>
           </a:p>
           <a:p>
             <a:pPr lvl="1"/>

--- a/PPT/DeepLearning05-MachineLearning.pptx
+++ b/PPT/DeepLearning05-MachineLearning.pptx
@@ -5,10 +5,10 @@
     <p:sldMasterId id="2147483653" r:id="rId1"/>
   </p:sldMasterIdLst>
   <p:notesMasterIdLst>
-    <p:notesMasterId r:id="rId35"/>
+    <p:notesMasterId r:id="rId36"/>
   </p:notesMasterIdLst>
   <p:handoutMasterIdLst>
-    <p:handoutMasterId r:id="rId36"/>
+    <p:handoutMasterId r:id="rId37"/>
   </p:handoutMasterIdLst>
   <p:sldIdLst>
     <p:sldId id="264" r:id="rId2"/>
@@ -40,10 +40,11 @@
     <p:sldId id="313" r:id="rId28"/>
     <p:sldId id="314" r:id="rId29"/>
     <p:sldId id="321" r:id="rId30"/>
-    <p:sldId id="297" r:id="rId31"/>
-    <p:sldId id="299" r:id="rId32"/>
-    <p:sldId id="318" r:id="rId33"/>
-    <p:sldId id="300" r:id="rId34"/>
+    <p:sldId id="322" r:id="rId31"/>
+    <p:sldId id="297" r:id="rId32"/>
+    <p:sldId id="299" r:id="rId33"/>
+    <p:sldId id="318" r:id="rId34"/>
+    <p:sldId id="300" r:id="rId35"/>
   </p:sldIdLst>
   <p:sldSz cx="9144000" cy="6858000" type="screen4x3"/>
   <p:notesSz cx="6648450" cy="9782175"/>
@@ -6628,8 +6629,12 @@
           <a:lstStyle/>
           <a:p>
             <a:r>
-              <a:rPr lang="fr-FR" dirty="0" smtClean="0"/>
-              <a:t>Considération sur les tailles</a:t>
+              <a:rPr lang="fr-FR" dirty="0" err="1" smtClean="0"/>
+              <a:t>Edmunt</a:t>
+            </a:r>
+            <a:r>
+              <a:rPr lang="fr-FR" dirty="0" smtClean="0"/>
+              <a:t> Husserl</a:t>
             </a:r>
             <a:endParaRPr lang="fr-FR" dirty="0"/>
           </a:p>
@@ -6652,60 +6657,20 @@
           <a:p>
             <a:r>
               <a:rPr lang="fr-FR" dirty="0" smtClean="0"/>
-              <a:t>Les processeurs d’aujourd’hui en en 64 bits (x64)</a:t>
-            </a:r>
-          </a:p>
-          <a:p>
-            <a:pPr lvl="1"/>
-            <a:r>
-              <a:rPr lang="fr-FR" dirty="0" smtClean="0"/>
-              <a:t>Les GPU sont sur 128 bits</a:t>
-            </a:r>
-          </a:p>
-          <a:p>
-            <a:pPr lvl="1"/>
-            <a:r>
-              <a:rPr lang="fr-FR" dirty="0" smtClean="0"/>
-              <a:t>Les anciens processeurs sur 32 bits</a:t>
-            </a:r>
-          </a:p>
-          <a:p>
-            <a:pPr lvl="1"/>
-            <a:r>
-              <a:rPr lang="fr-FR" dirty="0" smtClean="0"/>
-              <a:t>Python existe en version 32 et 64 bits</a:t>
-            </a:r>
-          </a:p>
-          <a:p>
-            <a:r>
-              <a:rPr lang="fr-FR" dirty="0" smtClean="0"/>
-              <a:t>Un processeur 32 bits ne peut adresser que 2^32 bits soit 4Gbit</a:t>
-            </a:r>
-          </a:p>
-          <a:p>
-            <a:pPr lvl="1"/>
-            <a:r>
-              <a:rPr lang="fr-FR" dirty="0" smtClean="0"/>
-              <a:t>Une adresse mémoire est souvent sur 1 octet ce qui donne 4Go de mémoire maximum, sachant que près de la moitié est pris par l’OS</a:t>
-            </a:r>
-          </a:p>
-          <a:p>
-            <a:r>
-              <a:rPr lang="fr-FR" dirty="0" smtClean="0"/>
-              <a:t>Un processeur 64 bits sait adressé 8000 </a:t>
-            </a:r>
-            <a:r>
-              <a:rPr lang="fr-FR" dirty="0" err="1" smtClean="0"/>
-              <a:t>Pbit</a:t>
-            </a:r>
-            <a:endParaRPr lang="fr-FR" dirty="0" smtClean="0"/>
+              <a:t>«</a:t>
+            </a:r>
+            <a:r>
+              <a:rPr lang="fr-FR" dirty="0"/>
+              <a:t> Les modèles sont les habits des idées, il y a toujours un modèle qui peut faire croire que votre idée est juste. »</a:t>
+            </a:r>
+            <a:endParaRPr lang="fr-FR" dirty="0"/>
           </a:p>
         </p:txBody>
       </p:sp>
     </p:spTree>
     <p:extLst>
       <p:ext uri="{BB962C8B-B14F-4D97-AF65-F5344CB8AC3E}">
-        <p14:creationId xmlns:p14="http://schemas.microsoft.com/office/powerpoint/2010/main" val="1996995698"/>
+        <p14:creationId xmlns:p14="http://schemas.microsoft.com/office/powerpoint/2010/main" val="4041279753"/>
       </p:ext>
     </p:extLst>
   </p:cSld>
@@ -6771,6 +6736,126 @@
           <a:lstStyle/>
           <a:p>
             <a:r>
+              <a:rPr lang="fr-FR" dirty="0" smtClean="0"/>
+              <a:t>Les processeurs d’aujourd’hui en en 64 bits (x64)</a:t>
+            </a:r>
+          </a:p>
+          <a:p>
+            <a:pPr lvl="1"/>
+            <a:r>
+              <a:rPr lang="fr-FR" dirty="0" smtClean="0"/>
+              <a:t>Les GPU sont sur 128 bits</a:t>
+            </a:r>
+          </a:p>
+          <a:p>
+            <a:pPr lvl="1"/>
+            <a:r>
+              <a:rPr lang="fr-FR" dirty="0" smtClean="0"/>
+              <a:t>Les anciens processeurs sur 32 bits</a:t>
+            </a:r>
+          </a:p>
+          <a:p>
+            <a:pPr lvl="1"/>
+            <a:r>
+              <a:rPr lang="fr-FR" dirty="0" smtClean="0"/>
+              <a:t>Python existe en version 32 et 64 bits</a:t>
+            </a:r>
+          </a:p>
+          <a:p>
+            <a:r>
+              <a:rPr lang="fr-FR" dirty="0" smtClean="0"/>
+              <a:t>Un processeur 32 bits ne peut adresser que 2^32 bits soit 4Gbit</a:t>
+            </a:r>
+          </a:p>
+          <a:p>
+            <a:pPr lvl="1"/>
+            <a:r>
+              <a:rPr lang="fr-FR" dirty="0" smtClean="0"/>
+              <a:t>Une adresse mémoire est souvent sur 1 octet ce qui donne 4Go de mémoire maximum, sachant que près de la moitié est pris par l’OS</a:t>
+            </a:r>
+          </a:p>
+          <a:p>
+            <a:r>
+              <a:rPr lang="fr-FR" dirty="0" smtClean="0"/>
+              <a:t>Un processeur 64 bits sait adressé 8000 </a:t>
+            </a:r>
+            <a:r>
+              <a:rPr lang="fr-FR" dirty="0" err="1" smtClean="0"/>
+              <a:t>Pbit</a:t>
+            </a:r>
+            <a:endParaRPr lang="fr-FR" dirty="0" smtClean="0"/>
+          </a:p>
+        </p:txBody>
+      </p:sp>
+    </p:spTree>
+    <p:extLst>
+      <p:ext uri="{BB962C8B-B14F-4D97-AF65-F5344CB8AC3E}">
+        <p14:creationId xmlns:p14="http://schemas.microsoft.com/office/powerpoint/2010/main" val="1996995698"/>
+      </p:ext>
+    </p:extLst>
+  </p:cSld>
+  <p:clrMapOvr>
+    <a:masterClrMapping/>
+  </p:clrMapOvr>
+</p:sld>
+</file>
+
+<file path=ppt/slides/slide32.xml><?xml version="1.0" encoding="utf-8"?>
+<p:sld xmlns:a="http://schemas.openxmlformats.org/drawingml/2006/main" xmlns:r="http://schemas.openxmlformats.org/officeDocument/2006/relationships" xmlns:p="http://schemas.openxmlformats.org/presentationml/2006/main">
+  <p:cSld>
+    <p:spTree>
+      <p:nvGrpSpPr>
+        <p:cNvPr id="1" name=""/>
+        <p:cNvGrpSpPr/>
+        <p:nvPr/>
+      </p:nvGrpSpPr>
+      <p:grpSpPr>
+        <a:xfrm>
+          <a:off x="0" y="0"/>
+          <a:ext cx="0" cy="0"/>
+          <a:chOff x="0" y="0"/>
+          <a:chExt cx="0" cy="0"/>
+        </a:xfrm>
+      </p:grpSpPr>
+      <p:sp>
+        <p:nvSpPr>
+          <p:cNvPr id="2" name="Titre 1"/>
+          <p:cNvSpPr>
+            <a:spLocks noGrp="1"/>
+          </p:cNvSpPr>
+          <p:nvPr>
+            <p:ph type="title"/>
+          </p:nvPr>
+        </p:nvSpPr>
+        <p:spPr/>
+        <p:txBody>
+          <a:bodyPr/>
+          <a:lstStyle/>
+          <a:p>
+            <a:r>
+              <a:rPr lang="fr-FR" dirty="0" smtClean="0"/>
+              <a:t>Considération sur les tailles</a:t>
+            </a:r>
+            <a:endParaRPr lang="fr-FR" dirty="0"/>
+          </a:p>
+        </p:txBody>
+      </p:sp>
+      <p:sp>
+        <p:nvSpPr>
+          <p:cNvPr id="3" name="Espace réservé du contenu 2"/>
+          <p:cNvSpPr>
+            <a:spLocks noGrp="1"/>
+          </p:cNvSpPr>
+          <p:nvPr>
+            <p:ph idx="1"/>
+          </p:nvPr>
+        </p:nvSpPr>
+        <p:spPr/>
+        <p:txBody>
+          <a:bodyPr/>
+          <a:lstStyle/>
+          <a:p>
+            <a:r>
               <a:rPr lang="fr-FR" sz="2400" dirty="0" smtClean="0"/>
               <a:t>En Python un flottant fait 32 bits</a:t>
             </a:r>
@@ -6852,11 +6937,7 @@
             </a:r>
             <a:r>
               <a:rPr lang="fr-FR" sz="2400" smtClean="0"/>
-              <a:t>fait </a:t>
-            </a:r>
-            <a:r>
-              <a:rPr lang="fr-FR" sz="2400" smtClean="0"/>
-              <a:t>16Mo</a:t>
+              <a:t>fait 16Mo</a:t>
             </a:r>
             <a:endParaRPr lang="fr-FR" sz="2400" dirty="0" smtClean="0"/>
           </a:p>
@@ -6899,7 +6980,7 @@
 </p:sld>
 </file>
 
-<file path=ppt/slides/slide32.xml><?xml version="1.0" encoding="utf-8"?>
+<file path=ppt/slides/slide33.xml><?xml version="1.0" encoding="utf-8"?>
 <p:sld xmlns:a="http://schemas.openxmlformats.org/drawingml/2006/main" xmlns:r="http://schemas.openxmlformats.org/officeDocument/2006/relationships" xmlns:p="http://schemas.openxmlformats.org/presentationml/2006/main">
   <p:cSld>
     <p:spTree>
@@ -6978,7 +7059,7 @@
 </p:sld>
 </file>
 
-<file path=ppt/slides/slide33.xml><?xml version="1.0" encoding="utf-8"?>
+<file path=ppt/slides/slide34.xml><?xml version="1.0" encoding="utf-8"?>
 <p:sld xmlns:a="http://schemas.openxmlformats.org/drawingml/2006/main" xmlns:r="http://schemas.openxmlformats.org/officeDocument/2006/relationships" xmlns:p="http://schemas.openxmlformats.org/presentationml/2006/main">
   <p:cSld>
     <p:spTree>

--- a/PPT/DeepLearning05-MachineLearning.pptx
+++ b/PPT/DeepLearning05-MachineLearning.pptx
@@ -5,10 +5,10 @@
     <p:sldMasterId id="2147483653" r:id="rId1"/>
   </p:sldMasterIdLst>
   <p:notesMasterIdLst>
-    <p:notesMasterId r:id="rId36"/>
+    <p:notesMasterId r:id="rId37"/>
   </p:notesMasterIdLst>
   <p:handoutMasterIdLst>
-    <p:handoutMasterId r:id="rId37"/>
+    <p:handoutMasterId r:id="rId38"/>
   </p:handoutMasterIdLst>
   <p:sldIdLst>
     <p:sldId id="264" r:id="rId2"/>
@@ -29,22 +29,23 @@
     <p:sldId id="319" r:id="rId17"/>
     <p:sldId id="278" r:id="rId18"/>
     <p:sldId id="279" r:id="rId19"/>
-    <p:sldId id="280" r:id="rId20"/>
-    <p:sldId id="281" r:id="rId21"/>
-    <p:sldId id="283" r:id="rId22"/>
-    <p:sldId id="284" r:id="rId23"/>
-    <p:sldId id="285" r:id="rId24"/>
-    <p:sldId id="286" r:id="rId25"/>
-    <p:sldId id="311" r:id="rId26"/>
-    <p:sldId id="312" r:id="rId27"/>
-    <p:sldId id="313" r:id="rId28"/>
-    <p:sldId id="314" r:id="rId29"/>
-    <p:sldId id="321" r:id="rId30"/>
-    <p:sldId id="322" r:id="rId31"/>
-    <p:sldId id="297" r:id="rId32"/>
-    <p:sldId id="299" r:id="rId33"/>
-    <p:sldId id="318" r:id="rId34"/>
-    <p:sldId id="300" r:id="rId35"/>
+    <p:sldId id="323" r:id="rId20"/>
+    <p:sldId id="280" r:id="rId21"/>
+    <p:sldId id="281" r:id="rId22"/>
+    <p:sldId id="283" r:id="rId23"/>
+    <p:sldId id="284" r:id="rId24"/>
+    <p:sldId id="285" r:id="rId25"/>
+    <p:sldId id="286" r:id="rId26"/>
+    <p:sldId id="311" r:id="rId27"/>
+    <p:sldId id="312" r:id="rId28"/>
+    <p:sldId id="313" r:id="rId29"/>
+    <p:sldId id="314" r:id="rId30"/>
+    <p:sldId id="321" r:id="rId31"/>
+    <p:sldId id="322" r:id="rId32"/>
+    <p:sldId id="297" r:id="rId33"/>
+    <p:sldId id="299" r:id="rId34"/>
+    <p:sldId id="318" r:id="rId35"/>
+    <p:sldId id="300" r:id="rId36"/>
   </p:sldIdLst>
   <p:sldSz cx="9144000" cy="6858000" type="screen4x3"/>
   <p:notesSz cx="6648450" cy="9782175"/>
@@ -637,35 +638,35 @@
           <a:p>
             <a:pPr lvl="0"/>
             <a:r>
-              <a:rPr lang="fr-FR" noProof="0" smtClean="0"/>
+              <a:rPr lang="fr-FR" noProof="0"/>
               <a:t>Cliquez pour modifier les styles du texte du masque</a:t>
             </a:r>
           </a:p>
           <a:p>
             <a:pPr lvl="1"/>
             <a:r>
-              <a:rPr lang="fr-FR" noProof="0" smtClean="0"/>
+              <a:rPr lang="fr-FR" noProof="0"/>
               <a:t>Deuxième niveau</a:t>
             </a:r>
           </a:p>
           <a:p>
             <a:pPr lvl="2"/>
             <a:r>
-              <a:rPr lang="fr-FR" noProof="0" smtClean="0"/>
+              <a:rPr lang="fr-FR" noProof="0"/>
               <a:t>Troisième niveau</a:t>
             </a:r>
           </a:p>
           <a:p>
             <a:pPr lvl="3"/>
             <a:r>
-              <a:rPr lang="fr-FR" noProof="0" smtClean="0"/>
+              <a:rPr lang="fr-FR" noProof="0"/>
               <a:t>Quatrième niveau</a:t>
             </a:r>
           </a:p>
           <a:p>
             <a:pPr lvl="4"/>
             <a:r>
-              <a:rPr lang="fr-FR" noProof="0" smtClean="0"/>
+              <a:rPr lang="fr-FR" noProof="0"/>
               <a:t>Cinquième niveau</a:t>
             </a:r>
           </a:p>
@@ -953,10 +954,9 @@
           <a:lstStyle/>
           <a:p>
             <a:r>
-              <a:rPr lang="fr-FR" smtClean="0"/>
+              <a:rPr lang="fr-FR"/>
               <a:t>Cliquez pour modifier le style du titre</a:t>
             </a:r>
-            <a:endParaRPr lang="fr-FR"/>
           </a:p>
         </p:txBody>
       </p:sp>
@@ -1018,10 +1018,9 @@
           </a:lstStyle>
           <a:p>
             <a:r>
-              <a:rPr lang="fr-FR" smtClean="0"/>
+              <a:rPr lang="fr-FR"/>
               <a:t>Cliquez pour modifier le style des sous-titres du masque</a:t>
             </a:r>
-            <a:endParaRPr lang="fr-FR"/>
           </a:p>
         </p:txBody>
       </p:sp>
@@ -1076,10 +1075,9 @@
           <a:lstStyle/>
           <a:p>
             <a:r>
-              <a:rPr lang="fr-FR" smtClean="0"/>
+              <a:rPr lang="fr-FR"/>
               <a:t>Cliquez pour modifier le style du titre</a:t>
             </a:r>
-            <a:endParaRPr lang="fr-FR"/>
           </a:p>
         </p:txBody>
       </p:sp>
@@ -1105,38 +1103,37 @@
           <a:p>
             <a:pPr lvl="0"/>
             <a:r>
-              <a:rPr lang="fr-FR" smtClean="0"/>
+              <a:rPr lang="fr-FR"/>
               <a:t>Cliquez pour modifier les styles du texte du masque</a:t>
             </a:r>
           </a:p>
           <a:p>
             <a:pPr lvl="1"/>
             <a:r>
-              <a:rPr lang="fr-FR" smtClean="0"/>
+              <a:rPr lang="fr-FR"/>
               <a:t>Deuxième niveau</a:t>
             </a:r>
           </a:p>
           <a:p>
             <a:pPr lvl="2"/>
             <a:r>
-              <a:rPr lang="fr-FR" smtClean="0"/>
+              <a:rPr lang="fr-FR"/>
               <a:t>Troisième niveau</a:t>
             </a:r>
           </a:p>
           <a:p>
             <a:pPr lvl="3"/>
             <a:r>
-              <a:rPr lang="fr-FR" smtClean="0"/>
+              <a:rPr lang="fr-FR"/>
               <a:t>Quatrième niveau</a:t>
             </a:r>
           </a:p>
           <a:p>
             <a:pPr lvl="4"/>
             <a:r>
-              <a:rPr lang="fr-FR" smtClean="0"/>
+              <a:rPr lang="fr-FR"/>
               <a:t>Cinquième niveau</a:t>
             </a:r>
-            <a:endParaRPr lang="fr-FR"/>
           </a:p>
         </p:txBody>
       </p:sp>
@@ -1195,10 +1192,9 @@
           </a:lstStyle>
           <a:p>
             <a:r>
-              <a:rPr lang="fr-FR" dirty="0" smtClean="0"/>
+              <a:rPr lang="fr-FR" dirty="0"/>
               <a:t>Cliquez pour modifier le style du titre</a:t>
             </a:r>
-            <a:endParaRPr lang="fr-FR" dirty="0"/>
           </a:p>
         </p:txBody>
       </p:sp>
@@ -1224,38 +1220,37 @@
           <a:p>
             <a:pPr lvl="0"/>
             <a:r>
-              <a:rPr lang="fr-FR" dirty="0" smtClean="0"/>
+              <a:rPr lang="fr-FR" dirty="0"/>
               <a:t>Cliquez pour modifier les styles du texte du masque</a:t>
             </a:r>
           </a:p>
           <a:p>
             <a:pPr lvl="1"/>
             <a:r>
-              <a:rPr lang="fr-FR" dirty="0" smtClean="0"/>
+              <a:rPr lang="fr-FR" dirty="0"/>
               <a:t>Deuxième niveau</a:t>
             </a:r>
           </a:p>
           <a:p>
             <a:pPr lvl="2"/>
             <a:r>
-              <a:rPr lang="fr-FR" dirty="0" smtClean="0"/>
+              <a:rPr lang="fr-FR" dirty="0"/>
               <a:t>Troisième niveau</a:t>
             </a:r>
           </a:p>
           <a:p>
             <a:pPr lvl="3"/>
             <a:r>
-              <a:rPr lang="fr-FR" dirty="0" smtClean="0"/>
+              <a:rPr lang="fr-FR" dirty="0"/>
               <a:t>Quatrième niveau</a:t>
             </a:r>
           </a:p>
           <a:p>
             <a:pPr lvl="4"/>
             <a:r>
-              <a:rPr lang="fr-FR" dirty="0" smtClean="0"/>
+              <a:rPr lang="fr-FR" dirty="0"/>
               <a:t>Cinquième niveau</a:t>
             </a:r>
-            <a:endParaRPr lang="fr-FR" dirty="0"/>
           </a:p>
         </p:txBody>
       </p:sp>
@@ -1305,10 +1300,9 @@
           <a:lstStyle/>
           <a:p>
             <a:r>
-              <a:rPr lang="fr-FR" smtClean="0"/>
+              <a:rPr lang="fr-FR"/>
               <a:t>Cliquez pour modifier le style du titre</a:t>
             </a:r>
-            <a:endParaRPr lang="fr-FR"/>
           </a:p>
         </p:txBody>
       </p:sp>
@@ -1362,38 +1356,37 @@
           <a:p>
             <a:pPr lvl="0"/>
             <a:r>
-              <a:rPr lang="fr-FR" smtClean="0"/>
+              <a:rPr lang="fr-FR"/>
               <a:t>Cliquez pour modifier les styles du texte du masque</a:t>
             </a:r>
           </a:p>
           <a:p>
             <a:pPr lvl="1"/>
             <a:r>
-              <a:rPr lang="fr-FR" smtClean="0"/>
+              <a:rPr lang="fr-FR"/>
               <a:t>Deuxième niveau</a:t>
             </a:r>
           </a:p>
           <a:p>
             <a:pPr lvl="2"/>
             <a:r>
-              <a:rPr lang="fr-FR" smtClean="0"/>
+              <a:rPr lang="fr-FR"/>
               <a:t>Troisième niveau</a:t>
             </a:r>
           </a:p>
           <a:p>
             <a:pPr lvl="3"/>
             <a:r>
-              <a:rPr lang="fr-FR" smtClean="0"/>
+              <a:rPr lang="fr-FR"/>
               <a:t>Quatrième niveau</a:t>
             </a:r>
           </a:p>
           <a:p>
             <a:pPr lvl="4"/>
             <a:r>
-              <a:rPr lang="fr-FR" smtClean="0"/>
+              <a:rPr lang="fr-FR"/>
               <a:t>Cinquième niveau</a:t>
             </a:r>
-            <a:endParaRPr lang="fr-FR"/>
           </a:p>
         </p:txBody>
       </p:sp>
@@ -1447,38 +1440,37 @@
           <a:p>
             <a:pPr lvl="0"/>
             <a:r>
-              <a:rPr lang="fr-FR" smtClean="0"/>
+              <a:rPr lang="fr-FR"/>
               <a:t>Cliquez pour modifier les styles du texte du masque</a:t>
             </a:r>
           </a:p>
           <a:p>
             <a:pPr lvl="1"/>
             <a:r>
-              <a:rPr lang="fr-FR" smtClean="0"/>
+              <a:rPr lang="fr-FR"/>
               <a:t>Deuxième niveau</a:t>
             </a:r>
           </a:p>
           <a:p>
             <a:pPr lvl="2"/>
             <a:r>
-              <a:rPr lang="fr-FR" smtClean="0"/>
+              <a:rPr lang="fr-FR"/>
               <a:t>Troisième niveau</a:t>
             </a:r>
           </a:p>
           <a:p>
             <a:pPr lvl="3"/>
             <a:r>
-              <a:rPr lang="fr-FR" smtClean="0"/>
+              <a:rPr lang="fr-FR"/>
               <a:t>Quatrième niveau</a:t>
             </a:r>
           </a:p>
           <a:p>
             <a:pPr lvl="4"/>
             <a:r>
-              <a:rPr lang="fr-FR" smtClean="0"/>
+              <a:rPr lang="fr-FR"/>
               <a:t>Cinquième niveau</a:t>
             </a:r>
-            <a:endParaRPr lang="fr-FR"/>
           </a:p>
         </p:txBody>
       </p:sp>
@@ -1537,10 +1529,9 @@
           </a:lstStyle>
           <a:p>
             <a:r>
-              <a:rPr lang="fr-FR" smtClean="0"/>
+              <a:rPr lang="fr-FR"/>
               <a:t>Cliquez pour modifier le style du titre</a:t>
             </a:r>
-            <a:endParaRPr lang="fr-FR"/>
           </a:p>
         </p:txBody>
       </p:sp>
@@ -1603,7 +1594,7 @@
           <a:p>
             <a:pPr lvl="0"/>
             <a:r>
-              <a:rPr lang="fr-FR" smtClean="0"/>
+              <a:rPr lang="fr-FR"/>
               <a:t>Cliquez pour modifier les styles du texte du masque</a:t>
             </a:r>
           </a:p>
@@ -1659,38 +1650,37 @@
           <a:p>
             <a:pPr lvl="0"/>
             <a:r>
-              <a:rPr lang="fr-FR" smtClean="0"/>
+              <a:rPr lang="fr-FR"/>
               <a:t>Cliquez pour modifier les styles du texte du masque</a:t>
             </a:r>
           </a:p>
           <a:p>
             <a:pPr lvl="1"/>
             <a:r>
-              <a:rPr lang="fr-FR" smtClean="0"/>
+              <a:rPr lang="fr-FR"/>
               <a:t>Deuxième niveau</a:t>
             </a:r>
           </a:p>
           <a:p>
             <a:pPr lvl="2"/>
             <a:r>
-              <a:rPr lang="fr-FR" smtClean="0"/>
+              <a:rPr lang="fr-FR"/>
               <a:t>Troisième niveau</a:t>
             </a:r>
           </a:p>
           <a:p>
             <a:pPr lvl="3"/>
             <a:r>
-              <a:rPr lang="fr-FR" smtClean="0"/>
+              <a:rPr lang="fr-FR"/>
               <a:t>Quatrième niveau</a:t>
             </a:r>
           </a:p>
           <a:p>
             <a:pPr lvl="4"/>
             <a:r>
-              <a:rPr lang="fr-FR" smtClean="0"/>
+              <a:rPr lang="fr-FR"/>
               <a:t>Cinquième niveau</a:t>
             </a:r>
-            <a:endParaRPr lang="fr-FR"/>
           </a:p>
         </p:txBody>
       </p:sp>
@@ -1753,7 +1743,7 @@
           <a:p>
             <a:pPr lvl="0"/>
             <a:r>
-              <a:rPr lang="fr-FR" smtClean="0"/>
+              <a:rPr lang="fr-FR"/>
               <a:t>Cliquez pour modifier les styles du texte du masque</a:t>
             </a:r>
           </a:p>
@@ -1809,38 +1799,37 @@
           <a:p>
             <a:pPr lvl="0"/>
             <a:r>
-              <a:rPr lang="fr-FR" smtClean="0"/>
+              <a:rPr lang="fr-FR"/>
               <a:t>Cliquez pour modifier les styles du texte du masque</a:t>
             </a:r>
           </a:p>
           <a:p>
             <a:pPr lvl="1"/>
             <a:r>
-              <a:rPr lang="fr-FR" smtClean="0"/>
+              <a:rPr lang="fr-FR"/>
               <a:t>Deuxième niveau</a:t>
             </a:r>
           </a:p>
           <a:p>
             <a:pPr lvl="2"/>
             <a:r>
-              <a:rPr lang="fr-FR" smtClean="0"/>
+              <a:rPr lang="fr-FR"/>
               <a:t>Troisième niveau</a:t>
             </a:r>
           </a:p>
           <a:p>
             <a:pPr lvl="3"/>
             <a:r>
-              <a:rPr lang="fr-FR" smtClean="0"/>
+              <a:rPr lang="fr-FR"/>
               <a:t>Quatrième niveau</a:t>
             </a:r>
           </a:p>
           <a:p>
             <a:pPr lvl="4"/>
             <a:r>
-              <a:rPr lang="fr-FR" smtClean="0"/>
+              <a:rPr lang="fr-FR"/>
               <a:t>Cinquième niveau</a:t>
             </a:r>
-            <a:endParaRPr lang="fr-FR"/>
           </a:p>
         </p:txBody>
       </p:sp>
@@ -1890,10 +1879,9 @@
           <a:lstStyle/>
           <a:p>
             <a:r>
-              <a:rPr lang="fr-FR" smtClean="0"/>
+              <a:rPr lang="fr-FR"/>
               <a:t>Cliquez pour modifier le style du titre</a:t>
             </a:r>
-            <a:endParaRPr lang="fr-FR"/>
           </a:p>
         </p:txBody>
       </p:sp>
@@ -1982,10 +1970,9 @@
           </a:lstStyle>
           <a:p>
             <a:r>
-              <a:rPr lang="fr-FR" smtClean="0"/>
+              <a:rPr lang="fr-FR"/>
               <a:t>Cliquez pour modifier le style du titre</a:t>
             </a:r>
-            <a:endParaRPr lang="fr-FR"/>
           </a:p>
         </p:txBody>
       </p:sp>
@@ -2039,38 +2026,37 @@
           <a:p>
             <a:pPr lvl="0"/>
             <a:r>
-              <a:rPr lang="fr-FR" smtClean="0"/>
+              <a:rPr lang="fr-FR"/>
               <a:t>Cliquez pour modifier les styles du texte du masque</a:t>
             </a:r>
           </a:p>
           <a:p>
             <a:pPr lvl="1"/>
             <a:r>
-              <a:rPr lang="fr-FR" smtClean="0"/>
+              <a:rPr lang="fr-FR"/>
               <a:t>Deuxième niveau</a:t>
             </a:r>
           </a:p>
           <a:p>
             <a:pPr lvl="2"/>
             <a:r>
-              <a:rPr lang="fr-FR" smtClean="0"/>
+              <a:rPr lang="fr-FR"/>
               <a:t>Troisième niveau</a:t>
             </a:r>
           </a:p>
           <a:p>
             <a:pPr lvl="3"/>
             <a:r>
-              <a:rPr lang="fr-FR" smtClean="0"/>
+              <a:rPr lang="fr-FR"/>
               <a:t>Quatrième niveau</a:t>
             </a:r>
           </a:p>
           <a:p>
             <a:pPr lvl="4"/>
             <a:r>
-              <a:rPr lang="fr-FR" smtClean="0"/>
+              <a:rPr lang="fr-FR"/>
               <a:t>Cinquième niveau</a:t>
             </a:r>
-            <a:endParaRPr lang="fr-FR"/>
           </a:p>
         </p:txBody>
       </p:sp>
@@ -2133,7 +2119,7 @@
           <a:p>
             <a:pPr lvl="0"/>
             <a:r>
-              <a:rPr lang="fr-FR" smtClean="0"/>
+              <a:rPr lang="fr-FR"/>
               <a:t>Cliquez pour modifier les styles du texte du masque</a:t>
             </a:r>
           </a:p>
@@ -2194,10 +2180,9 @@
           </a:lstStyle>
           <a:p>
             <a:r>
-              <a:rPr lang="fr-FR" smtClean="0"/>
+              <a:rPr lang="fr-FR"/>
               <a:t>Cliquez pour modifier le style du titre</a:t>
             </a:r>
-            <a:endParaRPr lang="fr-FR"/>
           </a:p>
         </p:txBody>
       </p:sp>
@@ -2259,7 +2244,7 @@
           </a:lstStyle>
           <a:p>
             <a:pPr lvl="0"/>
-            <a:endParaRPr lang="fr-FR" noProof="0" smtClean="0"/>
+            <a:endParaRPr lang="fr-FR" noProof="0"/>
           </a:p>
         </p:txBody>
       </p:sp>
@@ -2322,7 +2307,7 @@
           <a:p>
             <a:pPr lvl="0"/>
             <a:r>
-              <a:rPr lang="fr-FR" smtClean="0"/>
+              <a:rPr lang="fr-FR"/>
               <a:t>Cliquez pour modifier les styles du texte du masque</a:t>
             </a:r>
           </a:p>
@@ -2374,10 +2359,9 @@
           <a:lstStyle/>
           <a:p>
             <a:r>
-              <a:rPr lang="fr-FR" smtClean="0"/>
+              <a:rPr lang="fr-FR"/>
               <a:t>Cliquez pour modifier le style du titre</a:t>
             </a:r>
-            <a:endParaRPr lang="fr-FR"/>
           </a:p>
         </p:txBody>
       </p:sp>
@@ -2398,38 +2382,37 @@
           <a:p>
             <a:pPr lvl="0"/>
             <a:r>
-              <a:rPr lang="fr-FR" smtClean="0"/>
+              <a:rPr lang="fr-FR"/>
               <a:t>Cliquez pour modifier les styles du texte du masque</a:t>
             </a:r>
           </a:p>
           <a:p>
             <a:pPr lvl="1"/>
             <a:r>
-              <a:rPr lang="fr-FR" smtClean="0"/>
+              <a:rPr lang="fr-FR"/>
               <a:t>Deuxième niveau</a:t>
             </a:r>
           </a:p>
           <a:p>
             <a:pPr lvl="2"/>
             <a:r>
-              <a:rPr lang="fr-FR" smtClean="0"/>
+              <a:rPr lang="fr-FR"/>
               <a:t>Troisième niveau</a:t>
             </a:r>
           </a:p>
           <a:p>
             <a:pPr lvl="3"/>
             <a:r>
-              <a:rPr lang="fr-FR" smtClean="0"/>
+              <a:rPr lang="fr-FR"/>
               <a:t>Quatrième niveau</a:t>
             </a:r>
           </a:p>
           <a:p>
             <a:pPr lvl="4"/>
             <a:r>
-              <a:rPr lang="fr-FR" smtClean="0"/>
+              <a:rPr lang="fr-FR"/>
               <a:t>Cinquième niveau</a:t>
             </a:r>
-            <a:endParaRPr lang="fr-FR"/>
           </a:p>
         </p:txBody>
       </p:sp>
@@ -2610,7 +2593,7 @@
             <a:pPr eaLnBrk="1" hangingPunct="1">
               <a:defRPr/>
             </a:pPr>
-            <a:endParaRPr lang="fr-FR" altLang="fr-FR" smtClean="0"/>
+            <a:endParaRPr lang="fr-FR" altLang="fr-FR"/>
           </a:p>
         </p:txBody>
       </p:sp>
@@ -2764,7 +2747,7 @@
               <a:defRPr/>
             </a:pPr>
             <a:r>
-              <a:rPr lang="fr-FR" sz="1200" dirty="0" smtClean="0"/>
+              <a:rPr lang="fr-FR" sz="1200" dirty="0"/>
               <a:t>Page </a:t>
             </a:r>
             <a:fld id="{E218E9B1-FD08-4C80-902E-210BA2967D0D}" type="slidenum">
@@ -2777,7 +2760,7 @@
               </a:pPr>
               <a:t>‹N°›</a:t>
             </a:fld>
-            <a:endParaRPr lang="fr-FR" dirty="0" smtClean="0">
+            <a:endParaRPr lang="fr-FR" dirty="0">
               <a:latin typeface="Times New Roman" pitchFamily="18" charset="0"/>
             </a:endParaRPr>
           </a:p>
@@ -2933,10 +2916,10 @@
               <a:defRPr/>
             </a:pPr>
             <a:r>
-              <a:rPr lang="fr-FR" sz="1600" dirty="0" smtClean="0"/>
+              <a:rPr lang="fr-FR" sz="1600" dirty="0"/>
               <a:t>Python</a:t>
             </a:r>
-            <a:endParaRPr lang="fr-FR" dirty="0" smtClean="0">
+            <a:endParaRPr lang="fr-FR" dirty="0">
               <a:latin typeface="Times New Roman" pitchFamily="18" charset="0"/>
             </a:endParaRPr>
           </a:p>
@@ -2994,7 +2977,7 @@
           <a:p>
             <a:pPr lvl="0"/>
             <a:r>
-              <a:rPr lang="fr-FR" altLang="fr-FR" smtClean="0"/>
+              <a:rPr lang="fr-FR" altLang="fr-FR"/>
               <a:t>Cliquez pour modifier le style du titre du masque</a:t>
             </a:r>
           </a:p>
@@ -3052,35 +3035,35 @@
           <a:p>
             <a:pPr lvl="0"/>
             <a:r>
-              <a:rPr lang="fr-FR" altLang="fr-FR" smtClean="0"/>
+              <a:rPr lang="fr-FR" altLang="fr-FR"/>
               <a:t>Cliquez pour modifier les styles du texte du masque</a:t>
             </a:r>
           </a:p>
           <a:p>
             <a:pPr lvl="1"/>
             <a:r>
-              <a:rPr lang="fr-FR" altLang="fr-FR" smtClean="0"/>
+              <a:rPr lang="fr-FR" altLang="fr-FR"/>
               <a:t>Deuxième niveau</a:t>
             </a:r>
           </a:p>
           <a:p>
             <a:pPr lvl="2"/>
             <a:r>
-              <a:rPr lang="fr-FR" altLang="fr-FR" smtClean="0"/>
+              <a:rPr lang="fr-FR" altLang="fr-FR"/>
               <a:t>Troisième niveau</a:t>
             </a:r>
           </a:p>
           <a:p>
             <a:pPr lvl="3"/>
             <a:r>
-              <a:rPr lang="fr-FR" altLang="fr-FR" smtClean="0"/>
+              <a:rPr lang="fr-FR" altLang="fr-FR"/>
               <a:t>Quatrième niveau</a:t>
             </a:r>
           </a:p>
           <a:p>
             <a:pPr lvl="4"/>
             <a:r>
-              <a:rPr lang="fr-FR" altLang="fr-FR" smtClean="0"/>
+              <a:rPr lang="fr-FR" altLang="fr-FR"/>
               <a:t>Cinquième niveau</a:t>
             </a:r>
           </a:p>
@@ -3236,10 +3219,10 @@
               <a:defRPr/>
             </a:pPr>
             <a:r>
-              <a:rPr lang="fr-FR" sz="1200" smtClean="0"/>
+              <a:rPr lang="fr-FR" sz="1200"/>
               <a:t>© Cyril Vincent Conseil</a:t>
             </a:r>
-            <a:endParaRPr lang="fr-FR" smtClean="0">
+            <a:endParaRPr lang="fr-FR">
               <a:latin typeface="Times New Roman" pitchFamily="18" charset="0"/>
             </a:endParaRPr>
           </a:p>
@@ -3721,14 +3704,14 @@
           <a:p>
             <a:pPr eaLnBrk="1" hangingPunct="1"/>
             <a:r>
-              <a:rPr lang="fr-FR" altLang="fr-FR" dirty="0" smtClean="0"/>
+              <a:rPr lang="fr-FR" altLang="fr-FR" dirty="0"/>
               <a:t>Chapitre 5</a:t>
             </a:r>
           </a:p>
           <a:p>
             <a:pPr eaLnBrk="1" hangingPunct="1"/>
             <a:r>
-              <a:rPr lang="fr-FR" altLang="fr-FR" dirty="0" smtClean="0"/>
+              <a:rPr lang="fr-FR" altLang="fr-FR" dirty="0"/>
               <a:t>Machine Learning</a:t>
             </a:r>
           </a:p>
@@ -3781,11 +3764,11 @@
           <a:lstStyle/>
           <a:p>
             <a:r>
-              <a:rPr lang="fr-FR" sz="3600" dirty="0" err="1" smtClean="0"/>
+              <a:rPr lang="fr-FR" sz="3600" dirty="0" err="1"/>
               <a:t>Deep</a:t>
             </a:r>
             <a:r>
-              <a:rPr lang="fr-FR" sz="3600" smtClean="0"/>
+              <a:rPr lang="fr-FR" sz="3600"/>
               <a:t> Learning</a:t>
             </a:r>
             <a:endParaRPr lang="fr-FR" sz="3600" dirty="0"/>
@@ -3797,13 +3780,6 @@
   <p:clrMapOvr>
     <a:masterClrMapping/>
   </p:clrMapOvr>
-  <p:timing>
-    <p:tnLst>
-      <p:par>
-        <p:cTn id="1" dur="indefinite" restart="never" nodeType="tmRoot"/>
-      </p:par>
-    </p:tnLst>
-  </p:timing>
 </p:sld>
 </file>
 
@@ -3840,10 +3816,9 @@
           <a:lstStyle/>
           <a:p>
             <a:r>
-              <a:rPr lang="fr-FR" dirty="0" smtClean="0"/>
+              <a:rPr lang="fr-FR" dirty="0"/>
               <a:t>Machine Learning</a:t>
             </a:r>
-            <a:endParaRPr lang="fr-FR" dirty="0"/>
           </a:p>
         </p:txBody>
       </p:sp>
@@ -3936,10 +3911,9 @@
           <a:lstStyle/>
           <a:p>
             <a:r>
-              <a:rPr lang="fr-FR" dirty="0" smtClean="0"/>
+              <a:rPr lang="fr-FR" dirty="0"/>
               <a:t>Ecart type</a:t>
             </a:r>
-            <a:endParaRPr lang="fr-FR" dirty="0"/>
           </a:p>
         </p:txBody>
       </p:sp>
@@ -3959,37 +3933,36 @@
           <a:lstStyle/>
           <a:p>
             <a:r>
-              <a:rPr lang="fr-FR" dirty="0" smtClean="0"/>
+              <a:rPr lang="fr-FR" dirty="0"/>
               <a:t>Mesure la dispersion des variables</a:t>
             </a:r>
           </a:p>
           <a:p>
             <a:pPr lvl="1"/>
             <a:r>
-              <a:rPr lang="fr-FR" dirty="0" smtClean="0"/>
+              <a:rPr lang="fr-FR" dirty="0"/>
               <a:t>Racine carrée de la variance</a:t>
             </a:r>
           </a:p>
           <a:p>
             <a:pPr lvl="1"/>
             <a:r>
-              <a:rPr lang="fr-FR" dirty="0" smtClean="0"/>
+              <a:rPr lang="fr-FR" dirty="0"/>
               <a:t>Moyenne est écarts par rapport à une moyenne</a:t>
             </a:r>
           </a:p>
           <a:p>
             <a:pPr lvl="1"/>
             <a:r>
-              <a:rPr lang="fr-FR" dirty="0" smtClean="0"/>
+              <a:rPr lang="fr-FR" dirty="0"/>
               <a:t>Souvent noté sigma</a:t>
             </a:r>
           </a:p>
           <a:p>
             <a:r>
-              <a:rPr lang="fr-FR" dirty="0" smtClean="0"/>
+              <a:rPr lang="fr-FR" dirty="0"/>
               <a:t>Voici 2 échantillons avec la même moyenne mais des écarts types différents</a:t>
             </a:r>
-            <a:endParaRPr lang="fr-FR" dirty="0"/>
           </a:p>
         </p:txBody>
       </p:sp>
@@ -4080,10 +4053,9 @@
           <a:lstStyle/>
           <a:p>
             <a:r>
-              <a:rPr lang="fr-FR" dirty="0" smtClean="0"/>
+              <a:rPr lang="fr-FR" dirty="0"/>
               <a:t>Loi normale</a:t>
             </a:r>
-            <a:endParaRPr lang="fr-FR" dirty="0"/>
           </a:p>
         </p:txBody>
       </p:sp>
@@ -4104,34 +4076,14 @@
           <a:p>
             <a:r>
               <a:rPr lang="fr-FR" dirty="0"/>
-              <a:t>I</a:t>
-            </a:r>
-            <a:r>
-              <a:rPr lang="fr-FR" dirty="0" smtClean="0"/>
-              <a:t>l </a:t>
-            </a:r>
-            <a:r>
-              <a:rPr lang="fr-FR" dirty="0"/>
-              <a:t>est fréquent de considérer que les valeurs se répartissent selon une courbe de </a:t>
-            </a:r>
-            <a:r>
-              <a:rPr lang="fr-FR" dirty="0" smtClean="0"/>
-              <a:t>Gauss</a:t>
+              <a:t>Il est fréquent de considérer que les valeurs se répartissent selon une courbe de Gauss</a:t>
             </a:r>
           </a:p>
           <a:p>
             <a:pPr lvl="1"/>
             <a:r>
-              <a:rPr lang="fr-FR" dirty="0" smtClean="0"/>
-              <a:t>Dans </a:t>
-            </a:r>
-            <a:r>
-              <a:rPr lang="fr-FR" dirty="0"/>
-              <a:t>le cas des sciences sociales, par exemple, la moyenne et l'écart type permettent de déterminer un intervalle dans lequel on trouve une majorité de la </a:t>
-            </a:r>
-            <a:r>
-              <a:rPr lang="fr-FR" dirty="0" smtClean="0"/>
-              <a:t>population</a:t>
+              <a:rPr lang="fr-FR" dirty="0"/>
+              <a:t>Dans le cas des sciences sociales, par exemple, la moyenne et l'écart type permettent de déterminer un intervalle dans lequel on trouve une majorité de la population</a:t>
             </a:r>
           </a:p>
           <a:p>
@@ -4227,10 +4179,9 @@
           <a:lstStyle/>
           <a:p>
             <a:r>
-              <a:rPr lang="fr-FR" dirty="0" smtClean="0"/>
+              <a:rPr lang="fr-FR" dirty="0"/>
               <a:t>Cas non gaussien</a:t>
             </a:r>
-            <a:endParaRPr lang="fr-FR" dirty="0"/>
           </a:p>
         </p:txBody>
       </p:sp>
@@ -4250,53 +4201,53 @@
           <a:lstStyle/>
           <a:p>
             <a:r>
-              <a:rPr lang="fr-FR" dirty="0" smtClean="0"/>
+              <a:rPr lang="fr-FR" dirty="0"/>
               <a:t>Les distribution des salaire en France ne suit pas une gaussienne</a:t>
             </a:r>
           </a:p>
           <a:p>
             <a:pPr lvl="1"/>
             <a:r>
-              <a:rPr lang="fr-FR" dirty="0" smtClean="0"/>
+              <a:rPr lang="fr-FR" dirty="0"/>
               <a:t>C’est une gaussienne asymétrique</a:t>
             </a:r>
           </a:p>
           <a:p>
             <a:r>
-              <a:rPr lang="fr-FR" dirty="0" smtClean="0"/>
+              <a:rPr lang="fr-FR" dirty="0"/>
               <a:t>La moyenne et l’écart type n’ont pas de sens</a:t>
             </a:r>
           </a:p>
           <a:p>
             <a:r>
-              <a:rPr lang="fr-FR" dirty="0" smtClean="0"/>
+              <a:rPr lang="fr-FR" dirty="0"/>
               <a:t>Il faut utilise la médiane et les *iles</a:t>
             </a:r>
           </a:p>
           <a:p>
             <a:r>
-              <a:rPr lang="fr-FR" dirty="0" smtClean="0"/>
+              <a:rPr lang="fr-FR" dirty="0"/>
               <a:t>Exemple</a:t>
             </a:r>
           </a:p>
           <a:p>
             <a:pPr lvl="1"/>
             <a:r>
-              <a:rPr lang="fr-FR" dirty="0" smtClean="0"/>
+              <a:rPr lang="fr-FR" dirty="0"/>
               <a:t>Salaire équivalent temps plein net</a:t>
             </a:r>
           </a:p>
           <a:p>
             <a:pPr lvl="1"/>
             <a:r>
-              <a:rPr lang="fr-FR" dirty="0" smtClean="0"/>
+              <a:rPr lang="fr-FR" dirty="0"/>
               <a:t>Salaire moyen : 2250 €</a:t>
             </a:r>
           </a:p>
           <a:p>
             <a:pPr lvl="1"/>
             <a:r>
-              <a:rPr lang="fr-FR" dirty="0" smtClean="0"/>
+              <a:rPr lang="fr-FR" dirty="0"/>
               <a:t>Salaire médian : 1797 €</a:t>
             </a:r>
           </a:p>
@@ -4393,10 +4344,9 @@
           <a:lstStyle/>
           <a:p>
             <a:r>
-              <a:rPr lang="fr-FR" dirty="0" smtClean="0"/>
+              <a:rPr lang="fr-FR" dirty="0"/>
               <a:t>Modélisation</a:t>
             </a:r>
-            <a:endParaRPr lang="fr-FR" dirty="0"/>
           </a:p>
         </p:txBody>
       </p:sp>
@@ -4420,35 +4370,23 @@
               <a:t>Imaginez que vous êtes un data </a:t>
             </a:r>
             <a:r>
-              <a:rPr lang="fr-FR" dirty="0" err="1" smtClean="0"/>
+              <a:rPr lang="fr-FR" dirty="0" err="1"/>
               <a:t>scientist</a:t>
             </a:r>
-            <a:endParaRPr lang="fr-FR" dirty="0" smtClean="0"/>
+            <a:endParaRPr lang="fr-FR" dirty="0"/>
           </a:p>
           <a:p>
             <a:pPr lvl="1"/>
             <a:r>
-              <a:rPr lang="fr-FR" dirty="0" smtClean="0"/>
-              <a:t>Vous </a:t>
-            </a:r>
-            <a:r>
-              <a:rPr lang="fr-FR" dirty="0"/>
-              <a:t>êtes maintenant confortable avec l'ensemble des données récupérées pour vos </a:t>
-            </a:r>
-            <a:r>
-              <a:rPr lang="fr-FR" dirty="0" smtClean="0"/>
-              <a:t>analyses</a:t>
+              <a:rPr lang="fr-FR" dirty="0"/>
+              <a:t>Vous êtes maintenant confortable avec l'ensemble des données récupérées pour vos analyses</a:t>
             </a:r>
           </a:p>
           <a:p>
             <a:pPr lvl="1"/>
             <a:r>
-              <a:rPr lang="fr-FR" dirty="0" smtClean="0"/>
-              <a:t>Vous </a:t>
-            </a:r>
-            <a:r>
-              <a:rPr lang="fr-FR" dirty="0"/>
-              <a:t>avez une connaissance des objectifs principaux de l'entreprise, ce qui vous a aidé à synthétiser les différentes variables qui interviennent, ainsi que visualiser les différents comportements et corrélations présents au sein de ces données</a:t>
+              <a:rPr lang="fr-FR" dirty="0"/>
+              <a:t>Vous avez une connaissance des objectifs principaux de l'entreprise, ce qui vous a aidé à synthétiser les différentes variables qui interviennent, ainsi que visualiser les différents comportements et corrélations présents au sein de ces données</a:t>
             </a:r>
           </a:p>
         </p:txBody>
@@ -4499,10 +4437,9 @@
           <a:lstStyle/>
           <a:p>
             <a:r>
-              <a:rPr lang="fr-FR" dirty="0" smtClean="0"/>
+              <a:rPr lang="fr-FR" dirty="0"/>
               <a:t>Apprentissage</a:t>
             </a:r>
-            <a:endParaRPr lang="fr-FR" dirty="0"/>
           </a:p>
         </p:txBody>
       </p:sp>
@@ -4534,46 +4471,30 @@
               <a:t>, l'idée est que l'algorithme construise une "représentation interne" tout seul afin de pouvoir effectuer la tâche qui lui est demandée (prédiction, identification, </a:t>
             </a:r>
             <a:r>
-              <a:rPr lang="fr-FR" dirty="0" err="1" smtClean="0"/>
+              <a:rPr lang="fr-FR" dirty="0" err="1"/>
               <a:t>etc</a:t>
             </a:r>
             <a:r>
-              <a:rPr lang="fr-FR" dirty="0" smtClean="0"/>
+              <a:rPr lang="fr-FR" dirty="0"/>
               <a:t>)</a:t>
             </a:r>
           </a:p>
           <a:p>
             <a:r>
-              <a:rPr lang="fr-FR" dirty="0" smtClean="0"/>
+              <a:rPr lang="fr-FR" dirty="0"/>
               <a:t>L’être humain est quasiment incapable d’écrire l’algorithme</a:t>
             </a:r>
           </a:p>
           <a:p>
             <a:r>
-              <a:rPr lang="fr-FR" dirty="0" smtClean="0"/>
-              <a:t>Pour </a:t>
-            </a:r>
-            <a:r>
-              <a:rPr lang="fr-FR" dirty="0"/>
-              <a:t>cela, il va d'abord falloir lui entrer un jeu de données d'exemples afin qu'il puisse s'entraîner et s'améliorer, d'où le mot </a:t>
-            </a:r>
-            <a:r>
-              <a:rPr lang="fr-FR" dirty="0" smtClean="0"/>
-              <a:t>apprentissage</a:t>
-            </a:r>
-          </a:p>
-          <a:p>
-            <a:r>
-              <a:rPr lang="fr-FR" dirty="0" smtClean="0"/>
-              <a:t>Ce </a:t>
-            </a:r>
-            <a:r>
-              <a:rPr lang="fr-FR" dirty="0"/>
-              <a:t>jeu de données s'appelle le </a:t>
-            </a:r>
-            <a:r>
-              <a:rPr lang="fr-FR" dirty="0" smtClean="0"/>
-              <a:t>training set</a:t>
+              <a:rPr lang="fr-FR" dirty="0"/>
+              <a:t>Pour cela, il va d'abord falloir lui entrer un jeu de données d'exemples afin qu'il puisse s'entraîner et s'améliorer, d'où le mot apprentissage</a:t>
+            </a:r>
+          </a:p>
+          <a:p>
+            <a:r>
+              <a:rPr lang="fr-FR" dirty="0"/>
+              <a:t>Ce jeu de données s'appelle le training set</a:t>
             </a:r>
           </a:p>
           <a:p>
@@ -4627,11 +4548,11 @@
           <a:lstStyle/>
           <a:p>
             <a:r>
-              <a:rPr lang="fr-FR" dirty="0" smtClean="0"/>
+              <a:rPr lang="fr-FR" dirty="0"/>
               <a:t>Machine Learning </a:t>
             </a:r>
             <a:r>
-              <a:rPr lang="fr-FR" smtClean="0"/>
+              <a:rPr lang="fr-FR"/>
               <a:t>vs Programmation</a:t>
             </a:r>
             <a:endParaRPr lang="fr-FR" dirty="0"/>
@@ -4725,10 +4646,9 @@
           <a:lstStyle/>
           <a:p>
             <a:r>
-              <a:rPr lang="fr-FR" dirty="0" smtClean="0"/>
+              <a:rPr lang="fr-FR" dirty="0"/>
               <a:t>CIFAR 10</a:t>
             </a:r>
-            <a:endParaRPr lang="fr-FR" dirty="0"/>
           </a:p>
         </p:txBody>
       </p:sp>
@@ -4821,10 +4741,9 @@
           <a:lstStyle/>
           <a:p>
             <a:r>
-              <a:rPr lang="fr-FR" dirty="0" smtClean="0"/>
+              <a:rPr lang="fr-FR" dirty="0"/>
               <a:t>Workflow</a:t>
             </a:r>
-            <a:endParaRPr lang="fr-FR" dirty="0"/>
           </a:p>
         </p:txBody>
       </p:sp>
@@ -4903,7 +4822,13 @@
       </p:grpSpPr>
       <p:sp>
         <p:nvSpPr>
-          <p:cNvPr id="2" name="Titre 1"/>
+          <p:cNvPr id="2" name="Titre 1">
+            <a:extLst>
+              <a:ext uri="{FF2B5EF4-FFF2-40B4-BE49-F238E27FC236}">
+                <a16:creationId xmlns:a16="http://schemas.microsoft.com/office/drawing/2014/main" id="{FB82FC04-0A9B-400B-8C05-1432E9255E26}"/>
+              </a:ext>
+            </a:extLst>
+          </p:cNvPr>
           <p:cNvSpPr>
             <a:spLocks noGrp="1"/>
           </p:cNvSpPr>
@@ -4916,17 +4841,19 @@
           <a:bodyPr/>
           <a:lstStyle/>
           <a:p>
-            <a:r>
-              <a:rPr lang="fr-FR" dirty="0" smtClean="0"/>
-              <a:t>Notre travail</a:t>
-            </a:r>
-            <a:endParaRPr lang="fr-FR" dirty="0"/>
-          </a:p>
-        </p:txBody>
-      </p:sp>
-      <p:sp>
-        <p:nvSpPr>
-          <p:cNvPr id="3" name="Espace réservé du contenu 2"/>
+            <a:endParaRPr lang="fr-FR"/>
+          </a:p>
+        </p:txBody>
+      </p:sp>
+      <p:sp>
+        <p:nvSpPr>
+          <p:cNvPr id="3" name="Espace réservé du contenu 2">
+            <a:extLst>
+              <a:ext uri="{FF2B5EF4-FFF2-40B4-BE49-F238E27FC236}">
+                <a16:creationId xmlns:a16="http://schemas.microsoft.com/office/drawing/2014/main" id="{2F16A41E-3275-4616-926A-28F1DD3B14B9}"/>
+              </a:ext>
+            </a:extLst>
+          </p:cNvPr>
           <p:cNvSpPr>
             <a:spLocks noGrp="1"/>
           </p:cNvSpPr>
@@ -4941,88 +4868,29 @@
           <a:p>
             <a:r>
               <a:rPr lang="fr-FR" dirty="0"/>
-              <a:t>L</a:t>
-            </a:r>
-            <a:r>
-              <a:rPr lang="fr-FR" dirty="0" smtClean="0"/>
-              <a:t>e </a:t>
-            </a:r>
-            <a:r>
-              <a:rPr lang="fr-FR" dirty="0"/>
-              <a:t>travail du data </a:t>
+              <a:t>f(x) = </a:t>
             </a:r>
             <a:r>
               <a:rPr lang="fr-FR" dirty="0" err="1"/>
-              <a:t>scientist</a:t>
-            </a:r>
-            <a:r>
-              <a:rPr lang="fr-FR" dirty="0"/>
-              <a:t> en machine </a:t>
-            </a:r>
-            <a:r>
-              <a:rPr lang="fr-FR" dirty="0" err="1"/>
-              <a:t>learning</a:t>
-            </a:r>
-            <a:r>
-              <a:rPr lang="fr-FR" dirty="0"/>
-              <a:t> consiste à sélectionner les bonnes données test, choisir et entraîner le bon algorithme en vérifiant grâce à l'analyse d'erreurs que le modèle devient de plus en plus performant et </a:t>
-            </a:r>
-            <a:r>
-              <a:rPr lang="fr-FR" dirty="0" smtClean="0"/>
-              <a:t>robuste</a:t>
-            </a:r>
-          </a:p>
-          <a:p>
-            <a:r>
-              <a:rPr lang="fr-FR" dirty="0" smtClean="0"/>
-              <a:t>Si </a:t>
-            </a:r>
-            <a:r>
-              <a:rPr lang="fr-FR" dirty="0"/>
-              <a:t>les performances s'améliorent lorsqu'on lui fourni les données d'entraînement, on dit alors que la machine "apprend".</a:t>
-            </a:r>
-          </a:p>
-          <a:p>
-            <a:r>
-              <a:rPr lang="fr-FR" dirty="0" smtClean="0"/>
-              <a:t>Le </a:t>
-            </a:r>
-            <a:r>
-              <a:rPr lang="fr-FR" dirty="0"/>
-              <a:t>data </a:t>
-            </a:r>
-            <a:r>
-              <a:rPr lang="fr-FR" dirty="0" err="1"/>
-              <a:t>scientist</a:t>
-            </a:r>
-            <a:r>
-              <a:rPr lang="fr-FR" dirty="0"/>
-              <a:t> peut ensuite </a:t>
-            </a:r>
-            <a:r>
-              <a:rPr lang="fr-FR" dirty="0" smtClean="0"/>
-              <a:t>déployer le modèle </a:t>
-            </a:r>
-            <a:r>
-              <a:rPr lang="fr-FR" dirty="0"/>
-              <a:t>afin qu'il traite de nouvelles données, pour accomplir la tâche </a:t>
-            </a:r>
-            <a:r>
-              <a:rPr lang="fr-FR" dirty="0" smtClean="0"/>
-              <a:t>(prédiction</a:t>
-            </a:r>
-            <a:r>
-              <a:rPr lang="fr-FR" smtClean="0"/>
-              <a:t>, décision, ...).</a:t>
-            </a:r>
-            <a:endParaRPr lang="fr-FR" dirty="0"/>
+              <a:t>ax</a:t>
+            </a:r>
+            <a:r>
+              <a:rPr lang="fr-FR" dirty="0"/>
+              <a:t> + b</a:t>
+            </a:r>
+          </a:p>
+          <a:p>
+            <a:r>
+              <a:rPr lang="fr-FR" dirty="0"/>
+              <a:t>Apprentissage = trouver a et b</a:t>
+            </a:r>
           </a:p>
         </p:txBody>
       </p:sp>
     </p:spTree>
     <p:extLst>
       <p:ext uri="{BB962C8B-B14F-4D97-AF65-F5344CB8AC3E}">
-        <p14:creationId xmlns:p14="http://schemas.microsoft.com/office/powerpoint/2010/main" val="2335869725"/>
+        <p14:creationId xmlns:p14="http://schemas.microsoft.com/office/powerpoint/2010/main" val="3359075816"/>
       </p:ext>
     </p:extLst>
   </p:cSld>
@@ -5065,10 +4933,9 @@
           <a:lstStyle/>
           <a:p>
             <a:r>
-              <a:rPr lang="fr-FR" dirty="0" smtClean="0"/>
+              <a:rPr lang="fr-FR" dirty="0"/>
               <a:t>IA - ML - DL</a:t>
             </a:r>
-            <a:endParaRPr lang="fr-FR" dirty="0"/>
           </a:p>
         </p:txBody>
       </p:sp>
@@ -5160,13 +5027,8 @@
           <a:p>
             <a:r>
               <a:rPr lang="fr-FR" dirty="0"/>
-              <a:t>L'algorithme </a:t>
-            </a:r>
-            <a:r>
-              <a:rPr lang="fr-FR" dirty="0" smtClean="0"/>
-              <a:t>d'apprentissage</a:t>
-            </a:r>
-            <a:endParaRPr lang="fr-FR" dirty="0"/>
+              <a:t>Notre travail</a:t>
+            </a:r>
           </a:p>
         </p:txBody>
       </p:sp>
@@ -5187,41 +5049,47 @@
           <a:p>
             <a:r>
               <a:rPr lang="fr-FR" dirty="0"/>
-              <a:t>L'algorithme d'apprentissage constitue la méthode avec laquelle le modèle statistique va se paramétrer à partir des données </a:t>
-            </a:r>
-            <a:r>
-              <a:rPr lang="fr-FR" dirty="0" smtClean="0"/>
-              <a:t>d'exemple</a:t>
-            </a:r>
-          </a:p>
-          <a:p>
-            <a:pPr lvl="1"/>
-            <a:r>
-              <a:rPr lang="fr-FR" dirty="0" smtClean="0"/>
-              <a:t>Il </a:t>
-            </a:r>
-            <a:r>
-              <a:rPr lang="fr-FR" dirty="0"/>
-              <a:t>existe de nombreux algorithmes différents </a:t>
-            </a:r>
-            <a:r>
-              <a:rPr lang="fr-FR" dirty="0" smtClean="0"/>
-              <a:t>!</a:t>
-            </a:r>
-          </a:p>
-          <a:p>
-            <a:pPr lvl="1"/>
-            <a:r>
-              <a:rPr lang="fr-FR" dirty="0" smtClean="0"/>
-              <a:t>On </a:t>
-            </a:r>
-            <a:r>
-              <a:rPr lang="fr-FR" dirty="0"/>
-              <a:t>choisira un type d'algorithme particulier en fonction du type de tâche que l'on souhaite accomplir et du type de données dont on </a:t>
-            </a:r>
-            <a:r>
-              <a:rPr lang="fr-FR" dirty="0" smtClean="0"/>
-              <a:t>dispose</a:t>
+              <a:t>Le travail du data </a:t>
+            </a:r>
+            <a:r>
+              <a:rPr lang="fr-FR" dirty="0" err="1"/>
+              <a:t>scientist</a:t>
+            </a:r>
+            <a:r>
+              <a:rPr lang="fr-FR" dirty="0"/>
+              <a:t> en machine </a:t>
+            </a:r>
+            <a:r>
+              <a:rPr lang="fr-FR" dirty="0" err="1"/>
+              <a:t>learning</a:t>
+            </a:r>
+            <a:r>
+              <a:rPr lang="fr-FR" dirty="0"/>
+              <a:t> consiste à sélectionner les bonnes données test, choisir et entraîner le bon algorithme en vérifiant grâce à l'analyse d'erreurs que le modèle devient de plus en plus performant et robuste</a:t>
+            </a:r>
+          </a:p>
+          <a:p>
+            <a:r>
+              <a:rPr lang="fr-FR" dirty="0"/>
+              <a:t>Si les performances s'améliorent lorsqu'on lui fourni les données d'entraînement, on dit alors que la machine "apprend".</a:t>
+            </a:r>
+          </a:p>
+          <a:p>
+            <a:r>
+              <a:rPr lang="fr-FR" dirty="0"/>
+              <a:t>Le data </a:t>
+            </a:r>
+            <a:r>
+              <a:rPr lang="fr-FR" dirty="0" err="1"/>
+              <a:t>scientist</a:t>
+            </a:r>
+            <a:r>
+              <a:rPr lang="fr-FR" dirty="0"/>
+              <a:t> peut ensuite déployer le modèle afin qu'il traite de nouvelles données, pour accomplir la tâche (prédiction</a:t>
+            </a:r>
+            <a:r>
+              <a:rPr lang="fr-FR"/>
+              <a:t>, décision, ...).</a:t>
             </a:r>
             <a:endParaRPr lang="fr-FR" dirty="0"/>
           </a:p>
@@ -5230,7 +5098,7 @@
     </p:spTree>
     <p:extLst>
       <p:ext uri="{BB962C8B-B14F-4D97-AF65-F5344CB8AC3E}">
-        <p14:creationId xmlns:p14="http://schemas.microsoft.com/office/powerpoint/2010/main" val="1834491022"/>
+        <p14:creationId xmlns:p14="http://schemas.microsoft.com/office/powerpoint/2010/main" val="2335869725"/>
       </p:ext>
     </p:extLst>
   </p:cSld>
@@ -5273,10 +5141,9 @@
           <a:lstStyle/>
           <a:p>
             <a:r>
-              <a:rPr lang="fr-FR" dirty="0" smtClean="0"/>
-              <a:t>Exemples</a:t>
-            </a:r>
-            <a:endParaRPr lang="fr-FR" dirty="0"/>
+              <a:rPr lang="fr-FR" dirty="0"/>
+              <a:t>L'algorithme d'apprentissage</a:t>
+            </a:r>
           </a:p>
         </p:txBody>
       </p:sp>
@@ -5297,83 +5164,21 @@
           <a:p>
             <a:r>
               <a:rPr lang="fr-FR" dirty="0"/>
-              <a:t>Quelques exemples d'algorithmes de machine </a:t>
-            </a:r>
-            <a:r>
-              <a:rPr lang="fr-FR" dirty="0" err="1"/>
-              <a:t>learning</a:t>
-            </a:r>
-            <a:r>
-              <a:rPr lang="fr-FR" dirty="0"/>
-              <a:t>, dont vous avez peut-être déjà entendu parler :</a:t>
+              <a:t>L'algorithme d'apprentissage constitue la méthode avec laquelle le modèle statistique va se paramétrer à partir des données d'exemple</a:t>
             </a:r>
           </a:p>
           <a:p>
             <a:pPr lvl="1"/>
             <a:r>
-              <a:rPr lang="fr-FR" dirty="0" smtClean="0"/>
-              <a:t>La </a:t>
-            </a:r>
-            <a:r>
-              <a:rPr lang="fr-FR" dirty="0"/>
-              <a:t>régression linéaire</a:t>
+              <a:rPr lang="fr-FR" dirty="0"/>
+              <a:t>Il existe de nombreux algorithmes différents !</a:t>
             </a:r>
           </a:p>
           <a:p>
             <a:pPr lvl="1"/>
             <a:r>
-              <a:rPr lang="fr-FR" dirty="0" err="1"/>
-              <a:t>K-nn</a:t>
-            </a:r>
-            <a:endParaRPr lang="fr-FR" dirty="0"/>
-          </a:p>
-          <a:p>
-            <a:pPr lvl="1"/>
-            <a:r>
-              <a:rPr lang="fr-FR" dirty="0"/>
-              <a:t>Les Support </a:t>
-            </a:r>
-            <a:r>
-              <a:rPr lang="fr-FR" dirty="0" err="1"/>
-              <a:t>Vector</a:t>
-            </a:r>
-            <a:r>
-              <a:rPr lang="fr-FR" dirty="0"/>
-              <a:t> Machine (SVM)</a:t>
-            </a:r>
-          </a:p>
-          <a:p>
-            <a:pPr lvl="1"/>
-            <a:r>
-              <a:rPr lang="fr-FR" dirty="0"/>
-              <a:t>Les réseaux de neurones</a:t>
-            </a:r>
-          </a:p>
-          <a:p>
-            <a:pPr lvl="1"/>
-            <a:r>
-              <a:rPr lang="fr-FR" dirty="0"/>
-              <a:t>Les </a:t>
-            </a:r>
-            <a:r>
-              <a:rPr lang="fr-FR" dirty="0" err="1"/>
-              <a:t>random</a:t>
-            </a:r>
-            <a:r>
-              <a:rPr lang="fr-FR" dirty="0"/>
-              <a:t> </a:t>
-            </a:r>
-            <a:r>
-              <a:rPr lang="fr-FR" dirty="0" err="1"/>
-              <a:t>forests</a:t>
-            </a:r>
-            <a:endParaRPr lang="fr-FR" dirty="0"/>
-          </a:p>
-          <a:p>
-            <a:pPr lvl="1"/>
-            <a:r>
-              <a:rPr lang="fr-FR" dirty="0"/>
-              <a:t>etc.</a:t>
+              <a:rPr lang="fr-FR" dirty="0"/>
+              <a:t>On choisira un type d'algorithme particulier en fonction du type de tâche que l'on souhaite accomplir et du type de données dont on dispose</a:t>
             </a:r>
           </a:p>
         </p:txBody>
@@ -5381,7 +5186,7 @@
     </p:spTree>
     <p:extLst>
       <p:ext uri="{BB962C8B-B14F-4D97-AF65-F5344CB8AC3E}">
-        <p14:creationId xmlns:p14="http://schemas.microsoft.com/office/powerpoint/2010/main" val="4152399014"/>
+        <p14:creationId xmlns:p14="http://schemas.microsoft.com/office/powerpoint/2010/main" val="1834491022"/>
       </p:ext>
     </p:extLst>
   </p:cSld>
@@ -5424,10 +5229,9 @@
           <a:lstStyle/>
           <a:p>
             <a:r>
-              <a:rPr lang="fr-FR" dirty="0" smtClean="0"/>
-              <a:t>Mesure de performance</a:t>
-            </a:r>
-            <a:endParaRPr lang="fr-FR" dirty="0"/>
+              <a:rPr lang="fr-FR" dirty="0"/>
+              <a:t>Exemples</a:t>
+            </a:r>
           </a:p>
         </p:txBody>
       </p:sp>
@@ -5448,22 +5252,87 @@
           <a:p>
             <a:r>
               <a:rPr lang="fr-FR" dirty="0"/>
-              <a:t>Mesurer les performances fait partie intégrante du travail de modélisation. Il faut en général déterminer une mesure principale, souvent spécifique à la tâche à </a:t>
-            </a:r>
-            <a:r>
-              <a:rPr lang="fr-FR" dirty="0" smtClean="0"/>
-              <a:t>accomplir</a:t>
-            </a:r>
-          </a:p>
-          <a:p>
+              <a:t>Quelques exemples d'algorithmes de machine </a:t>
+            </a:r>
+            <a:r>
+              <a:rPr lang="fr-FR" dirty="0" err="1"/>
+              <a:t>learning</a:t>
+            </a:r>
+            <a:r>
+              <a:rPr lang="fr-FR" dirty="0"/>
+              <a:t>, dont vous avez peut-être déjà entendu parler :</a:t>
+            </a:r>
+          </a:p>
+          <a:p>
+            <a:pPr lvl="1"/>
+            <a:r>
+              <a:rPr lang="fr-FR" dirty="0"/>
+              <a:t>La régression linéaire</a:t>
+            </a:r>
+          </a:p>
+          <a:p>
+            <a:pPr lvl="1"/>
+            <a:r>
+              <a:rPr lang="fr-FR" dirty="0" err="1"/>
+              <a:t>K-nn</a:t>
+            </a:r>
             <a:endParaRPr lang="fr-FR" dirty="0"/>
+          </a:p>
+          <a:p>
+            <a:pPr lvl="1"/>
+            <a:r>
+              <a:rPr lang="fr-FR" dirty="0"/>
+              <a:t>Les Support </a:t>
+            </a:r>
+            <a:r>
+              <a:rPr lang="fr-FR" dirty="0" err="1"/>
+              <a:t>Vector</a:t>
+            </a:r>
+            <a:r>
+              <a:rPr lang="fr-FR" dirty="0"/>
+              <a:t> Machine (SVM)</a:t>
+            </a:r>
+          </a:p>
+          <a:p>
+            <a:pPr lvl="1"/>
+            <a:r>
+              <a:rPr lang="fr-FR" dirty="0"/>
+              <a:t>Les réseaux de neurones</a:t>
+            </a:r>
+          </a:p>
+          <a:p>
+            <a:pPr lvl="1"/>
+            <a:r>
+              <a:rPr lang="fr-FR" dirty="0"/>
+              <a:t>Les </a:t>
+            </a:r>
+            <a:r>
+              <a:rPr lang="fr-FR" dirty="0" err="1"/>
+              <a:t>random</a:t>
+            </a:r>
+            <a:r>
+              <a:rPr lang="fr-FR" dirty="0"/>
+              <a:t> </a:t>
+            </a:r>
+            <a:r>
+              <a:rPr lang="fr-FR" dirty="0" err="1"/>
+              <a:t>forests</a:t>
+            </a:r>
+            <a:endParaRPr lang="fr-FR" dirty="0"/>
+          </a:p>
+          <a:p>
+            <a:pPr lvl="1"/>
+            <a:r>
+              <a:rPr lang="fr-FR" dirty="0"/>
+              <a:t>etc.</a:t>
+            </a:r>
           </a:p>
         </p:txBody>
       </p:sp>
     </p:spTree>
     <p:extLst>
       <p:ext uri="{BB962C8B-B14F-4D97-AF65-F5344CB8AC3E}">
-        <p14:creationId xmlns:p14="http://schemas.microsoft.com/office/powerpoint/2010/main" val="1973774351"/>
+        <p14:creationId xmlns:p14="http://schemas.microsoft.com/office/powerpoint/2010/main" val="4152399014"/>
       </p:ext>
     </p:extLst>
   </p:cSld>
@@ -5506,10 +5375,9 @@
           <a:lstStyle/>
           <a:p>
             <a:r>
-              <a:rPr lang="fr-FR" dirty="0" smtClean="0"/>
-              <a:t>Exemple</a:t>
-            </a:r>
-            <a:endParaRPr lang="fr-FR" dirty="0"/>
+              <a:rPr lang="fr-FR" dirty="0"/>
+              <a:t>Mesure de performance</a:t>
+            </a:r>
           </a:p>
         </p:txBody>
       </p:sp>
@@ -5529,97 +5397,19 @@
           <a:lstStyle/>
           <a:p>
             <a:r>
-              <a:rPr lang="fr-FR" sz="2400" dirty="0"/>
-              <a:t>Imaginez que vous voulez créer un algorithme de détection de fraudes </a:t>
-            </a:r>
-            <a:r>
-              <a:rPr lang="fr-FR" sz="2400" dirty="0" smtClean="0"/>
-              <a:t>bancaires</a:t>
-            </a:r>
-          </a:p>
-          <a:p>
-            <a:pPr lvl="1"/>
-            <a:r>
-              <a:rPr lang="fr-FR" sz="2000" dirty="0" smtClean="0"/>
-              <a:t>Vous </a:t>
-            </a:r>
-            <a:r>
-              <a:rPr lang="fr-FR" sz="2000" dirty="0"/>
-              <a:t>voulez mesurer à quel point votre programme est </a:t>
-            </a:r>
-            <a:r>
-              <a:rPr lang="fr-FR" sz="2000" dirty="0" smtClean="0"/>
-              <a:t>performant</a:t>
-            </a:r>
-          </a:p>
-          <a:p>
-            <a:r>
-              <a:rPr lang="fr-FR" sz="2400" dirty="0" smtClean="0"/>
-              <a:t>Une </a:t>
-            </a:r>
-            <a:r>
-              <a:rPr lang="fr-FR" sz="2400" dirty="0"/>
-              <a:t>manière de faire serait de mesurer la proportion totale de transaction détectées comme </a:t>
-            </a:r>
-            <a:r>
-              <a:rPr lang="fr-FR" sz="2400" dirty="0" smtClean="0"/>
-              <a:t>fraude</a:t>
-            </a:r>
-          </a:p>
-          <a:p>
-            <a:pPr lvl="1"/>
-            <a:r>
-              <a:rPr lang="fr-FR" sz="2000" dirty="0" smtClean="0"/>
-              <a:t>Cependant</a:t>
-            </a:r>
-            <a:r>
-              <a:rPr lang="fr-FR" sz="2000" dirty="0"/>
-              <a:t>, on compte ici les transactions qui ne sont pas des fraudes et qui ont quand même été notées comme en étant (appelé "faux positifs</a:t>
-            </a:r>
-            <a:r>
-              <a:rPr lang="fr-FR" sz="2000" dirty="0" smtClean="0"/>
-              <a:t>")</a:t>
-            </a:r>
-          </a:p>
-          <a:p>
-            <a:pPr lvl="1"/>
-            <a:r>
-              <a:rPr lang="fr-FR" sz="2000" dirty="0" smtClean="0"/>
-              <a:t>Donc</a:t>
-            </a:r>
-            <a:r>
-              <a:rPr lang="fr-FR" sz="2000" dirty="0"/>
-              <a:t>, avec ce genre de métriques, on est pas exigeant sur ce type d'erreur que produit notre </a:t>
-            </a:r>
-            <a:r>
-              <a:rPr lang="fr-FR" sz="2000" dirty="0" smtClean="0"/>
-              <a:t>algorithme</a:t>
-            </a:r>
-          </a:p>
-          <a:p>
-            <a:r>
-              <a:rPr lang="fr-FR" sz="2400" dirty="0" smtClean="0"/>
-              <a:t>Il </a:t>
-            </a:r>
-            <a:r>
-              <a:rPr lang="fr-FR" sz="2400" dirty="0"/>
-              <a:t>faut peut être, utiliser une autre métrique plus pertinente. Par exemple, la précision qui est la proportion de "vraies fraudes" détectées par rapport au total de transactions </a:t>
-            </a:r>
-            <a:r>
-              <a:rPr lang="fr-FR" sz="2400" dirty="0" err="1"/>
-              <a:t>flagées</a:t>
-            </a:r>
-            <a:r>
-              <a:rPr lang="fr-FR" sz="2400" dirty="0"/>
-              <a:t> comme fraudes</a:t>
-            </a:r>
+              <a:rPr lang="fr-FR" dirty="0"/>
+              <a:t>Mesurer les performances fait partie intégrante du travail de modélisation. Il faut en général déterminer une mesure principale, souvent spécifique à la tâche à accomplir</a:t>
+            </a:r>
+          </a:p>
+          <a:p>
+            <a:endParaRPr lang="fr-FR" dirty="0"/>
           </a:p>
         </p:txBody>
       </p:sp>
     </p:spTree>
     <p:extLst>
       <p:ext uri="{BB962C8B-B14F-4D97-AF65-F5344CB8AC3E}">
-        <p14:creationId xmlns:p14="http://schemas.microsoft.com/office/powerpoint/2010/main" val="1447999638"/>
+        <p14:creationId xmlns:p14="http://schemas.microsoft.com/office/powerpoint/2010/main" val="1973774351"/>
       </p:ext>
     </p:extLst>
   </p:cSld>
@@ -5662,10 +5452,9 @@
           <a:lstStyle/>
           <a:p>
             <a:r>
-              <a:rPr lang="fr-FR" dirty="0" smtClean="0"/>
-              <a:t>Autre exemple</a:t>
-            </a:r>
-            <a:endParaRPr lang="fr-FR" dirty="0"/>
+              <a:rPr lang="fr-FR" dirty="0"/>
+              <a:t>Exemple</a:t>
+            </a:r>
           </a:p>
         </p:txBody>
       </p:sp>
@@ -5685,23 +5474,57 @@
           <a:lstStyle/>
           <a:p>
             <a:r>
-              <a:rPr lang="fr-FR" dirty="0" smtClean="0"/>
-              <a:t>Dans la détection de maladie comme la méningite le nombre de faux positif n’est pas très important</a:t>
-            </a:r>
-          </a:p>
-          <a:p>
-            <a:r>
-              <a:rPr lang="fr-FR" dirty="0" smtClean="0"/>
-              <a:t>Alors que le nombre de faux négatif est potentiellement mortel</a:t>
-            </a:r>
-            <a:endParaRPr lang="fr-FR" dirty="0"/>
+              <a:rPr lang="fr-FR" sz="2400" dirty="0"/>
+              <a:t>Imaginez que vous voulez créer un algorithme de détection de fraudes bancaires</a:t>
+            </a:r>
+          </a:p>
+          <a:p>
+            <a:pPr lvl="1"/>
+            <a:r>
+              <a:rPr lang="fr-FR" sz="2000" dirty="0"/>
+              <a:t>Vous voulez mesurer à quel point votre programme est performant</a:t>
+            </a:r>
+          </a:p>
+          <a:p>
+            <a:r>
+              <a:rPr lang="fr-FR" sz="2400" dirty="0"/>
+              <a:t>Une manière de faire serait de mesurer la proportion totale de transaction détectées comme fraude</a:t>
+            </a:r>
+          </a:p>
+          <a:p>
+            <a:pPr lvl="1"/>
+            <a:r>
+              <a:rPr lang="fr-FR" sz="2000" dirty="0"/>
+              <a:t>Cependant, on compte ici les transactions qui ne sont pas des fraudes et qui ont quand même été notées comme en étant (appelé "faux positifs")</a:t>
+            </a:r>
+          </a:p>
+          <a:p>
+            <a:pPr lvl="1"/>
+            <a:r>
+              <a:rPr lang="fr-FR" sz="2000" dirty="0"/>
+              <a:t>Donc, avec ce genre de métriques, on est pas exigeant sur ce type d'erreur que produit notre algorithme</a:t>
+            </a:r>
+          </a:p>
+          <a:p>
+            <a:r>
+              <a:rPr lang="fr-FR" sz="2400" dirty="0"/>
+              <a:t>Il faut peut être, utiliser une autre métrique plus pertinente. Par exemple, la précision qui est la proportion de "vraies fraudes" détectées par rapport au total de transactions </a:t>
+            </a:r>
+            <a:r>
+              <a:rPr lang="fr-FR" sz="2400" dirty="0" err="1"/>
+              <a:t>flagées</a:t>
+            </a:r>
+            <a:r>
+              <a:rPr lang="fr-FR" sz="2400" dirty="0"/>
+              <a:t> comme fraudes</a:t>
+            </a:r>
           </a:p>
         </p:txBody>
       </p:sp>
     </p:spTree>
     <p:extLst>
       <p:ext uri="{BB962C8B-B14F-4D97-AF65-F5344CB8AC3E}">
-        <p14:creationId xmlns:p14="http://schemas.microsoft.com/office/powerpoint/2010/main" val="989672997"/>
+        <p14:creationId xmlns:p14="http://schemas.microsoft.com/office/powerpoint/2010/main" val="1447999638"/>
       </p:ext>
     </p:extLst>
   </p:cSld>
@@ -5744,14 +5567,9 @@
           <a:lstStyle/>
           <a:p>
             <a:r>
-              <a:rPr lang="fr-FR" dirty="0" smtClean="0"/>
-              <a:t>Démarrer le machine </a:t>
-            </a:r>
-            <a:r>
-              <a:rPr lang="fr-FR" dirty="0" err="1" smtClean="0"/>
-              <a:t>learning</a:t>
-            </a:r>
-            <a:endParaRPr lang="fr-FR" dirty="0"/>
+              <a:rPr lang="fr-FR" dirty="0"/>
+              <a:t>Autre exemple</a:t>
+            </a:r>
           </a:p>
         </p:txBody>
       </p:sp>
@@ -5771,76 +5589,145 @@
           <a:lstStyle/>
           <a:p>
             <a:r>
-              <a:rPr lang="fr-FR" dirty="0" smtClean="0"/>
-              <a:t>Nous avons un </a:t>
-            </a:r>
-            <a:r>
-              <a:rPr lang="fr-FR" dirty="0" err="1" smtClean="0"/>
-              <a:t>datalake</a:t>
-            </a:r>
-            <a:endParaRPr lang="fr-FR" dirty="0" smtClean="0"/>
-          </a:p>
-          <a:p>
-            <a:r>
-              <a:rPr lang="fr-FR" dirty="0" smtClean="0"/>
-              <a:t>Nous avons le </a:t>
-            </a:r>
-            <a:r>
-              <a:rPr lang="fr-FR" dirty="0" err="1" smtClean="0"/>
-              <a:t>datamart</a:t>
-            </a:r>
-            <a:r>
-              <a:rPr lang="fr-FR" dirty="0" smtClean="0"/>
-              <a:t> structuré et nettoyé</a:t>
-            </a:r>
-          </a:p>
-          <a:p>
-            <a:r>
-              <a:rPr lang="fr-FR" dirty="0" smtClean="0"/>
-              <a:t>L’objectif </a:t>
-            </a:r>
-            <a:r>
-              <a:rPr lang="fr-FR" dirty="0"/>
-              <a:t>du machine </a:t>
+              <a:rPr lang="fr-FR" dirty="0"/>
+              <a:t>Dans la détection de maladie comme la méningite le nombre de faux positif n’est pas très important</a:t>
+            </a:r>
+          </a:p>
+          <a:p>
+            <a:r>
+              <a:rPr lang="fr-FR" dirty="0"/>
+              <a:t>Alors que le nombre de faux négatif est potentiellement mortel</a:t>
+            </a:r>
+          </a:p>
+        </p:txBody>
+      </p:sp>
+    </p:spTree>
+    <p:extLst>
+      <p:ext uri="{BB962C8B-B14F-4D97-AF65-F5344CB8AC3E}">
+        <p14:creationId xmlns:p14="http://schemas.microsoft.com/office/powerpoint/2010/main" val="989672997"/>
+      </p:ext>
+    </p:extLst>
+  </p:cSld>
+  <p:clrMapOvr>
+    <a:masterClrMapping/>
+  </p:clrMapOvr>
+</p:sld>
+</file>
+
+<file path=ppt/slides/slide26.xml><?xml version="1.0" encoding="utf-8"?>
+<p:sld xmlns:a="http://schemas.openxmlformats.org/drawingml/2006/main" xmlns:r="http://schemas.openxmlformats.org/officeDocument/2006/relationships" xmlns:p="http://schemas.openxmlformats.org/presentationml/2006/main">
+  <p:cSld>
+    <p:spTree>
+      <p:nvGrpSpPr>
+        <p:cNvPr id="1" name=""/>
+        <p:cNvGrpSpPr/>
+        <p:nvPr/>
+      </p:nvGrpSpPr>
+      <p:grpSpPr>
+        <a:xfrm>
+          <a:off x="0" y="0"/>
+          <a:ext cx="0" cy="0"/>
+          <a:chOff x="0" y="0"/>
+          <a:chExt cx="0" cy="0"/>
+        </a:xfrm>
+      </p:grpSpPr>
+      <p:sp>
+        <p:nvSpPr>
+          <p:cNvPr id="2" name="Titre 1"/>
+          <p:cNvSpPr>
+            <a:spLocks noGrp="1"/>
+          </p:cNvSpPr>
+          <p:nvPr>
+            <p:ph type="title"/>
+          </p:nvPr>
+        </p:nvSpPr>
+        <p:spPr/>
+        <p:txBody>
+          <a:bodyPr/>
+          <a:lstStyle/>
+          <a:p>
+            <a:r>
+              <a:rPr lang="fr-FR" dirty="0"/>
+              <a:t>Démarrer le machine </a:t>
             </a:r>
             <a:r>
               <a:rPr lang="fr-FR" dirty="0" err="1"/>
               <a:t>learning</a:t>
             </a:r>
-            <a:r>
-              <a:rPr lang="fr-FR" dirty="0"/>
-              <a:t> est de trouver un modèle qui effectue une approximation de la </a:t>
-            </a:r>
-            <a:r>
-              <a:rPr lang="fr-FR" dirty="0" smtClean="0"/>
-              <a:t>réalité, </a:t>
-            </a:r>
-            <a:r>
-              <a:rPr lang="fr-FR" dirty="0"/>
-              <a:t>à l’aide de laquelle on va pouvoir effectuer des </a:t>
-            </a:r>
-            <a:r>
-              <a:rPr lang="fr-FR" dirty="0" smtClean="0"/>
-              <a:t>prédictions</a:t>
-            </a:r>
-          </a:p>
-          <a:p>
-            <a:r>
-              <a:rPr lang="fr-FR" dirty="0" smtClean="0"/>
+            <a:endParaRPr lang="fr-FR" dirty="0"/>
+          </a:p>
+        </p:txBody>
+      </p:sp>
+      <p:sp>
+        <p:nvSpPr>
+          <p:cNvPr id="3" name="Espace réservé du contenu 2"/>
+          <p:cNvSpPr>
+            <a:spLocks noGrp="1"/>
+          </p:cNvSpPr>
+          <p:nvPr>
+            <p:ph idx="1"/>
+          </p:nvPr>
+        </p:nvSpPr>
+        <p:spPr/>
+        <p:txBody>
+          <a:bodyPr/>
+          <a:lstStyle/>
+          <a:p>
+            <a:r>
+              <a:rPr lang="fr-FR" dirty="0"/>
+              <a:t>Nous avons un </a:t>
+            </a:r>
+            <a:r>
+              <a:rPr lang="fr-FR" dirty="0" err="1"/>
+              <a:t>datalake</a:t>
+            </a:r>
+            <a:endParaRPr lang="fr-FR" dirty="0"/>
+          </a:p>
+          <a:p>
+            <a:r>
+              <a:rPr lang="fr-FR" dirty="0"/>
+              <a:t>Nous avons le </a:t>
+            </a:r>
+            <a:r>
+              <a:rPr lang="fr-FR" dirty="0" err="1"/>
+              <a:t>datamart</a:t>
+            </a:r>
+            <a:r>
+              <a:rPr lang="fr-FR" dirty="0"/>
+              <a:t> structuré et nettoyé</a:t>
+            </a:r>
+          </a:p>
+          <a:p>
+            <a:r>
+              <a:rPr lang="fr-FR" dirty="0"/>
+              <a:t>L’objectif du machine </a:t>
+            </a:r>
+            <a:r>
+              <a:rPr lang="fr-FR" dirty="0" err="1"/>
+              <a:t>learning</a:t>
+            </a:r>
+            <a:r>
+              <a:rPr lang="fr-FR" dirty="0"/>
+              <a:t> est de trouver un modèle qui effectue une approximation de la réalité, à l’aide de laquelle on va pouvoir effectuer des prédictions</a:t>
+            </a:r>
+          </a:p>
+          <a:p>
+            <a:r>
+              <a:rPr lang="fr-FR" dirty="0"/>
               <a:t>DATA = Model + Bruit</a:t>
             </a:r>
           </a:p>
           <a:p>
             <a:pPr lvl="1"/>
             <a:r>
-              <a:rPr lang="fr-FR" dirty="0" smtClean="0"/>
+              <a:rPr lang="fr-FR" dirty="0"/>
               <a:t>Model = cercle</a:t>
             </a:r>
           </a:p>
           <a:p>
             <a:pPr lvl="1"/>
             <a:r>
-              <a:rPr lang="fr-FR" dirty="0" smtClean="0"/>
+              <a:rPr lang="fr-FR" dirty="0"/>
               <a:t>Bruit = écart data réelle vs cercle</a:t>
             </a:r>
           </a:p>
@@ -5903,111 +5790,6 @@
 </p:sld>
 </file>
 
-<file path=ppt/slides/slide26.xml><?xml version="1.0" encoding="utf-8"?>
-<p:sld xmlns:a="http://schemas.openxmlformats.org/drawingml/2006/main" xmlns:r="http://schemas.openxmlformats.org/officeDocument/2006/relationships" xmlns:p="http://schemas.openxmlformats.org/presentationml/2006/main">
-  <p:cSld>
-    <p:spTree>
-      <p:nvGrpSpPr>
-        <p:cNvPr id="1" name=""/>
-        <p:cNvGrpSpPr/>
-        <p:nvPr/>
-      </p:nvGrpSpPr>
-      <p:grpSpPr>
-        <a:xfrm>
-          <a:off x="0" y="0"/>
-          <a:ext cx="0" cy="0"/>
-          <a:chOff x="0" y="0"/>
-          <a:chExt cx="0" cy="0"/>
-        </a:xfrm>
-      </p:grpSpPr>
-      <p:sp>
-        <p:nvSpPr>
-          <p:cNvPr id="2" name="Titre 1"/>
-          <p:cNvSpPr>
-            <a:spLocks noGrp="1"/>
-          </p:cNvSpPr>
-          <p:nvPr>
-            <p:ph type="title"/>
-          </p:nvPr>
-        </p:nvSpPr>
-        <p:spPr/>
-        <p:txBody>
-          <a:bodyPr/>
-          <a:lstStyle/>
-          <a:p>
-            <a:r>
-              <a:rPr lang="fr-FR" dirty="0" err="1" smtClean="0"/>
-              <a:t>Loss</a:t>
-            </a:r>
-            <a:endParaRPr lang="fr-FR" dirty="0"/>
-          </a:p>
-        </p:txBody>
-      </p:sp>
-      <p:sp>
-        <p:nvSpPr>
-          <p:cNvPr id="3" name="Espace réservé du contenu 2"/>
-          <p:cNvSpPr>
-            <a:spLocks noGrp="1"/>
-          </p:cNvSpPr>
-          <p:nvPr>
-            <p:ph idx="1"/>
-          </p:nvPr>
-        </p:nvSpPr>
-        <p:spPr/>
-        <p:txBody>
-          <a:bodyPr/>
-          <a:lstStyle/>
-          <a:p>
-            <a:r>
-              <a:rPr lang="fr-FR" dirty="0"/>
-              <a:t>En apprentissage supervisé, la notion principale est celle de perte d’information (</a:t>
-            </a:r>
-            <a:r>
-              <a:rPr lang="fr-FR" dirty="0" err="1"/>
-              <a:t>loss</a:t>
-            </a:r>
-            <a:r>
-              <a:rPr lang="fr-FR" dirty="0"/>
-              <a:t> en anglais) due à l'approximation </a:t>
-            </a:r>
-            <a:r>
-              <a:rPr lang="fr-FR" dirty="0" smtClean="0"/>
-              <a:t>du modèle</a:t>
-            </a:r>
-          </a:p>
-          <a:p>
-            <a:r>
-              <a:rPr lang="fr-FR" dirty="0" smtClean="0"/>
-              <a:t>Elle </a:t>
-            </a:r>
-            <a:r>
-              <a:rPr lang="fr-FR" dirty="0"/>
-              <a:t>détermine à quel point notre modélisation du phénomène, qui est une approximation de la </a:t>
-            </a:r>
-            <a:r>
-              <a:rPr lang="fr-FR" dirty="0" smtClean="0"/>
-              <a:t>réalité (régression), </a:t>
-            </a:r>
-            <a:r>
-              <a:rPr lang="fr-FR" dirty="0"/>
-              <a:t>perd de l’information par rapport à la réalité observée à travers les données d’exemple</a:t>
-            </a:r>
-          </a:p>
-        </p:txBody>
-      </p:sp>
-    </p:spTree>
-    <p:extLst>
-      <p:ext uri="{BB962C8B-B14F-4D97-AF65-F5344CB8AC3E}">
-        <p14:creationId xmlns:p14="http://schemas.microsoft.com/office/powerpoint/2010/main" val="3658382805"/>
-      </p:ext>
-    </p:extLst>
-  </p:cSld>
-  <p:clrMapOvr>
-    <a:masterClrMapping/>
-  </p:clrMapOvr>
-</p:sld>
-</file>
-
 <file path=ppt/slides/slide27.xml><?xml version="1.0" encoding="utf-8"?>
 <p:sld xmlns:a="http://schemas.openxmlformats.org/drawingml/2006/main" xmlns:r="http://schemas.openxmlformats.org/officeDocument/2006/relationships" xmlns:p="http://schemas.openxmlformats.org/presentationml/2006/main">
   <p:cSld>
@@ -6041,8 +5823,8 @@
           <a:lstStyle/>
           <a:p>
             <a:r>
-              <a:rPr lang="fr-FR" dirty="0" smtClean="0"/>
-              <a:t>Erreur</a:t>
+              <a:rPr lang="fr-FR" dirty="0" err="1"/>
+              <a:t>Loss</a:t>
             </a:r>
             <a:endParaRPr lang="fr-FR" dirty="0"/>
           </a:p>
@@ -6064,17 +5846,104 @@
           <a:lstStyle/>
           <a:p>
             <a:r>
-              <a:rPr lang="fr-FR" dirty="0" smtClean="0"/>
+              <a:rPr lang="fr-FR" dirty="0"/>
+              <a:t>En apprentissage supervisé, la notion principale est celle de perte d’information (</a:t>
+            </a:r>
+            <a:r>
+              <a:rPr lang="fr-FR" dirty="0" err="1"/>
+              <a:t>loss</a:t>
+            </a:r>
+            <a:r>
+              <a:rPr lang="fr-FR" dirty="0"/>
+              <a:t> en anglais) due à l'approximation du modèle</a:t>
+            </a:r>
+          </a:p>
+          <a:p>
+            <a:r>
+              <a:rPr lang="fr-FR" dirty="0"/>
+              <a:t>Elle détermine à quel point notre modélisation du phénomène, qui est une approximation de la réalité (régression), perd de l’information par rapport à la réalité observée à travers les données d’exemple</a:t>
+            </a:r>
+          </a:p>
+        </p:txBody>
+      </p:sp>
+    </p:spTree>
+    <p:extLst>
+      <p:ext uri="{BB962C8B-B14F-4D97-AF65-F5344CB8AC3E}">
+        <p14:creationId xmlns:p14="http://schemas.microsoft.com/office/powerpoint/2010/main" val="3658382805"/>
+      </p:ext>
+    </p:extLst>
+  </p:cSld>
+  <p:clrMapOvr>
+    <a:masterClrMapping/>
+  </p:clrMapOvr>
+</p:sld>
+</file>
+
+<file path=ppt/slides/slide28.xml><?xml version="1.0" encoding="utf-8"?>
+<p:sld xmlns:a="http://schemas.openxmlformats.org/drawingml/2006/main" xmlns:r="http://schemas.openxmlformats.org/officeDocument/2006/relationships" xmlns:p="http://schemas.openxmlformats.org/presentationml/2006/main">
+  <p:cSld>
+    <p:spTree>
+      <p:nvGrpSpPr>
+        <p:cNvPr id="1" name=""/>
+        <p:cNvGrpSpPr/>
+        <p:nvPr/>
+      </p:nvGrpSpPr>
+      <p:grpSpPr>
+        <a:xfrm>
+          <a:off x="0" y="0"/>
+          <a:ext cx="0" cy="0"/>
+          <a:chOff x="0" y="0"/>
+          <a:chExt cx="0" cy="0"/>
+        </a:xfrm>
+      </p:grpSpPr>
+      <p:sp>
+        <p:nvSpPr>
+          <p:cNvPr id="2" name="Titre 1"/>
+          <p:cNvSpPr>
+            <a:spLocks noGrp="1"/>
+          </p:cNvSpPr>
+          <p:nvPr>
+            <p:ph type="title"/>
+          </p:nvPr>
+        </p:nvSpPr>
+        <p:spPr/>
+        <p:txBody>
+          <a:bodyPr/>
+          <a:lstStyle/>
+          <a:p>
+            <a:r>
+              <a:rPr lang="fr-FR" dirty="0"/>
+              <a:t>Erreur</a:t>
+            </a:r>
+          </a:p>
+        </p:txBody>
+      </p:sp>
+      <p:sp>
+        <p:nvSpPr>
+          <p:cNvPr id="3" name="Espace réservé du contenu 2"/>
+          <p:cNvSpPr>
+            <a:spLocks noGrp="1"/>
+          </p:cNvSpPr>
+          <p:nvPr>
+            <p:ph idx="1"/>
+          </p:nvPr>
+        </p:nvSpPr>
+        <p:spPr/>
+        <p:txBody>
+          <a:bodyPr/>
+          <a:lstStyle/>
+          <a:p>
+            <a:r>
+              <a:rPr lang="fr-FR" dirty="0"/>
               <a:t>L’erreur (ou le risque) est l’écart entre la données et le modèle</a:t>
             </a:r>
           </a:p>
           <a:p>
             <a:pPr lvl="1"/>
             <a:r>
-              <a:rPr lang="fr-FR" dirty="0" smtClean="0"/>
+              <a:rPr lang="fr-FR" dirty="0"/>
               <a:t>Risque réduit à gauche, important à droite</a:t>
             </a:r>
-            <a:endParaRPr lang="fr-FR" dirty="0"/>
           </a:p>
         </p:txBody>
       </p:sp>
@@ -6132,153 +6001,6 @@
 </p:sld>
 </file>
 
-<file path=ppt/slides/slide28.xml><?xml version="1.0" encoding="utf-8"?>
-<p:sld xmlns:a="http://schemas.openxmlformats.org/drawingml/2006/main" xmlns:r="http://schemas.openxmlformats.org/officeDocument/2006/relationships" xmlns:p="http://schemas.openxmlformats.org/presentationml/2006/main">
-  <p:cSld>
-    <p:spTree>
-      <p:nvGrpSpPr>
-        <p:cNvPr id="1" name=""/>
-        <p:cNvGrpSpPr/>
-        <p:nvPr/>
-      </p:nvGrpSpPr>
-      <p:grpSpPr>
-        <a:xfrm>
-          <a:off x="0" y="0"/>
-          <a:ext cx="0" cy="0"/>
-          <a:chOff x="0" y="0"/>
-          <a:chExt cx="0" cy="0"/>
-        </a:xfrm>
-      </p:grpSpPr>
-      <p:sp>
-        <p:nvSpPr>
-          <p:cNvPr id="2" name="Titre 1"/>
-          <p:cNvSpPr>
-            <a:spLocks noGrp="1"/>
-          </p:cNvSpPr>
-          <p:nvPr>
-            <p:ph type="title"/>
-          </p:nvPr>
-        </p:nvSpPr>
-        <p:spPr/>
-        <p:txBody>
-          <a:bodyPr/>
-          <a:lstStyle/>
-          <a:p>
-            <a:r>
-              <a:rPr lang="fr-FR" dirty="0" smtClean="0"/>
-              <a:t>Erreur quadratique</a:t>
-            </a:r>
-            <a:endParaRPr lang="fr-FR" dirty="0"/>
-          </a:p>
-        </p:txBody>
-      </p:sp>
-      <p:sp>
-        <p:nvSpPr>
-          <p:cNvPr id="3" name="Espace réservé du contenu 2"/>
-          <p:cNvSpPr>
-            <a:spLocks noGrp="1"/>
-          </p:cNvSpPr>
-          <p:nvPr>
-            <p:ph idx="1"/>
-          </p:nvPr>
-        </p:nvSpPr>
-        <p:spPr/>
-        <p:txBody>
-          <a:bodyPr/>
-          <a:lstStyle/>
-          <a:p>
-            <a:r>
-              <a:rPr lang="fr-FR" dirty="0"/>
-              <a:t>La distance la plus utilisée pour mesurer cet éloignement est l’erreur </a:t>
-            </a:r>
-            <a:r>
-              <a:rPr lang="fr-FR" dirty="0" smtClean="0"/>
-              <a:t>quadratique</a:t>
-            </a:r>
-            <a:endParaRPr lang="fr-FR" dirty="0"/>
-          </a:p>
-          <a:p>
-            <a:pPr lvl="1"/>
-            <a:r>
-              <a:rPr lang="fr-FR" dirty="0" smtClean="0"/>
-              <a:t>la </a:t>
-            </a:r>
-            <a:r>
-              <a:rPr lang="fr-FR" dirty="0"/>
-              <a:t>distance euclidienne entre un point et le </a:t>
-            </a:r>
-            <a:r>
-              <a:rPr lang="fr-FR" dirty="0" smtClean="0"/>
-              <a:t>modèle</a:t>
-            </a:r>
-            <a:endParaRPr lang="fr-FR" dirty="0"/>
-          </a:p>
-          <a:p>
-            <a:r>
-              <a:rPr lang="fr-FR" dirty="0"/>
-              <a:t>Souvent, on ne peut pas calculer directement l’erreur mais on va utiliser une approximation à partir des données qui sont notre seule </a:t>
-            </a:r>
-            <a:r>
-              <a:rPr lang="fr-FR" dirty="0" smtClean="0"/>
-              <a:t>ressource</a:t>
-            </a:r>
-          </a:p>
-          <a:p>
-            <a:pPr lvl="1"/>
-            <a:r>
-              <a:rPr lang="fr-FR" dirty="0" smtClean="0"/>
-              <a:t>On </a:t>
-            </a:r>
-            <a:r>
-              <a:rPr lang="fr-FR" dirty="0"/>
-              <a:t>va ainsi sommer sur toutes nos données d’exemples l’erreur effectuée du </a:t>
-            </a:r>
-            <a:r>
-              <a:rPr lang="fr-FR" dirty="0" smtClean="0"/>
-              <a:t>modèle</a:t>
-            </a:r>
-          </a:p>
-          <a:p>
-            <a:pPr lvl="1"/>
-            <a:r>
-              <a:rPr lang="fr-FR" dirty="0" smtClean="0"/>
-              <a:t>On </a:t>
-            </a:r>
-            <a:r>
-              <a:rPr lang="fr-FR" dirty="0"/>
-              <a:t>appelle cette erreur le risque </a:t>
-            </a:r>
-            <a:r>
-              <a:rPr lang="fr-FR" dirty="0" smtClean="0"/>
-              <a:t>empirique</a:t>
-            </a:r>
-          </a:p>
-          <a:p>
-            <a:r>
-              <a:rPr lang="fr-FR" dirty="0" smtClean="0"/>
-              <a:t>Le but étant de minimiser la moyenne de </a:t>
-            </a:r>
-            <a:r>
-              <a:rPr lang="fr-FR" smtClean="0"/>
-              <a:t>l’erreur quadratique</a:t>
-            </a:r>
-            <a:endParaRPr lang="fr-FR" dirty="0"/>
-          </a:p>
-        </p:txBody>
-      </p:sp>
-    </p:spTree>
-    <p:extLst>
-      <p:ext uri="{BB962C8B-B14F-4D97-AF65-F5344CB8AC3E}">
-        <p14:creationId xmlns:p14="http://schemas.microsoft.com/office/powerpoint/2010/main" val="2788917738"/>
-      </p:ext>
-    </p:extLst>
-  </p:cSld>
-  <p:clrMapOvr>
-    <a:masterClrMapping/>
-  </p:clrMapOvr>
-</p:sld>
-</file>
-
 <file path=ppt/slides/slide29.xml><?xml version="1.0" encoding="utf-8"?>
 <p:sld xmlns:a="http://schemas.openxmlformats.org/drawingml/2006/main" xmlns:r="http://schemas.openxmlformats.org/officeDocument/2006/relationships" xmlns:p="http://schemas.openxmlformats.org/presentationml/2006/main">
   <p:cSld>
@@ -6312,10 +6034,9 @@
           <a:lstStyle/>
           <a:p>
             <a:r>
-              <a:rPr lang="fr-FR" dirty="0" smtClean="0"/>
-              <a:t>Problème non modélisables</a:t>
-            </a:r>
-            <a:endParaRPr lang="fr-FR" dirty="0"/>
+              <a:rPr lang="fr-FR" dirty="0"/>
+              <a:t>Erreur quadratique</a:t>
+            </a:r>
           </a:p>
         </p:txBody>
       </p:sp>
@@ -6335,47 +6056,280 @@
           <a:lstStyle/>
           <a:p>
             <a:r>
-              <a:rPr lang="fr-FR" dirty="0" smtClean="0"/>
+              <a:rPr lang="fr-FR" dirty="0"/>
+              <a:t>La distance la plus utilisée pour mesurer cet éloignement est l’erreur quadratique</a:t>
+            </a:r>
+          </a:p>
+          <a:p>
+            <a:pPr lvl="1"/>
+            <a:r>
+              <a:rPr lang="fr-FR" dirty="0"/>
+              <a:t>la distance euclidienne entre un point et le modèle</a:t>
+            </a:r>
+          </a:p>
+          <a:p>
+            <a:r>
+              <a:rPr lang="fr-FR" dirty="0"/>
+              <a:t>Souvent, on ne peut pas calculer directement l’erreur mais on va utiliser une approximation à partir des données qui sont notre seule ressource</a:t>
+            </a:r>
+          </a:p>
+          <a:p>
+            <a:pPr lvl="1"/>
+            <a:r>
+              <a:rPr lang="fr-FR" dirty="0"/>
+              <a:t>On va ainsi sommer sur toutes nos données d’exemples l’erreur effectuée du modèle</a:t>
+            </a:r>
+          </a:p>
+          <a:p>
+            <a:pPr lvl="1"/>
+            <a:r>
+              <a:rPr lang="fr-FR" dirty="0"/>
+              <a:t>On appelle cette erreur le risque empirique</a:t>
+            </a:r>
+          </a:p>
+          <a:p>
+            <a:r>
+              <a:rPr lang="fr-FR" dirty="0"/>
+              <a:t>Le but étant de minimiser la moyenne de </a:t>
+            </a:r>
+            <a:r>
+              <a:rPr lang="fr-FR"/>
+              <a:t>l’erreur quadratique</a:t>
+            </a:r>
+            <a:endParaRPr lang="fr-FR" dirty="0"/>
+          </a:p>
+        </p:txBody>
+      </p:sp>
+    </p:spTree>
+    <p:extLst>
+      <p:ext uri="{BB962C8B-B14F-4D97-AF65-F5344CB8AC3E}">
+        <p14:creationId xmlns:p14="http://schemas.microsoft.com/office/powerpoint/2010/main" val="2788917738"/>
+      </p:ext>
+    </p:extLst>
+  </p:cSld>
+  <p:clrMapOvr>
+    <a:masterClrMapping/>
+  </p:clrMapOvr>
+</p:sld>
+</file>
+
+<file path=ppt/slides/slide3.xml><?xml version="1.0" encoding="utf-8"?>
+<p:sld xmlns:a="http://schemas.openxmlformats.org/drawingml/2006/main" xmlns:r="http://schemas.openxmlformats.org/officeDocument/2006/relationships" xmlns:p="http://schemas.openxmlformats.org/presentationml/2006/main">
+  <p:cSld>
+    <p:spTree>
+      <p:nvGrpSpPr>
+        <p:cNvPr id="1" name=""/>
+        <p:cNvGrpSpPr/>
+        <p:nvPr/>
+      </p:nvGrpSpPr>
+      <p:grpSpPr>
+        <a:xfrm>
+          <a:off x="0" y="0"/>
+          <a:ext cx="0" cy="0"/>
+          <a:chOff x="0" y="0"/>
+          <a:chExt cx="0" cy="0"/>
+        </a:xfrm>
+      </p:grpSpPr>
+      <p:sp>
+        <p:nvSpPr>
+          <p:cNvPr id="2" name="Titre 1"/>
+          <p:cNvSpPr>
+            <a:spLocks noGrp="1"/>
+          </p:cNvSpPr>
+          <p:nvPr>
+            <p:ph type="title"/>
+          </p:nvPr>
+        </p:nvSpPr>
+        <p:spPr/>
+        <p:txBody>
+          <a:bodyPr/>
+          <a:lstStyle/>
+          <a:p>
+            <a:r>
+              <a:rPr lang="fr-FR" dirty="0"/>
+              <a:t>1</a:t>
+            </a:r>
+            <a:r>
+              <a:rPr lang="fr-FR" baseline="30000" dirty="0"/>
+              <a:t>ère</a:t>
+            </a:r>
+            <a:r>
+              <a:rPr lang="fr-FR" dirty="0"/>
+              <a:t> étape</a:t>
+            </a:r>
+          </a:p>
+        </p:txBody>
+      </p:sp>
+      <p:sp>
+        <p:nvSpPr>
+          <p:cNvPr id="3" name="Espace réservé du contenu 2"/>
+          <p:cNvSpPr>
+            <a:spLocks noGrp="1"/>
+          </p:cNvSpPr>
+          <p:nvPr>
+            <p:ph idx="1"/>
+          </p:nvPr>
+        </p:nvSpPr>
+        <p:spPr/>
+        <p:txBody>
+          <a:bodyPr/>
+          <a:lstStyle/>
+          <a:p>
+            <a:r>
+              <a:rPr lang="fr-FR" dirty="0"/>
+              <a:t>Trouver les données</a:t>
+            </a:r>
+          </a:p>
+          <a:p>
+            <a:pPr lvl="1"/>
+            <a:r>
+              <a:rPr lang="fr-FR" dirty="0"/>
+              <a:t>Mise à disposition d’un data </a:t>
+            </a:r>
+            <a:r>
+              <a:rPr lang="fr-FR" dirty="0" err="1"/>
+              <a:t>lake</a:t>
+            </a:r>
+            <a:r>
+              <a:rPr lang="fr-FR" dirty="0"/>
+              <a:t> ou d’un data </a:t>
+            </a:r>
+            <a:r>
+              <a:rPr lang="fr-FR" dirty="0" err="1"/>
+              <a:t>mart</a:t>
+            </a:r>
+            <a:endParaRPr lang="fr-FR" dirty="0"/>
+          </a:p>
+          <a:p>
+            <a:r>
+              <a:rPr lang="fr-FR" dirty="0"/>
+              <a:t>Le jeu de données utilisé en machine </a:t>
+            </a:r>
+            <a:r>
+              <a:rPr lang="fr-FR" dirty="0" err="1"/>
+              <a:t>learning</a:t>
+            </a:r>
+            <a:r>
+              <a:rPr lang="fr-FR" dirty="0"/>
+              <a:t> s’appel le </a:t>
+            </a:r>
+            <a:r>
+              <a:rPr lang="fr-FR" dirty="0" err="1"/>
+              <a:t>Dataset</a:t>
+            </a:r>
+            <a:endParaRPr lang="fr-FR" dirty="0"/>
+          </a:p>
+        </p:txBody>
+      </p:sp>
+    </p:spTree>
+    <p:extLst>
+      <p:ext uri="{BB962C8B-B14F-4D97-AF65-F5344CB8AC3E}">
+        <p14:creationId xmlns:p14="http://schemas.microsoft.com/office/powerpoint/2010/main" val="1841075970"/>
+      </p:ext>
+    </p:extLst>
+  </p:cSld>
+  <p:clrMapOvr>
+    <a:masterClrMapping/>
+  </p:clrMapOvr>
+</p:sld>
+</file>
+
+<file path=ppt/slides/slide30.xml><?xml version="1.0" encoding="utf-8"?>
+<p:sld xmlns:a="http://schemas.openxmlformats.org/drawingml/2006/main" xmlns:r="http://schemas.openxmlformats.org/officeDocument/2006/relationships" xmlns:p="http://schemas.openxmlformats.org/presentationml/2006/main">
+  <p:cSld>
+    <p:spTree>
+      <p:nvGrpSpPr>
+        <p:cNvPr id="1" name=""/>
+        <p:cNvGrpSpPr/>
+        <p:nvPr/>
+      </p:nvGrpSpPr>
+      <p:grpSpPr>
+        <a:xfrm>
+          <a:off x="0" y="0"/>
+          <a:ext cx="0" cy="0"/>
+          <a:chOff x="0" y="0"/>
+          <a:chExt cx="0" cy="0"/>
+        </a:xfrm>
+      </p:grpSpPr>
+      <p:sp>
+        <p:nvSpPr>
+          <p:cNvPr id="2" name="Titre 1"/>
+          <p:cNvSpPr>
+            <a:spLocks noGrp="1"/>
+          </p:cNvSpPr>
+          <p:nvPr>
+            <p:ph type="title"/>
+          </p:nvPr>
+        </p:nvSpPr>
+        <p:spPr/>
+        <p:txBody>
+          <a:bodyPr/>
+          <a:lstStyle/>
+          <a:p>
+            <a:r>
+              <a:rPr lang="fr-FR" dirty="0"/>
+              <a:t>Problème non modélisables</a:t>
+            </a:r>
+          </a:p>
+        </p:txBody>
+      </p:sp>
+      <p:sp>
+        <p:nvSpPr>
+          <p:cNvPr id="3" name="Espace réservé du contenu 2"/>
+          <p:cNvSpPr>
+            <a:spLocks noGrp="1"/>
+          </p:cNvSpPr>
+          <p:nvPr>
+            <p:ph idx="1"/>
+          </p:nvPr>
+        </p:nvSpPr>
+        <p:spPr/>
+        <p:txBody>
+          <a:bodyPr/>
+          <a:lstStyle/>
+          <a:p>
+            <a:r>
+              <a:rPr lang="fr-FR" dirty="0"/>
               <a:t>Certains problèmes ne sont pas modélisable par une régression</a:t>
             </a:r>
           </a:p>
           <a:p>
             <a:pPr lvl="1"/>
             <a:r>
-              <a:rPr lang="fr-FR" dirty="0" smtClean="0"/>
+              <a:rPr lang="fr-FR" dirty="0"/>
               <a:t>Non rationnel : Pi, nombres premiers</a:t>
             </a:r>
           </a:p>
           <a:p>
             <a:pPr lvl="1"/>
             <a:r>
-              <a:rPr lang="fr-FR" dirty="0" smtClean="0"/>
+              <a:rPr lang="fr-FR" dirty="0"/>
               <a:t>Fortement dispersé : </a:t>
             </a:r>
             <a:r>
-              <a:rPr lang="fr-FR" dirty="0" err="1" smtClean="0"/>
+              <a:rPr lang="fr-FR" dirty="0" err="1"/>
               <a:t>Random</a:t>
             </a:r>
-            <a:endParaRPr lang="fr-FR" dirty="0" smtClean="0"/>
+            <a:endParaRPr lang="fr-FR" dirty="0"/>
           </a:p>
           <a:p>
             <a:pPr lvl="1"/>
             <a:r>
-              <a:rPr lang="fr-FR" dirty="0" smtClean="0"/>
+              <a:rPr lang="fr-FR" dirty="0"/>
               <a:t>Ici </a:t>
             </a:r>
             <a:r>
-              <a:rPr lang="fr-FR" dirty="0" err="1" smtClean="0"/>
+              <a:rPr lang="fr-FR" dirty="0" err="1"/>
               <a:t>random.rand</a:t>
             </a:r>
             <a:r>
-              <a:rPr lang="fr-FR" dirty="0" smtClean="0"/>
+              <a:rPr lang="fr-FR" dirty="0"/>
               <a:t>(30) et les 40000 premiers nombres premiers sur une grille 200 x 200</a:t>
             </a:r>
           </a:p>
           <a:p>
             <a:pPr lvl="1"/>
-            <a:endParaRPr lang="fr-FR" dirty="0" smtClean="0"/>
+            <a:endParaRPr lang="fr-FR" dirty="0"/>
           </a:p>
         </p:txBody>
       </p:sp>
@@ -6474,212 +6428,6 @@
 </p:sld>
 </file>
 
-<file path=ppt/slides/slide3.xml><?xml version="1.0" encoding="utf-8"?>
-<p:sld xmlns:a="http://schemas.openxmlformats.org/drawingml/2006/main" xmlns:r="http://schemas.openxmlformats.org/officeDocument/2006/relationships" xmlns:p="http://schemas.openxmlformats.org/presentationml/2006/main">
-  <p:cSld>
-    <p:spTree>
-      <p:nvGrpSpPr>
-        <p:cNvPr id="1" name=""/>
-        <p:cNvGrpSpPr/>
-        <p:nvPr/>
-      </p:nvGrpSpPr>
-      <p:grpSpPr>
-        <a:xfrm>
-          <a:off x="0" y="0"/>
-          <a:ext cx="0" cy="0"/>
-          <a:chOff x="0" y="0"/>
-          <a:chExt cx="0" cy="0"/>
-        </a:xfrm>
-      </p:grpSpPr>
-      <p:sp>
-        <p:nvSpPr>
-          <p:cNvPr id="2" name="Titre 1"/>
-          <p:cNvSpPr>
-            <a:spLocks noGrp="1"/>
-          </p:cNvSpPr>
-          <p:nvPr>
-            <p:ph type="title"/>
-          </p:nvPr>
-        </p:nvSpPr>
-        <p:spPr/>
-        <p:txBody>
-          <a:bodyPr/>
-          <a:lstStyle/>
-          <a:p>
-            <a:r>
-              <a:rPr lang="fr-FR" dirty="0" smtClean="0"/>
-              <a:t>1</a:t>
-            </a:r>
-            <a:r>
-              <a:rPr lang="fr-FR" baseline="30000" dirty="0" smtClean="0"/>
-              <a:t>ère</a:t>
-            </a:r>
-            <a:r>
-              <a:rPr lang="fr-FR" dirty="0" smtClean="0"/>
-              <a:t> étape</a:t>
-            </a:r>
-            <a:endParaRPr lang="fr-FR" dirty="0"/>
-          </a:p>
-        </p:txBody>
-      </p:sp>
-      <p:sp>
-        <p:nvSpPr>
-          <p:cNvPr id="3" name="Espace réservé du contenu 2"/>
-          <p:cNvSpPr>
-            <a:spLocks noGrp="1"/>
-          </p:cNvSpPr>
-          <p:nvPr>
-            <p:ph idx="1"/>
-          </p:nvPr>
-        </p:nvSpPr>
-        <p:spPr/>
-        <p:txBody>
-          <a:bodyPr/>
-          <a:lstStyle/>
-          <a:p>
-            <a:r>
-              <a:rPr lang="fr-FR" dirty="0" smtClean="0"/>
-              <a:t>Trouver les données</a:t>
-            </a:r>
-          </a:p>
-          <a:p>
-            <a:pPr lvl="1"/>
-            <a:r>
-              <a:rPr lang="fr-FR" dirty="0" smtClean="0"/>
-              <a:t>Mise à disposition d’un data </a:t>
-            </a:r>
-            <a:r>
-              <a:rPr lang="fr-FR" dirty="0" err="1" smtClean="0"/>
-              <a:t>lake</a:t>
-            </a:r>
-            <a:r>
-              <a:rPr lang="fr-FR" dirty="0" smtClean="0"/>
-              <a:t> ou d’un data </a:t>
-            </a:r>
-            <a:r>
-              <a:rPr lang="fr-FR" dirty="0" err="1" smtClean="0"/>
-              <a:t>mart</a:t>
-            </a:r>
-            <a:endParaRPr lang="fr-FR" dirty="0" smtClean="0"/>
-          </a:p>
-          <a:p>
-            <a:r>
-              <a:rPr lang="fr-FR" dirty="0" smtClean="0"/>
-              <a:t>Le jeu de données utilisé en machine </a:t>
-            </a:r>
-            <a:r>
-              <a:rPr lang="fr-FR" dirty="0" err="1" smtClean="0"/>
-              <a:t>learning</a:t>
-            </a:r>
-            <a:r>
-              <a:rPr lang="fr-FR" dirty="0" smtClean="0"/>
-              <a:t> s’appel le </a:t>
-            </a:r>
-            <a:r>
-              <a:rPr lang="fr-FR" dirty="0" err="1" smtClean="0"/>
-              <a:t>Dataset</a:t>
-            </a:r>
-            <a:endParaRPr lang="fr-FR" dirty="0" smtClean="0"/>
-          </a:p>
-        </p:txBody>
-      </p:sp>
-    </p:spTree>
-    <p:extLst>
-      <p:ext uri="{BB962C8B-B14F-4D97-AF65-F5344CB8AC3E}">
-        <p14:creationId xmlns:p14="http://schemas.microsoft.com/office/powerpoint/2010/main" val="1841075970"/>
-      </p:ext>
-    </p:extLst>
-  </p:cSld>
-  <p:clrMapOvr>
-    <a:masterClrMapping/>
-  </p:clrMapOvr>
-</p:sld>
-</file>
-
-<file path=ppt/slides/slide30.xml><?xml version="1.0" encoding="utf-8"?>
-<p:sld xmlns:a="http://schemas.openxmlformats.org/drawingml/2006/main" xmlns:r="http://schemas.openxmlformats.org/officeDocument/2006/relationships" xmlns:p="http://schemas.openxmlformats.org/presentationml/2006/main">
-  <p:cSld>
-    <p:spTree>
-      <p:nvGrpSpPr>
-        <p:cNvPr id="1" name=""/>
-        <p:cNvGrpSpPr/>
-        <p:nvPr/>
-      </p:nvGrpSpPr>
-      <p:grpSpPr>
-        <a:xfrm>
-          <a:off x="0" y="0"/>
-          <a:ext cx="0" cy="0"/>
-          <a:chOff x="0" y="0"/>
-          <a:chExt cx="0" cy="0"/>
-        </a:xfrm>
-      </p:grpSpPr>
-      <p:sp>
-        <p:nvSpPr>
-          <p:cNvPr id="2" name="Titre 1"/>
-          <p:cNvSpPr>
-            <a:spLocks noGrp="1"/>
-          </p:cNvSpPr>
-          <p:nvPr>
-            <p:ph type="title"/>
-          </p:nvPr>
-        </p:nvSpPr>
-        <p:spPr/>
-        <p:txBody>
-          <a:bodyPr/>
-          <a:lstStyle/>
-          <a:p>
-            <a:r>
-              <a:rPr lang="fr-FR" dirty="0" err="1" smtClean="0"/>
-              <a:t>Edmunt</a:t>
-            </a:r>
-            <a:r>
-              <a:rPr lang="fr-FR" dirty="0" smtClean="0"/>
-              <a:t> Husserl</a:t>
-            </a:r>
-            <a:endParaRPr lang="fr-FR" dirty="0"/>
-          </a:p>
-        </p:txBody>
-      </p:sp>
-      <p:sp>
-        <p:nvSpPr>
-          <p:cNvPr id="3" name="Espace réservé du contenu 2"/>
-          <p:cNvSpPr>
-            <a:spLocks noGrp="1"/>
-          </p:cNvSpPr>
-          <p:nvPr>
-            <p:ph idx="1"/>
-          </p:nvPr>
-        </p:nvSpPr>
-        <p:spPr/>
-        <p:txBody>
-          <a:bodyPr/>
-          <a:lstStyle/>
-          <a:p>
-            <a:r>
-              <a:rPr lang="fr-FR" dirty="0" smtClean="0"/>
-              <a:t>«</a:t>
-            </a:r>
-            <a:r>
-              <a:rPr lang="fr-FR" dirty="0"/>
-              <a:t> Les modèles sont les habits des idées, il y a toujours un modèle qui peut faire croire que votre idée est juste. »</a:t>
-            </a:r>
-            <a:endParaRPr lang="fr-FR" dirty="0"/>
-          </a:p>
-        </p:txBody>
-      </p:sp>
-    </p:spTree>
-    <p:extLst>
-      <p:ext uri="{BB962C8B-B14F-4D97-AF65-F5344CB8AC3E}">
-        <p14:creationId xmlns:p14="http://schemas.microsoft.com/office/powerpoint/2010/main" val="4041279753"/>
-      </p:ext>
-    </p:extLst>
-  </p:cSld>
-  <p:clrMapOvr>
-    <a:masterClrMapping/>
-  </p:clrMapOvr>
-</p:sld>
-</file>
-
 <file path=ppt/slides/slide31.xml><?xml version="1.0" encoding="utf-8"?>
 <p:sld xmlns:a="http://schemas.openxmlformats.org/drawingml/2006/main" xmlns:r="http://schemas.openxmlformats.org/officeDocument/2006/relationships" xmlns:p="http://schemas.openxmlformats.org/presentationml/2006/main">
   <p:cSld>
@@ -6713,10 +6461,13 @@
           <a:lstStyle/>
           <a:p>
             <a:r>
-              <a:rPr lang="fr-FR" dirty="0" smtClean="0"/>
-              <a:t>Considération sur les tailles</a:t>
-            </a:r>
-            <a:endParaRPr lang="fr-FR" dirty="0"/>
+              <a:rPr lang="fr-FR" dirty="0" err="1"/>
+              <a:t>Edmunt</a:t>
+            </a:r>
+            <a:r>
+              <a:rPr lang="fr-FR" dirty="0"/>
+              <a:t> Husserl</a:t>
+            </a:r>
           </a:p>
         </p:txBody>
       </p:sp>
@@ -6736,61 +6487,16 @@
           <a:lstStyle/>
           <a:p>
             <a:r>
-              <a:rPr lang="fr-FR" dirty="0" smtClean="0"/>
-              <a:t>Les processeurs d’aujourd’hui en en 64 bits (x64)</a:t>
-            </a:r>
-          </a:p>
-          <a:p>
-            <a:pPr lvl="1"/>
-            <a:r>
-              <a:rPr lang="fr-FR" dirty="0" smtClean="0"/>
-              <a:t>Les GPU sont sur 128 bits</a:t>
-            </a:r>
-          </a:p>
-          <a:p>
-            <a:pPr lvl="1"/>
-            <a:r>
-              <a:rPr lang="fr-FR" dirty="0" smtClean="0"/>
-              <a:t>Les anciens processeurs sur 32 bits</a:t>
-            </a:r>
-          </a:p>
-          <a:p>
-            <a:pPr lvl="1"/>
-            <a:r>
-              <a:rPr lang="fr-FR" dirty="0" smtClean="0"/>
-              <a:t>Python existe en version 32 et 64 bits</a:t>
-            </a:r>
-          </a:p>
-          <a:p>
-            <a:r>
-              <a:rPr lang="fr-FR" dirty="0" smtClean="0"/>
-              <a:t>Un processeur 32 bits ne peut adresser que 2^32 bits soit 4Gbit</a:t>
-            </a:r>
-          </a:p>
-          <a:p>
-            <a:pPr lvl="1"/>
-            <a:r>
-              <a:rPr lang="fr-FR" dirty="0" smtClean="0"/>
-              <a:t>Une adresse mémoire est souvent sur 1 octet ce qui donne 4Go de mémoire maximum, sachant que près de la moitié est pris par l’OS</a:t>
-            </a:r>
-          </a:p>
-          <a:p>
-            <a:r>
-              <a:rPr lang="fr-FR" dirty="0" smtClean="0"/>
-              <a:t>Un processeur 64 bits sait adressé 8000 </a:t>
-            </a:r>
-            <a:r>
-              <a:rPr lang="fr-FR" dirty="0" err="1" smtClean="0"/>
-              <a:t>Pbit</a:t>
-            </a:r>
-            <a:endParaRPr lang="fr-FR" dirty="0" smtClean="0"/>
+              <a:rPr lang="fr-FR" dirty="0"/>
+              <a:t>« Les modèles sont les habits des idées, il y a toujours un modèle qui peut faire croire que votre idée est juste. »</a:t>
+            </a:r>
           </a:p>
         </p:txBody>
       </p:sp>
     </p:spTree>
     <p:extLst>
       <p:ext uri="{BB962C8B-B14F-4D97-AF65-F5344CB8AC3E}">
-        <p14:creationId xmlns:p14="http://schemas.microsoft.com/office/powerpoint/2010/main" val="1996995698"/>
+        <p14:creationId xmlns:p14="http://schemas.microsoft.com/office/powerpoint/2010/main" val="4041279753"/>
       </p:ext>
     </p:extLst>
   </p:cSld>
@@ -6833,10 +6539,9 @@
           <a:lstStyle/>
           <a:p>
             <a:r>
-              <a:rPr lang="fr-FR" dirty="0" smtClean="0"/>
+              <a:rPr lang="fr-FR" dirty="0"/>
               <a:t>Considération sur les tailles</a:t>
             </a:r>
-            <a:endParaRPr lang="fr-FR" dirty="0"/>
           </a:p>
         </p:txBody>
       </p:sp>
@@ -6856,121 +6561,61 @@
           <a:lstStyle/>
           <a:p>
             <a:r>
-              <a:rPr lang="fr-FR" sz="2400" dirty="0" smtClean="0"/>
-              <a:t>En Python un flottant fait 32 bits</a:t>
+              <a:rPr lang="fr-FR" dirty="0"/>
+              <a:t>Les processeurs d’aujourd’hui en en 64 bits (x64)</a:t>
             </a:r>
           </a:p>
           <a:p>
             <a:pPr lvl="1"/>
             <a:r>
-              <a:rPr lang="fr-FR" sz="2000" dirty="0" smtClean="0"/>
-              <a:t>Sachant que la moitié des ressources est pris par l’OS et qu’une liste de valeur est amené à être dupliqué au moins une fois</a:t>
+              <a:rPr lang="fr-FR" dirty="0"/>
+              <a:t>Les GPU sont sur 128 bits</a:t>
             </a:r>
           </a:p>
           <a:p>
             <a:pPr lvl="1"/>
             <a:r>
-              <a:rPr lang="fr-FR" sz="2000" dirty="0" smtClean="0"/>
-              <a:t>Python 32 bits sait géré 10**8 flottants</a:t>
+              <a:rPr lang="fr-FR" dirty="0"/>
+              <a:t>Les anciens processeurs sur 32 bits</a:t>
             </a:r>
           </a:p>
           <a:p>
             <a:pPr lvl="1"/>
             <a:r>
-              <a:rPr lang="fr-FR" sz="2000" dirty="0" smtClean="0"/>
-              <a:t>Python 64 bits sait géré 10**18 flottants</a:t>
-            </a:r>
-          </a:p>
-          <a:p>
-            <a:r>
-              <a:rPr lang="fr-FR" sz="2400" dirty="0" smtClean="0"/>
-              <a:t>Une image 28 * 28 * 16 niveaux de gris fait 3Ko</a:t>
+              <a:rPr lang="fr-FR" dirty="0"/>
+              <a:t>Python existe en version 32 et 64 bits</a:t>
+            </a:r>
+          </a:p>
+          <a:p>
+            <a:r>
+              <a:rPr lang="fr-FR" dirty="0"/>
+              <a:t>Un processeur 32 bits ne peut adresser que 2^32 bits soit 4Gbit</a:t>
             </a:r>
           </a:p>
           <a:p>
             <a:pPr lvl="1"/>
             <a:r>
-              <a:rPr lang="fr-FR" sz="2000" dirty="0" smtClean="0"/>
-              <a:t>Python 32 bits sait géré 333 000 images</a:t>
-            </a:r>
-          </a:p>
-          <a:p>
-            <a:pPr lvl="1"/>
-            <a:r>
-              <a:rPr lang="fr-FR" sz="2000" dirty="0" smtClean="0"/>
-              <a:t>Python 64 bits sait géré 10**15 images</a:t>
-            </a:r>
-          </a:p>
-          <a:p>
-            <a:r>
-              <a:rPr lang="fr-FR" sz="2400" dirty="0" smtClean="0"/>
-              <a:t>Une image 1024 * 768 en couleur RAW fait 3Mo</a:t>
-            </a:r>
-          </a:p>
-          <a:p>
-            <a:pPr lvl="1"/>
-            <a:r>
-              <a:rPr lang="fr-FR" sz="2000" dirty="0"/>
-              <a:t>Python 32 bits sait géré 333 </a:t>
-            </a:r>
-            <a:r>
-              <a:rPr lang="fr-FR" sz="2000" dirty="0" smtClean="0"/>
-              <a:t>images</a:t>
-            </a:r>
-            <a:endParaRPr lang="fr-FR" sz="2000" dirty="0"/>
-          </a:p>
-          <a:p>
-            <a:pPr lvl="1"/>
-            <a:r>
-              <a:rPr lang="fr-FR" sz="2000" dirty="0"/>
-              <a:t>Python 64 bits sait géré 10**</a:t>
-            </a:r>
-            <a:r>
-              <a:rPr lang="fr-FR" sz="2000" dirty="0" smtClean="0"/>
-              <a:t>12 images</a:t>
-            </a:r>
-          </a:p>
-          <a:p>
-            <a:r>
-              <a:rPr lang="fr-FR" sz="2400" dirty="0" smtClean="0"/>
-              <a:t>Une image 4K RAW </a:t>
-            </a:r>
-            <a:r>
-              <a:rPr lang="fr-FR" sz="2400" smtClean="0"/>
-              <a:t>fait 16Mo</a:t>
-            </a:r>
-            <a:endParaRPr lang="fr-FR" sz="2400" dirty="0" smtClean="0"/>
-          </a:p>
-          <a:p>
-            <a:pPr lvl="1"/>
-            <a:r>
-              <a:rPr lang="fr-FR" sz="2000" dirty="0" smtClean="0"/>
-              <a:t>Python </a:t>
-            </a:r>
-            <a:r>
-              <a:rPr lang="fr-FR" sz="2000" dirty="0"/>
-              <a:t>64 bits sait géré 10</a:t>
-            </a:r>
-            <a:r>
-              <a:rPr lang="fr-FR" sz="2000" dirty="0" smtClean="0"/>
-              <a:t>**9 images aucune pour 32 bits</a:t>
-            </a:r>
-            <a:endParaRPr lang="fr-FR" sz="2000" dirty="0"/>
-          </a:p>
-          <a:p>
-            <a:pPr lvl="1"/>
+              <a:rPr lang="fr-FR" dirty="0"/>
+              <a:t>Une adresse mémoire est souvent sur 1 octet ce qui donne 4Go de mémoire maximum, sachant que près de la moitié est pris par l’OS</a:t>
+            </a:r>
+          </a:p>
+          <a:p>
+            <a:r>
+              <a:rPr lang="fr-FR" dirty="0"/>
+              <a:t>Un processeur 64 bits sait adressé 8000 </a:t>
+            </a:r>
+            <a:r>
+              <a:rPr lang="fr-FR" dirty="0" err="1"/>
+              <a:t>Pbit</a:t>
+            </a:r>
             <a:endParaRPr lang="fr-FR" dirty="0"/>
-          </a:p>
-          <a:p>
-            <a:pPr lvl="1"/>
-            <a:endParaRPr lang="fr-FR" sz="2000" dirty="0" smtClean="0"/>
           </a:p>
         </p:txBody>
       </p:sp>
     </p:spTree>
     <p:extLst>
       <p:ext uri="{BB962C8B-B14F-4D97-AF65-F5344CB8AC3E}">
-        <p14:creationId xmlns:p14="http://schemas.microsoft.com/office/powerpoint/2010/main" val="916193899"/>
+        <p14:creationId xmlns:p14="http://schemas.microsoft.com/office/powerpoint/2010/main" val="1996995698"/>
       </p:ext>
     </p:extLst>
   </p:cSld>
@@ -7013,10 +6658,170 @@
           <a:lstStyle/>
           <a:p>
             <a:r>
-              <a:rPr lang="fr-FR" dirty="0" smtClean="0"/>
+              <a:rPr lang="fr-FR" dirty="0"/>
+              <a:t>Considération sur les tailles</a:t>
+            </a:r>
+          </a:p>
+        </p:txBody>
+      </p:sp>
+      <p:sp>
+        <p:nvSpPr>
+          <p:cNvPr id="3" name="Espace réservé du contenu 2"/>
+          <p:cNvSpPr>
+            <a:spLocks noGrp="1"/>
+          </p:cNvSpPr>
+          <p:nvPr>
+            <p:ph idx="1"/>
+          </p:nvPr>
+        </p:nvSpPr>
+        <p:spPr/>
+        <p:txBody>
+          <a:bodyPr/>
+          <a:lstStyle/>
+          <a:p>
+            <a:r>
+              <a:rPr lang="fr-FR" sz="2400" dirty="0"/>
+              <a:t>En Python un flottant fait 32 bits</a:t>
+            </a:r>
+          </a:p>
+          <a:p>
+            <a:pPr lvl="1"/>
+            <a:r>
+              <a:rPr lang="fr-FR" sz="2000" dirty="0"/>
+              <a:t>Sachant que la moitié des ressources est pris par l’OS et qu’une liste de valeur est amené à être dupliqué au moins une fois</a:t>
+            </a:r>
+          </a:p>
+          <a:p>
+            <a:pPr lvl="1"/>
+            <a:r>
+              <a:rPr lang="fr-FR" sz="2000" dirty="0"/>
+              <a:t>Python 32 bits sait géré 10**8 flottants</a:t>
+            </a:r>
+          </a:p>
+          <a:p>
+            <a:pPr lvl="1"/>
+            <a:r>
+              <a:rPr lang="fr-FR" sz="2000" dirty="0"/>
+              <a:t>Python 64 bits sait géré 10**18 flottants</a:t>
+            </a:r>
+          </a:p>
+          <a:p>
+            <a:r>
+              <a:rPr lang="fr-FR" sz="2400" dirty="0"/>
+              <a:t>Une image 28 * 28 * 16 niveaux de gris fait 3Ko</a:t>
+            </a:r>
+          </a:p>
+          <a:p>
+            <a:pPr lvl="1"/>
+            <a:r>
+              <a:rPr lang="fr-FR" sz="2000" dirty="0"/>
+              <a:t>Python 32 bits sait géré 333 000 images</a:t>
+            </a:r>
+          </a:p>
+          <a:p>
+            <a:pPr lvl="1"/>
+            <a:r>
+              <a:rPr lang="fr-FR" sz="2000" dirty="0"/>
+              <a:t>Python 64 bits sait géré 10**15 images</a:t>
+            </a:r>
+          </a:p>
+          <a:p>
+            <a:r>
+              <a:rPr lang="fr-FR" sz="2400" dirty="0"/>
+              <a:t>Une image 1024 * 768 en couleur RAW fait 3Mo</a:t>
+            </a:r>
+          </a:p>
+          <a:p>
+            <a:pPr lvl="1"/>
+            <a:r>
+              <a:rPr lang="fr-FR" sz="2000" dirty="0"/>
+              <a:t>Python 32 bits sait géré 333 images</a:t>
+            </a:r>
+          </a:p>
+          <a:p>
+            <a:pPr lvl="1"/>
+            <a:r>
+              <a:rPr lang="fr-FR" sz="2000" dirty="0"/>
+              <a:t>Python 64 bits sait géré 10**12 images</a:t>
+            </a:r>
+          </a:p>
+          <a:p>
+            <a:r>
+              <a:rPr lang="fr-FR" sz="2400" dirty="0"/>
+              <a:t>Une image 4K RAW </a:t>
+            </a:r>
+            <a:r>
+              <a:rPr lang="fr-FR" sz="2400"/>
+              <a:t>fait 16Mo</a:t>
+            </a:r>
+            <a:endParaRPr lang="fr-FR" sz="2400" dirty="0"/>
+          </a:p>
+          <a:p>
+            <a:pPr lvl="1"/>
+            <a:r>
+              <a:rPr lang="fr-FR" sz="2000" dirty="0"/>
+              <a:t>Python 64 bits sait géré 10**9 images aucune pour 32 bits</a:t>
+            </a:r>
+          </a:p>
+          <a:p>
+            <a:pPr lvl="1"/>
+            <a:endParaRPr lang="fr-FR" dirty="0"/>
+          </a:p>
+          <a:p>
+            <a:pPr lvl="1"/>
+            <a:endParaRPr lang="fr-FR" sz="2000" dirty="0"/>
+          </a:p>
+        </p:txBody>
+      </p:sp>
+    </p:spTree>
+    <p:extLst>
+      <p:ext uri="{BB962C8B-B14F-4D97-AF65-F5344CB8AC3E}">
+        <p14:creationId xmlns:p14="http://schemas.microsoft.com/office/powerpoint/2010/main" val="916193899"/>
+      </p:ext>
+    </p:extLst>
+  </p:cSld>
+  <p:clrMapOvr>
+    <a:masterClrMapping/>
+  </p:clrMapOvr>
+</p:sld>
+</file>
+
+<file path=ppt/slides/slide34.xml><?xml version="1.0" encoding="utf-8"?>
+<p:sld xmlns:a="http://schemas.openxmlformats.org/drawingml/2006/main" xmlns:r="http://schemas.openxmlformats.org/officeDocument/2006/relationships" xmlns:p="http://schemas.openxmlformats.org/presentationml/2006/main">
+  <p:cSld>
+    <p:spTree>
+      <p:nvGrpSpPr>
+        <p:cNvPr id="1" name=""/>
+        <p:cNvGrpSpPr/>
+        <p:nvPr/>
+      </p:nvGrpSpPr>
+      <p:grpSpPr>
+        <a:xfrm>
+          <a:off x="0" y="0"/>
+          <a:ext cx="0" cy="0"/>
+          <a:chOff x="0" y="0"/>
+          <a:chExt cx="0" cy="0"/>
+        </a:xfrm>
+      </p:grpSpPr>
+      <p:sp>
+        <p:nvSpPr>
+          <p:cNvPr id="2" name="Titre 1"/>
+          <p:cNvSpPr>
+            <a:spLocks noGrp="1"/>
+          </p:cNvSpPr>
+          <p:nvPr>
+            <p:ph type="title"/>
+          </p:nvPr>
+        </p:nvSpPr>
+        <p:spPr/>
+        <p:txBody>
+          <a:bodyPr/>
+          <a:lstStyle/>
+          <a:p>
+            <a:r>
+              <a:rPr lang="fr-FR" dirty="0"/>
               <a:t>Pur rappel</a:t>
             </a:r>
-            <a:endParaRPr lang="fr-FR" dirty="0"/>
           </a:p>
         </p:txBody>
       </p:sp>
@@ -7059,7 +6864,7 @@
 </p:sld>
 </file>
 
-<file path=ppt/slides/slide34.xml><?xml version="1.0" encoding="utf-8"?>
+<file path=ppt/slides/slide35.xml><?xml version="1.0" encoding="utf-8"?>
 <p:sld xmlns:a="http://schemas.openxmlformats.org/drawingml/2006/main" xmlns:r="http://schemas.openxmlformats.org/officeDocument/2006/relationships" xmlns:p="http://schemas.openxmlformats.org/presentationml/2006/main">
   <p:cSld>
     <p:spTree>
@@ -7092,10 +6897,9 @@
           <a:lstStyle/>
           <a:p>
             <a:r>
-              <a:rPr lang="fr-FR" dirty="0" smtClean="0"/>
+              <a:rPr lang="fr-FR" dirty="0"/>
               <a:t>Prétraitement</a:t>
             </a:r>
-            <a:endParaRPr lang="fr-FR" dirty="0"/>
           </a:p>
         </p:txBody>
       </p:sp>
@@ -7115,36 +6919,35 @@
           <a:lstStyle/>
           <a:p>
             <a:r>
-              <a:rPr lang="fr-FR" dirty="0" smtClean="0"/>
+              <a:rPr lang="fr-FR" dirty="0"/>
               <a:t>Si un problème est trop long à résoudre il faut le simplifier</a:t>
             </a:r>
           </a:p>
           <a:p>
             <a:r>
-              <a:rPr lang="fr-FR" dirty="0" smtClean="0"/>
+              <a:rPr lang="fr-FR" dirty="0"/>
               <a:t>Une fois les données nettoyée on peut les prétraitées</a:t>
             </a:r>
           </a:p>
           <a:p>
             <a:r>
-              <a:rPr lang="fr-FR" dirty="0" smtClean="0"/>
+              <a:rPr lang="fr-FR" dirty="0"/>
               <a:t>En prétraitant des données leur traitement sera facilité</a:t>
             </a:r>
           </a:p>
           <a:p>
             <a:pPr lvl="1"/>
             <a:r>
-              <a:rPr lang="fr-FR" dirty="0" smtClean="0"/>
+              <a:rPr lang="fr-FR" dirty="0"/>
               <a:t>Ici le seuillage d’une image</a:t>
             </a:r>
           </a:p>
           <a:p>
             <a:pPr lvl="1"/>
             <a:r>
-              <a:rPr lang="fr-FR" dirty="0" smtClean="0"/>
+              <a:rPr lang="fr-FR" dirty="0"/>
               <a:t>Taille abaissé (4 bits -&gt; 1 bit)</a:t>
             </a:r>
-            <a:endParaRPr lang="fr-FR" dirty="0"/>
           </a:p>
         </p:txBody>
       </p:sp>
@@ -7235,10 +7038,9 @@
           <a:lstStyle/>
           <a:p>
             <a:r>
-              <a:rPr lang="fr-FR" dirty="0" smtClean="0"/>
+              <a:rPr lang="fr-FR" dirty="0"/>
               <a:t>But</a:t>
             </a:r>
-            <a:endParaRPr lang="fr-FR" dirty="0"/>
           </a:p>
         </p:txBody>
       </p:sp>
@@ -7267,39 +7069,19 @@
             </a:r>
             <a:r>
               <a:rPr lang="fr-FR" dirty="0"/>
-              <a:t> et en data science plus généralement, l'objectif est de trouver un modèle </a:t>
-            </a:r>
-            <a:r>
-              <a:rPr lang="fr-FR" dirty="0" smtClean="0"/>
-              <a:t>du </a:t>
-            </a:r>
-            <a:r>
-              <a:rPr lang="fr-FR" dirty="0"/>
-              <a:t>phénomène à l'origine des </a:t>
-            </a:r>
-            <a:r>
-              <a:rPr lang="fr-FR" dirty="0" smtClean="0"/>
-              <a:t>données</a:t>
-            </a:r>
-          </a:p>
-          <a:p>
-            <a:r>
-              <a:rPr lang="fr-FR" dirty="0" smtClean="0"/>
-              <a:t>C'est </a:t>
-            </a:r>
-            <a:r>
-              <a:rPr lang="fr-FR" dirty="0"/>
-              <a:t>à dire qu'on considère que chaque donnée observée est l'expression d'une variable aléatoire générée par une distribution de </a:t>
-            </a:r>
-            <a:r>
-              <a:rPr lang="fr-FR" dirty="0" smtClean="0"/>
-              <a:t>probabilité</a:t>
+              <a:t> et en data science plus généralement, l'objectif est de trouver un modèle du phénomène à l'origine des données</a:t>
+            </a:r>
+          </a:p>
+          <a:p>
+            <a:r>
+              <a:rPr lang="fr-FR" dirty="0"/>
+              <a:t>C'est à dire qu'on considère que chaque donnée observée est l'expression d'une variable aléatoire générée par une distribution de probabilité</a:t>
             </a:r>
           </a:p>
           <a:p>
             <a:pPr lvl="1"/>
             <a:r>
-              <a:rPr lang="fr-FR" smtClean="0"/>
+              <a:rPr lang="fr-FR"/>
               <a:t>Par exemple les sondages</a:t>
             </a:r>
             <a:endParaRPr lang="fr-FR" dirty="0"/>
@@ -7352,10 +7134,9 @@
           <a:lstStyle/>
           <a:p>
             <a:r>
-              <a:rPr lang="fr-FR" dirty="0" smtClean="0"/>
+              <a:rPr lang="fr-FR" dirty="0"/>
               <a:t>Régression linéaire</a:t>
             </a:r>
-            <a:endParaRPr lang="fr-FR" dirty="0"/>
           </a:p>
         </p:txBody>
       </p:sp>
@@ -7375,7 +7156,7 @@
           <a:lstStyle/>
           <a:p>
             <a:r>
-              <a:rPr lang="fr-FR" dirty="0" smtClean="0"/>
+              <a:rPr lang="fr-FR" dirty="0"/>
               <a:t>Notre exemple montre une régression linéaire</a:t>
             </a:r>
           </a:p>
@@ -7471,10 +7252,9 @@
           <a:lstStyle/>
           <a:p>
             <a:r>
-              <a:rPr lang="fr-FR" dirty="0" smtClean="0"/>
+              <a:rPr lang="fr-FR" dirty="0"/>
               <a:t>Erreur</a:t>
             </a:r>
-            <a:endParaRPr lang="fr-FR" dirty="0"/>
           </a:p>
         </p:txBody>
       </p:sp>
@@ -7494,7 +7274,7 @@
           <a:lstStyle/>
           <a:p>
             <a:r>
-              <a:rPr lang="fr-FR" dirty="0" smtClean="0"/>
+              <a:rPr lang="fr-FR" dirty="0"/>
               <a:t>Un écart type et un taux de confiance peut être calculé</a:t>
             </a:r>
           </a:p>
@@ -7502,26 +7282,25 @@
             <a:endParaRPr lang="fr-FR" dirty="0"/>
           </a:p>
           <a:p>
-            <a:endParaRPr lang="fr-FR" dirty="0" smtClean="0"/>
-          </a:p>
-          <a:p>
             <a:endParaRPr lang="fr-FR" dirty="0"/>
           </a:p>
           <a:p>
-            <a:endParaRPr lang="fr-FR" dirty="0" smtClean="0"/>
-          </a:p>
-          <a:p>
             <a:endParaRPr lang="fr-FR" dirty="0"/>
           </a:p>
           <a:p>
-            <a:endParaRPr lang="fr-FR" dirty="0" smtClean="0"/>
-          </a:p>
-          <a:p>
-            <a:r>
-              <a:rPr lang="fr-FR" dirty="0" smtClean="0"/>
+            <a:endParaRPr lang="fr-FR" dirty="0"/>
+          </a:p>
+          <a:p>
+            <a:endParaRPr lang="fr-FR" dirty="0"/>
+          </a:p>
+          <a:p>
+            <a:endParaRPr lang="fr-FR" dirty="0"/>
+          </a:p>
+          <a:p>
+            <a:r>
+              <a:rPr lang="fr-FR" dirty="0"/>
               <a:t>Exemple : taux de confiance à 90%</a:t>
             </a:r>
-            <a:endParaRPr lang="fr-FR" dirty="0"/>
           </a:p>
         </p:txBody>
       </p:sp>
@@ -7612,10 +7391,9 @@
           <a:lstStyle/>
           <a:p>
             <a:r>
-              <a:rPr lang="fr-FR" dirty="0" smtClean="0"/>
+              <a:rPr lang="fr-FR" dirty="0"/>
               <a:t>Classification</a:t>
             </a:r>
-            <a:endParaRPr lang="fr-FR" dirty="0"/>
           </a:p>
         </p:txBody>
       </p:sp>
@@ -7644,51 +7422,27 @@
             </a:r>
             <a:r>
               <a:rPr lang="fr-FR" dirty="0"/>
-              <a:t> est le type de sortie que l'on attend de notre </a:t>
-            </a:r>
-            <a:r>
-              <a:rPr lang="fr-FR" dirty="0" smtClean="0"/>
-              <a:t>programme</a:t>
+              <a:t> est le type de sortie que l'on attend de notre programme</a:t>
             </a:r>
           </a:p>
           <a:p>
             <a:pPr lvl="1"/>
             <a:r>
-              <a:rPr lang="fr-FR" dirty="0" smtClean="0"/>
-              <a:t>Est-ce </a:t>
-            </a:r>
-            <a:r>
-              <a:rPr lang="fr-FR" dirty="0"/>
-              <a:t>une valeur continue (un </a:t>
-            </a:r>
-            <a:r>
-              <a:rPr lang="fr-FR" dirty="0" smtClean="0"/>
-              <a:t>nombre)</a:t>
+              <a:rPr lang="fr-FR" dirty="0"/>
+              <a:t>Est-ce une valeur continue (un nombre)</a:t>
             </a:r>
           </a:p>
           <a:p>
             <a:pPr lvl="1"/>
             <a:r>
-              <a:rPr lang="fr-FR" dirty="0" smtClean="0"/>
-              <a:t>ou </a:t>
-            </a:r>
-            <a:r>
-              <a:rPr lang="fr-FR" dirty="0"/>
-              <a:t>bien une valeur discrète (une catégorie) </a:t>
-            </a:r>
-            <a:r>
-              <a:rPr lang="fr-FR" dirty="0" smtClean="0"/>
-              <a:t>?</a:t>
-            </a:r>
-          </a:p>
-          <a:p>
-            <a:r>
-              <a:rPr lang="fr-FR" dirty="0" smtClean="0"/>
-              <a:t>Le </a:t>
-            </a:r>
-            <a:r>
-              <a:rPr lang="fr-FR" dirty="0"/>
-              <a:t>premier cas est appelé une régression, le second une classification</a:t>
+              <a:rPr lang="fr-FR" dirty="0"/>
+              <a:t>ou bien une valeur discrète (une catégorie) ?</a:t>
+            </a:r>
+          </a:p>
+          <a:p>
+            <a:r>
+              <a:rPr lang="fr-FR" dirty="0"/>
+              <a:t>Le premier cas est appelé une régression, le second une classification</a:t>
             </a:r>
           </a:p>
         </p:txBody>
@@ -7780,10 +7534,9 @@
           <a:lstStyle/>
           <a:p>
             <a:r>
-              <a:rPr lang="fr-FR" dirty="0" smtClean="0"/>
+              <a:rPr lang="fr-FR" dirty="0"/>
               <a:t>Trouver le bon modèle</a:t>
             </a:r>
-            <a:endParaRPr lang="fr-FR" dirty="0"/>
           </a:p>
         </p:txBody>
       </p:sp>
@@ -7804,29 +7557,13 @@
           <a:p>
             <a:r>
               <a:rPr lang="fr-FR" dirty="0"/>
-              <a:t>Pour résumer, le travail de modélisation consiste à trouver le bon modèle statistique </a:t>
-            </a:r>
-            <a:r>
-              <a:rPr lang="fr-FR" dirty="0" smtClean="0"/>
-              <a:t>qui </a:t>
-            </a:r>
-            <a:r>
-              <a:rPr lang="fr-FR" dirty="0"/>
-              <a:t>colle le mieux aux données </a:t>
-            </a:r>
-            <a:r>
-              <a:rPr lang="fr-FR" dirty="0" smtClean="0"/>
-              <a:t>d'exemple</a:t>
-            </a:r>
-          </a:p>
-          <a:p>
-            <a:r>
-              <a:rPr lang="fr-FR" dirty="0" smtClean="0"/>
-              <a:t>Le </a:t>
-            </a:r>
-            <a:r>
-              <a:rPr lang="fr-FR" dirty="0"/>
-              <a:t>machine </a:t>
+              <a:t>Pour résumer, le travail de modélisation consiste à trouver le bon modèle statistique qui colle le mieux aux données d'exemple</a:t>
+            </a:r>
+          </a:p>
+          <a:p>
+            <a:r>
+              <a:rPr lang="fr-FR" dirty="0"/>
+              <a:t>Le machine </a:t>
             </a:r>
             <a:r>
               <a:rPr lang="fr-FR" dirty="0" err="1"/>
@@ -7834,20 +7571,16 @@
             </a:r>
             <a:r>
               <a:rPr lang="fr-FR" dirty="0"/>
-              <a:t> en particulier intervient pour trouver ce modèle de manière </a:t>
-            </a:r>
-            <a:r>
-              <a:rPr lang="fr-FR" dirty="0" smtClean="0"/>
-              <a:t>automatisée</a:t>
-            </a:r>
-          </a:p>
-          <a:p>
-            <a:r>
-              <a:rPr lang="fr-FR" dirty="0" smtClean="0"/>
+              <a:t> en particulier intervient pour trouver ce modèle de manière automatisée</a:t>
+            </a:r>
+          </a:p>
+          <a:p>
+            <a:r>
+              <a:rPr lang="fr-FR" dirty="0"/>
               <a:t>Problème du quartet d’</a:t>
             </a:r>
             <a:r>
-              <a:rPr lang="fr-FR" dirty="0" err="1" smtClean="0"/>
+              <a:rPr lang="fr-FR" dirty="0" err="1"/>
               <a:t>Ascombe</a:t>
             </a:r>
             <a:endParaRPr lang="fr-FR" dirty="0"/>
@@ -7900,11 +7633,11 @@
           <a:lstStyle/>
           <a:p>
             <a:r>
-              <a:rPr lang="fr-FR" dirty="0" smtClean="0"/>
+              <a:rPr lang="fr-FR" dirty="0"/>
               <a:t>Quartet d’</a:t>
             </a:r>
             <a:r>
-              <a:rPr lang="fr-FR" dirty="0" err="1" smtClean="0"/>
+              <a:rPr lang="fr-FR" dirty="0" err="1"/>
               <a:t>Ascombe</a:t>
             </a:r>
             <a:endParaRPr lang="fr-FR" dirty="0"/>
@@ -7927,17 +7660,16 @@
           <a:lstStyle/>
           <a:p>
             <a:r>
-              <a:rPr lang="fr-FR" dirty="0" smtClean="0"/>
+              <a:rPr lang="fr-FR" dirty="0"/>
               <a:t>Ces 4 modèles possède la même régression linéaire</a:t>
             </a:r>
           </a:p>
           <a:p>
             <a:pPr lvl="1"/>
             <a:r>
-              <a:rPr lang="fr-FR" dirty="0" smtClean="0"/>
+              <a:rPr lang="fr-FR" dirty="0"/>
               <a:t>Trouver les erreurs</a:t>
             </a:r>
-            <a:endParaRPr lang="fr-FR" dirty="0"/>
           </a:p>
         </p:txBody>
       </p:sp>

--- a/PPT/DeepLearning05-MachineLearning.pptx
+++ b/PPT/DeepLearning05-MachineLearning.pptx
@@ -5,10 +5,10 @@
     <p:sldMasterId id="2147483653" r:id="rId1"/>
   </p:sldMasterIdLst>
   <p:notesMasterIdLst>
-    <p:notesMasterId r:id="rId37"/>
+    <p:notesMasterId r:id="rId38"/>
   </p:notesMasterIdLst>
   <p:handoutMasterIdLst>
-    <p:handoutMasterId r:id="rId38"/>
+    <p:handoutMasterId r:id="rId39"/>
   </p:handoutMasterIdLst>
   <p:sldIdLst>
     <p:sldId id="264" r:id="rId2"/>
@@ -26,26 +26,27 @@
     <p:sldId id="296" r:id="rId14"/>
     <p:sldId id="276" r:id="rId15"/>
     <p:sldId id="277" r:id="rId16"/>
-    <p:sldId id="319" r:id="rId17"/>
-    <p:sldId id="278" r:id="rId18"/>
-    <p:sldId id="279" r:id="rId19"/>
-    <p:sldId id="323" r:id="rId20"/>
-    <p:sldId id="280" r:id="rId21"/>
-    <p:sldId id="281" r:id="rId22"/>
-    <p:sldId id="283" r:id="rId23"/>
-    <p:sldId id="284" r:id="rId24"/>
-    <p:sldId id="285" r:id="rId25"/>
-    <p:sldId id="286" r:id="rId26"/>
-    <p:sldId id="311" r:id="rId27"/>
-    <p:sldId id="312" r:id="rId28"/>
-    <p:sldId id="313" r:id="rId29"/>
-    <p:sldId id="314" r:id="rId30"/>
-    <p:sldId id="321" r:id="rId31"/>
-    <p:sldId id="322" r:id="rId32"/>
-    <p:sldId id="297" r:id="rId33"/>
-    <p:sldId id="299" r:id="rId34"/>
-    <p:sldId id="318" r:id="rId35"/>
-    <p:sldId id="300" r:id="rId36"/>
+    <p:sldId id="324" r:id="rId17"/>
+    <p:sldId id="335" r:id="rId18"/>
+    <p:sldId id="336" r:id="rId19"/>
+    <p:sldId id="348" r:id="rId20"/>
+    <p:sldId id="279" r:id="rId21"/>
+    <p:sldId id="323" r:id="rId22"/>
+    <p:sldId id="280" r:id="rId23"/>
+    <p:sldId id="281" r:id="rId24"/>
+    <p:sldId id="283" r:id="rId25"/>
+    <p:sldId id="284" r:id="rId26"/>
+    <p:sldId id="285" r:id="rId27"/>
+    <p:sldId id="286" r:id="rId28"/>
+    <p:sldId id="311" r:id="rId29"/>
+    <p:sldId id="312" r:id="rId30"/>
+    <p:sldId id="313" r:id="rId31"/>
+    <p:sldId id="314" r:id="rId32"/>
+    <p:sldId id="321" r:id="rId33"/>
+    <p:sldId id="322" r:id="rId34"/>
+    <p:sldId id="297" r:id="rId35"/>
+    <p:sldId id="299" r:id="rId36"/>
+    <p:sldId id="318" r:id="rId37"/>
   </p:sldIdLst>
   <p:sldSz cx="9144000" cy="6858000" type="screen4x3"/>
   <p:notesSz cx="6648450" cy="9782175"/>
@@ -4549,19 +4550,41 @@
           <a:p>
             <a:r>
               <a:rPr lang="fr-FR" dirty="0"/>
-              <a:t>Machine Learning </a:t>
-            </a:r>
-            <a:r>
-              <a:rPr lang="fr-FR"/>
-              <a:t>vs Programmation</a:t>
-            </a:r>
-            <a:endParaRPr lang="fr-FR" dirty="0"/>
+              <a:t>Apprentissage supervisé</a:t>
+            </a:r>
+          </a:p>
+        </p:txBody>
+      </p:sp>
+      <p:sp>
+        <p:nvSpPr>
+          <p:cNvPr id="3" name="Espace réservé du contenu 2"/>
+          <p:cNvSpPr>
+            <a:spLocks noGrp="1"/>
+          </p:cNvSpPr>
+          <p:nvPr>
+            <p:ph idx="1"/>
+          </p:nvPr>
+        </p:nvSpPr>
+        <p:spPr>
+          <a:xfrm>
+            <a:off x="628651" y="2226469"/>
+            <a:ext cx="3499466" cy="3263504"/>
+          </a:xfrm>
+        </p:spPr>
+        <p:txBody>
+          <a:bodyPr/>
+          <a:lstStyle/>
+          <a:p>
+            <a:r>
+              <a:rPr lang="fr-FR" dirty="0"/>
+              <a:t>Dans cet exemple les images ont été annotés par un expert avec leur catégorie</a:t>
+            </a:r>
           </a:p>
         </p:txBody>
       </p:sp>
       <p:pic>
         <p:nvPicPr>
-          <p:cNvPr id="1026" name="Picture 2" descr="https://dpzbhybb2pdcj.cloudfront.net/allaire/Figures/01fig02.jpg"/>
+          <p:cNvPr id="1026" name="Picture 2" descr="Chaque image est labellée de sa catégorie"/>
           <p:cNvPicPr>
             <a:picLocks noChangeAspect="1" noChangeArrowheads="1"/>
           </p:cNvPicPr>
@@ -4582,8 +4605,8 @@
         </p:blipFill>
         <p:spPr bwMode="auto">
           <a:xfrm>
-            <a:off x="1979712" y="2420888"/>
-            <a:ext cx="6048672" cy="3069477"/>
+            <a:off x="4201350" y="1691934"/>
+            <a:ext cx="4833898" cy="3737131"/>
           </a:xfrm>
           <a:prstGeom prst="rect">
             <a:avLst/>
@@ -4603,7 +4626,7 @@
     </p:spTree>
     <p:extLst>
       <p:ext uri="{BB962C8B-B14F-4D97-AF65-F5344CB8AC3E}">
-        <p14:creationId xmlns:p14="http://schemas.microsoft.com/office/powerpoint/2010/main" val="89981574"/>
+        <p14:creationId xmlns:p14="http://schemas.microsoft.com/office/powerpoint/2010/main" val="2167292187"/>
       </p:ext>
     </p:extLst>
   </p:cSld>
@@ -4647,20 +4670,18 @@
           <a:p>
             <a:r>
               <a:rPr lang="fr-FR" dirty="0"/>
-              <a:t>CIFAR 10</a:t>
+              <a:t>Machine Learning vs Programmation</a:t>
             </a:r>
           </a:p>
         </p:txBody>
       </p:sp>
       <p:pic>
         <p:nvPicPr>
-          <p:cNvPr id="6146" name="Picture 2" descr="Un exemple de jeu de données classique (appelé CIFAR-10) qui permet d'entraîner un modèle de machine learning"/>
+          <p:cNvPr id="1026" name="Picture 2" descr="https://dpzbhybb2pdcj.cloudfront.net/allaire/Figures/01fig02.jpg"/>
           <p:cNvPicPr>
-            <a:picLocks noGrp="1" noChangeAspect="1" noChangeArrowheads="1"/>
+            <a:picLocks noChangeAspect="1" noChangeArrowheads="1"/>
           </p:cNvPicPr>
-          <p:nvPr>
-            <p:ph idx="1"/>
-          </p:nvPr>
+          <p:nvPr/>
         </p:nvPicPr>
         <p:blipFill>
           <a:blip r:embed="rId2">
@@ -4677,8 +4698,8 @@
         </p:blipFill>
         <p:spPr bwMode="auto">
           <a:xfrm>
-            <a:off x="970716" y="1156209"/>
-            <a:ext cx="6697627" cy="5177997"/>
+            <a:off x="1275603" y="1947168"/>
+            <a:ext cx="6211602" cy="3152158"/>
           </a:xfrm>
           <a:prstGeom prst="rect">
             <a:avLst/>
@@ -4698,7 +4719,7 @@
     </p:spTree>
     <p:extLst>
       <p:ext uri="{BB962C8B-B14F-4D97-AF65-F5344CB8AC3E}">
-        <p14:creationId xmlns:p14="http://schemas.microsoft.com/office/powerpoint/2010/main" val="3094425722"/>
+        <p14:creationId xmlns:p14="http://schemas.microsoft.com/office/powerpoint/2010/main" val="2478381203"/>
       </p:ext>
     </p:extLst>
   </p:cSld>
@@ -4742,20 +4763,75 @@
           <a:p>
             <a:r>
               <a:rPr lang="fr-FR" dirty="0"/>
-              <a:t>Workflow</a:t>
-            </a:r>
+              <a:t>Apprentissage</a:t>
+            </a:r>
+          </a:p>
+        </p:txBody>
+      </p:sp>
+      <p:sp>
+        <p:nvSpPr>
+          <p:cNvPr id="3" name="Espace réservé du contenu 2"/>
+          <p:cNvSpPr>
+            <a:spLocks noGrp="1"/>
+          </p:cNvSpPr>
+          <p:nvPr>
+            <p:ph idx="1"/>
+          </p:nvPr>
+        </p:nvSpPr>
+        <p:spPr>
+          <a:xfrm>
+            <a:off x="628650" y="2226469"/>
+            <a:ext cx="4262005" cy="3263504"/>
+          </a:xfrm>
+        </p:spPr>
+        <p:txBody>
+          <a:bodyPr/>
+          <a:lstStyle/>
+          <a:p>
+            <a:r>
+              <a:rPr lang="fr-FR" dirty="0"/>
+              <a:t>En </a:t>
+            </a:r>
+            <a:r>
+              <a:rPr lang="fr-FR" dirty="0" err="1"/>
+              <a:t>Deep</a:t>
+            </a:r>
+            <a:r>
+              <a:rPr lang="fr-FR" dirty="0"/>
+              <a:t> Learning, l'idée est que l'algorithme construise une "représentation interne" tout seul </a:t>
+            </a:r>
+          </a:p>
+          <a:p>
+            <a:pPr lvl="1"/>
+            <a:r>
+              <a:rPr lang="fr-FR" dirty="0"/>
+              <a:t>L’être humain est quasiment incapable d’écrire l’algorithme</a:t>
+            </a:r>
+          </a:p>
+          <a:p>
+            <a:r>
+              <a:rPr lang="fr-FR" dirty="0"/>
+              <a:t>Pour cela, il va d'abord falloir lui entrer un jeu de données d'exemples afin qu'il puisse s'entraîner</a:t>
+            </a:r>
+          </a:p>
+          <a:p>
+            <a:endParaRPr lang="fr-FR" dirty="0"/>
           </a:p>
         </p:txBody>
       </p:sp>
       <p:pic>
         <p:nvPicPr>
-          <p:cNvPr id="7170" name="Picture 2" descr="Un détail de des deux phases du process de machine learning."/>
+          <p:cNvPr id="5122" name="Picture 2" descr="MNIST - Lecture de la base de chiffres manuscrits | Intelligence  Artificielle">
+            <a:extLst>
+              <a:ext uri="{FF2B5EF4-FFF2-40B4-BE49-F238E27FC236}">
+                <a16:creationId xmlns:a16="http://schemas.microsoft.com/office/drawing/2014/main" id="{1A4D7DB9-6909-4529-A857-5E2BF0ACA20A}"/>
+              </a:ext>
+            </a:extLst>
+          </p:cNvPr>
           <p:cNvPicPr>
-            <a:picLocks noGrp="1" noChangeAspect="1" noChangeArrowheads="1"/>
+            <a:picLocks noChangeAspect="1" noChangeArrowheads="1"/>
           </p:cNvPicPr>
-          <p:nvPr>
-            <p:ph idx="1"/>
-          </p:nvPr>
+          <p:nvPr/>
         </p:nvPicPr>
         <p:blipFill>
           <a:blip r:embed="rId2">
@@ -4772,8 +4848,8 @@
         </p:blipFill>
         <p:spPr bwMode="auto">
           <a:xfrm>
-            <a:off x="1187624" y="1268760"/>
-            <a:ext cx="6902073" cy="4678809"/>
+            <a:off x="4972050" y="2280914"/>
+            <a:ext cx="4171950" cy="2764631"/>
           </a:xfrm>
           <a:prstGeom prst="rect">
             <a:avLst/>
@@ -4793,7 +4869,7 @@
     </p:spTree>
     <p:extLst>
       <p:ext uri="{BB962C8B-B14F-4D97-AF65-F5344CB8AC3E}">
-        <p14:creationId xmlns:p14="http://schemas.microsoft.com/office/powerpoint/2010/main" val="4097198819"/>
+        <p14:creationId xmlns:p14="http://schemas.microsoft.com/office/powerpoint/2010/main" val="3149347441"/>
       </p:ext>
     </p:extLst>
   </p:cSld>
@@ -4825,7 +4901,7 @@
           <p:cNvPr id="2" name="Titre 1">
             <a:extLst>
               <a:ext uri="{FF2B5EF4-FFF2-40B4-BE49-F238E27FC236}">
-                <a16:creationId xmlns:a16="http://schemas.microsoft.com/office/drawing/2014/main" id="{FB82FC04-0A9B-400B-8C05-1432E9255E26}"/>
+                <a16:creationId xmlns:a16="http://schemas.microsoft.com/office/drawing/2014/main" id="{DE9D51E5-13D3-4051-959E-71DF6575790E}"/>
               </a:ext>
             </a:extLst>
           </p:cNvPr>
@@ -4841,7 +4917,10 @@
           <a:bodyPr/>
           <a:lstStyle/>
           <a:p>
-            <a:endParaRPr lang="fr-FR"/>
+            <a:r>
+              <a:rPr lang="fr-FR" dirty="0"/>
+              <a:t>Prédiction</a:t>
+            </a:r>
           </a:p>
         </p:txBody>
       </p:sp>
@@ -4850,7 +4929,7 @@
           <p:cNvPr id="3" name="Espace réservé du contenu 2">
             <a:extLst>
               <a:ext uri="{FF2B5EF4-FFF2-40B4-BE49-F238E27FC236}">
-                <a16:creationId xmlns:a16="http://schemas.microsoft.com/office/drawing/2014/main" id="{2F16A41E-3275-4616-926A-28F1DD3B14B9}"/>
+                <a16:creationId xmlns:a16="http://schemas.microsoft.com/office/drawing/2014/main" id="{6AE44763-AE4C-46F7-BB16-F40FA40A1A9B}"/>
               </a:ext>
             </a:extLst>
           </p:cNvPr>
@@ -4868,29 +4947,62 @@
           <a:p>
             <a:r>
               <a:rPr lang="fr-FR" dirty="0"/>
-              <a:t>f(x) = </a:t>
-            </a:r>
-            <a:r>
-              <a:rPr lang="fr-FR" dirty="0" err="1"/>
-              <a:t>ax</a:t>
-            </a:r>
-            <a:r>
-              <a:rPr lang="fr-FR" dirty="0"/>
-              <a:t> + b</a:t>
-            </a:r>
-          </a:p>
-          <a:p>
-            <a:r>
-              <a:rPr lang="fr-FR" dirty="0"/>
-              <a:t>Apprentissage = trouver a et b</a:t>
-            </a:r>
-          </a:p>
-        </p:txBody>
-      </p:sp>
+              <a:t>Une fois l'apprentissage effectué le modèle est capable d'effectuer des prédictions sur des nouvelles données</a:t>
+            </a:r>
+          </a:p>
+        </p:txBody>
+      </p:sp>
+      <p:pic>
+        <p:nvPicPr>
+          <p:cNvPr id="4098" name="Picture 2" descr="Applied Sciences | Free Full-Text | A Survey of Handwritten Character  Recognition with MNIST and EMNIST | HTML">
+            <a:extLst>
+              <a:ext uri="{FF2B5EF4-FFF2-40B4-BE49-F238E27FC236}">
+                <a16:creationId xmlns:a16="http://schemas.microsoft.com/office/drawing/2014/main" id="{FE728249-27BB-4C95-91AD-87A5086EAF79}"/>
+              </a:ext>
+            </a:extLst>
+          </p:cNvPr>
+          <p:cNvPicPr>
+            <a:picLocks noChangeAspect="1" noChangeArrowheads="1"/>
+          </p:cNvPicPr>
+          <p:nvPr/>
+        </p:nvPicPr>
+        <p:blipFill>
+          <a:blip r:embed="rId2" cstate="print">
+            <a:extLst>
+              <a:ext uri="{28A0092B-C50C-407E-A947-70E740481C1C}">
+                <a14:useLocalDpi xmlns:a14="http://schemas.microsoft.com/office/drawing/2010/main" val="0"/>
+              </a:ext>
+            </a:extLst>
+          </a:blip>
+          <a:srcRect/>
+          <a:stretch>
+            <a:fillRect/>
+          </a:stretch>
+        </p:blipFill>
+        <p:spPr bwMode="auto">
+          <a:xfrm>
+            <a:off x="2148396" y="2947082"/>
+            <a:ext cx="4847208" cy="2542891"/>
+          </a:xfrm>
+          <a:prstGeom prst="rect">
+            <a:avLst/>
+          </a:prstGeom>
+          <a:noFill/>
+          <a:extLst>
+            <a:ext uri="{909E8E84-426E-40DD-AFC4-6F175D3DCCD1}">
+              <a14:hiddenFill xmlns:a14="http://schemas.microsoft.com/office/drawing/2010/main">
+                <a:solidFill>
+                  <a:srgbClr val="FFFFFF"/>
+                </a:solidFill>
+              </a14:hiddenFill>
+            </a:ext>
+          </a:extLst>
+        </p:spPr>
+      </p:pic>
     </p:spTree>
     <p:extLst>
       <p:ext uri="{BB962C8B-B14F-4D97-AF65-F5344CB8AC3E}">
-        <p14:creationId xmlns:p14="http://schemas.microsoft.com/office/powerpoint/2010/main" val="3359075816"/>
+        <p14:creationId xmlns:p14="http://schemas.microsoft.com/office/powerpoint/2010/main" val="608446594"/>
       </p:ext>
     </p:extLst>
   </p:cSld>
@@ -5027,78 +5139,58 @@
           <a:p>
             <a:r>
               <a:rPr lang="fr-FR" dirty="0"/>
-              <a:t>Notre travail</a:t>
-            </a:r>
-          </a:p>
-        </p:txBody>
-      </p:sp>
-      <p:sp>
-        <p:nvSpPr>
-          <p:cNvPr id="3" name="Espace réservé du contenu 2"/>
-          <p:cNvSpPr>
-            <a:spLocks noGrp="1"/>
-          </p:cNvSpPr>
+              <a:t>Workflow</a:t>
+            </a:r>
+          </a:p>
+        </p:txBody>
+      </p:sp>
+      <p:pic>
+        <p:nvPicPr>
+          <p:cNvPr id="7170" name="Picture 2" descr="Un détail de des deux phases du process de machine learning."/>
+          <p:cNvPicPr>
+            <a:picLocks noGrp="1" noChangeAspect="1" noChangeArrowheads="1"/>
+          </p:cNvPicPr>
           <p:nvPr>
             <p:ph idx="1"/>
           </p:nvPr>
-        </p:nvSpPr>
-        <p:spPr/>
-        <p:txBody>
-          <a:bodyPr/>
-          <a:lstStyle/>
-          <a:p>
-            <a:r>
-              <a:rPr lang="fr-FR" dirty="0"/>
-              <a:t>Le travail du data </a:t>
-            </a:r>
-            <a:r>
-              <a:rPr lang="fr-FR" dirty="0" err="1"/>
-              <a:t>scientist</a:t>
-            </a:r>
-            <a:r>
-              <a:rPr lang="fr-FR" dirty="0"/>
-              <a:t> en machine </a:t>
-            </a:r>
-            <a:r>
-              <a:rPr lang="fr-FR" dirty="0" err="1"/>
-              <a:t>learning</a:t>
-            </a:r>
-            <a:r>
-              <a:rPr lang="fr-FR" dirty="0"/>
-              <a:t> consiste à sélectionner les bonnes données test, choisir et entraîner le bon algorithme en vérifiant grâce à l'analyse d'erreurs que le modèle devient de plus en plus performant et robuste</a:t>
-            </a:r>
-          </a:p>
-          <a:p>
-            <a:r>
-              <a:rPr lang="fr-FR" dirty="0"/>
-              <a:t>Si les performances s'améliorent lorsqu'on lui fourni les données d'entraînement, on dit alors que la machine "apprend".</a:t>
-            </a:r>
-          </a:p>
-          <a:p>
-            <a:r>
-              <a:rPr lang="fr-FR" dirty="0"/>
-              <a:t>Le data </a:t>
-            </a:r>
-            <a:r>
-              <a:rPr lang="fr-FR" dirty="0" err="1"/>
-              <a:t>scientist</a:t>
-            </a:r>
-            <a:r>
-              <a:rPr lang="fr-FR" dirty="0"/>
-              <a:t> peut ensuite déployer le modèle afin qu'il traite de nouvelles données, pour accomplir la tâche (prédiction</a:t>
-            </a:r>
-            <a:r>
-              <a:rPr lang="fr-FR"/>
-              <a:t>, décision, ...).</a:t>
-            </a:r>
-            <a:endParaRPr lang="fr-FR" dirty="0"/>
-          </a:p>
-        </p:txBody>
-      </p:sp>
+        </p:nvPicPr>
+        <p:blipFill>
+          <a:blip r:embed="rId2">
+            <a:extLst>
+              <a:ext uri="{28A0092B-C50C-407E-A947-70E740481C1C}">
+                <a14:useLocalDpi xmlns:a14="http://schemas.microsoft.com/office/drawing/2010/main" val="0"/>
+              </a:ext>
+            </a:extLst>
+          </a:blip>
+          <a:srcRect/>
+          <a:stretch>
+            <a:fillRect/>
+          </a:stretch>
+        </p:blipFill>
+        <p:spPr bwMode="auto">
+          <a:xfrm>
+            <a:off x="1187624" y="1268760"/>
+            <a:ext cx="6902073" cy="4678809"/>
+          </a:xfrm>
+          <a:prstGeom prst="rect">
+            <a:avLst/>
+          </a:prstGeom>
+          <a:noFill/>
+          <a:extLst>
+            <a:ext uri="{909E8E84-426E-40DD-AFC4-6F175D3DCCD1}">
+              <a14:hiddenFill xmlns:a14="http://schemas.microsoft.com/office/drawing/2010/main">
+                <a:solidFill>
+                  <a:srgbClr val="FFFFFF"/>
+                </a:solidFill>
+              </a14:hiddenFill>
+            </a:ext>
+          </a:extLst>
+        </p:spPr>
+      </p:pic>
     </p:spTree>
     <p:extLst>
       <p:ext uri="{BB962C8B-B14F-4D97-AF65-F5344CB8AC3E}">
-        <p14:creationId xmlns:p14="http://schemas.microsoft.com/office/powerpoint/2010/main" val="2335869725"/>
+        <p14:creationId xmlns:p14="http://schemas.microsoft.com/office/powerpoint/2010/main" val="4097198819"/>
       </p:ext>
     </p:extLst>
   </p:cSld>
@@ -5127,7 +5219,13 @@
       </p:grpSpPr>
       <p:sp>
         <p:nvSpPr>
-          <p:cNvPr id="2" name="Titre 1"/>
+          <p:cNvPr id="2" name="Titre 1">
+            <a:extLst>
+              <a:ext uri="{FF2B5EF4-FFF2-40B4-BE49-F238E27FC236}">
+                <a16:creationId xmlns:a16="http://schemas.microsoft.com/office/drawing/2014/main" id="{FB82FC04-0A9B-400B-8C05-1432E9255E26}"/>
+              </a:ext>
+            </a:extLst>
+          </p:cNvPr>
           <p:cNvSpPr>
             <a:spLocks noGrp="1"/>
           </p:cNvSpPr>
@@ -5140,16 +5238,19 @@
           <a:bodyPr/>
           <a:lstStyle/>
           <a:p>
-            <a:r>
-              <a:rPr lang="fr-FR" dirty="0"/>
-              <a:t>L'algorithme d'apprentissage</a:t>
-            </a:r>
-          </a:p>
-        </p:txBody>
-      </p:sp>
-      <p:sp>
-        <p:nvSpPr>
-          <p:cNvPr id="3" name="Espace réservé du contenu 2"/>
+            <a:endParaRPr lang="fr-FR"/>
+          </a:p>
+        </p:txBody>
+      </p:sp>
+      <p:sp>
+        <p:nvSpPr>
+          <p:cNvPr id="3" name="Espace réservé du contenu 2">
+            <a:extLst>
+              <a:ext uri="{FF2B5EF4-FFF2-40B4-BE49-F238E27FC236}">
+                <a16:creationId xmlns:a16="http://schemas.microsoft.com/office/drawing/2014/main" id="{2F16A41E-3275-4616-926A-28F1DD3B14B9}"/>
+              </a:ext>
+            </a:extLst>
+          </p:cNvPr>
           <p:cNvSpPr>
             <a:spLocks noGrp="1"/>
           </p:cNvSpPr>
@@ -5164,21 +5265,21 @@
           <a:p>
             <a:r>
               <a:rPr lang="fr-FR" dirty="0"/>
-              <a:t>L'algorithme d'apprentissage constitue la méthode avec laquelle le modèle statistique va se paramétrer à partir des données d'exemple</a:t>
-            </a:r>
-          </a:p>
-          <a:p>
-            <a:pPr lvl="1"/>
-            <a:r>
-              <a:rPr lang="fr-FR" dirty="0"/>
-              <a:t>Il existe de nombreux algorithmes différents !</a:t>
-            </a:r>
-          </a:p>
-          <a:p>
-            <a:pPr lvl="1"/>
-            <a:r>
-              <a:rPr lang="fr-FR" dirty="0"/>
-              <a:t>On choisira un type d'algorithme particulier en fonction du type de tâche que l'on souhaite accomplir et du type de données dont on dispose</a:t>
+              <a:t>f(x) = </a:t>
+            </a:r>
+            <a:r>
+              <a:rPr lang="fr-FR" dirty="0" err="1"/>
+              <a:t>ax</a:t>
+            </a:r>
+            <a:r>
+              <a:rPr lang="fr-FR" dirty="0"/>
+              <a:t> + b</a:t>
+            </a:r>
+          </a:p>
+          <a:p>
+            <a:r>
+              <a:rPr lang="fr-FR" dirty="0"/>
+              <a:t>Apprentissage = trouver a et b</a:t>
             </a:r>
           </a:p>
         </p:txBody>
@@ -5186,7 +5287,7 @@
     </p:spTree>
     <p:extLst>
       <p:ext uri="{BB962C8B-B14F-4D97-AF65-F5344CB8AC3E}">
-        <p14:creationId xmlns:p14="http://schemas.microsoft.com/office/powerpoint/2010/main" val="1834491022"/>
+        <p14:creationId xmlns:p14="http://schemas.microsoft.com/office/powerpoint/2010/main" val="3359075816"/>
       </p:ext>
     </p:extLst>
   </p:cSld>
@@ -5230,7 +5331,7 @@
           <a:p>
             <a:r>
               <a:rPr lang="fr-FR" dirty="0"/>
-              <a:t>Exemples</a:t>
+              <a:t>Notre travail</a:t>
             </a:r>
           </a:p>
         </p:txBody>
@@ -5252,7 +5353,15 @@
           <a:p>
             <a:r>
               <a:rPr lang="fr-FR" dirty="0"/>
-              <a:t>Quelques exemples d'algorithmes de machine </a:t>
+              <a:t>Le travail du data </a:t>
+            </a:r>
+            <a:r>
+              <a:rPr lang="fr-FR" dirty="0" err="1"/>
+              <a:t>scientist</a:t>
+            </a:r>
+            <a:r>
+              <a:rPr lang="fr-FR" dirty="0"/>
+              <a:t> en machine </a:t>
             </a:r>
             <a:r>
               <a:rPr lang="fr-FR" dirty="0" err="1"/>
@@ -5260,79 +5369,40 @@
             </a:r>
             <a:r>
               <a:rPr lang="fr-FR" dirty="0"/>
-              <a:t>, dont vous avez peut-être déjà entendu parler :</a:t>
-            </a:r>
-          </a:p>
-          <a:p>
-            <a:pPr lvl="1"/>
-            <a:r>
-              <a:rPr lang="fr-FR" dirty="0"/>
-              <a:t>La régression linéaire</a:t>
-            </a:r>
-          </a:p>
-          <a:p>
-            <a:pPr lvl="1"/>
+              <a:t> consiste à sélectionner les bonnes données test, choisir et entraîner le bon algorithme en vérifiant grâce à l'analyse d'erreurs que le modèle devient de plus en plus performant et robuste</a:t>
+            </a:r>
+          </a:p>
+          <a:p>
+            <a:r>
+              <a:rPr lang="fr-FR" dirty="0"/>
+              <a:t>Si les performances s'améliorent lorsqu'on lui fourni les données d'entraînement, on dit alors que la machine "apprend".</a:t>
+            </a:r>
+          </a:p>
+          <a:p>
+            <a:r>
+              <a:rPr lang="fr-FR" dirty="0"/>
+              <a:t>Le data </a:t>
+            </a:r>
             <a:r>
               <a:rPr lang="fr-FR" dirty="0" err="1"/>
-              <a:t>K-nn</a:t>
+              <a:t>scientist</a:t>
+            </a:r>
+            <a:r>
+              <a:rPr lang="fr-FR" dirty="0"/>
+              <a:t> peut ensuite déployer le modèle afin qu'il traite de nouvelles données, pour accomplir la tâche (prédiction</a:t>
+            </a:r>
+            <a:r>
+              <a:rPr lang="fr-FR"/>
+              <a:t>, décision, ...).</a:t>
             </a:r>
             <a:endParaRPr lang="fr-FR" dirty="0"/>
-          </a:p>
-          <a:p>
-            <a:pPr lvl="1"/>
-            <a:r>
-              <a:rPr lang="fr-FR" dirty="0"/>
-              <a:t>Les Support </a:t>
-            </a:r>
-            <a:r>
-              <a:rPr lang="fr-FR" dirty="0" err="1"/>
-              <a:t>Vector</a:t>
-            </a:r>
-            <a:r>
-              <a:rPr lang="fr-FR" dirty="0"/>
-              <a:t> Machine (SVM)</a:t>
-            </a:r>
-          </a:p>
-          <a:p>
-            <a:pPr lvl="1"/>
-            <a:r>
-              <a:rPr lang="fr-FR" dirty="0"/>
-              <a:t>Les réseaux de neurones</a:t>
-            </a:r>
-          </a:p>
-          <a:p>
-            <a:pPr lvl="1"/>
-            <a:r>
-              <a:rPr lang="fr-FR" dirty="0"/>
-              <a:t>Les </a:t>
-            </a:r>
-            <a:r>
-              <a:rPr lang="fr-FR" dirty="0" err="1"/>
-              <a:t>random</a:t>
-            </a:r>
-            <a:r>
-              <a:rPr lang="fr-FR" dirty="0"/>
-              <a:t> </a:t>
-            </a:r>
-            <a:r>
-              <a:rPr lang="fr-FR" dirty="0" err="1"/>
-              <a:t>forests</a:t>
-            </a:r>
-            <a:endParaRPr lang="fr-FR" dirty="0"/>
-          </a:p>
-          <a:p>
-            <a:pPr lvl="1"/>
-            <a:r>
-              <a:rPr lang="fr-FR" dirty="0"/>
-              <a:t>etc.</a:t>
-            </a:r>
           </a:p>
         </p:txBody>
       </p:sp>
     </p:spTree>
     <p:extLst>
       <p:ext uri="{BB962C8B-B14F-4D97-AF65-F5344CB8AC3E}">
-        <p14:creationId xmlns:p14="http://schemas.microsoft.com/office/powerpoint/2010/main" val="4152399014"/>
+        <p14:creationId xmlns:p14="http://schemas.microsoft.com/office/powerpoint/2010/main" val="2335869725"/>
       </p:ext>
     </p:extLst>
   </p:cSld>
@@ -5376,7 +5446,7 @@
           <a:p>
             <a:r>
               <a:rPr lang="fr-FR" dirty="0"/>
-              <a:t>Mesure de performance</a:t>
+              <a:t>L'algorithme d'apprentissage</a:t>
             </a:r>
           </a:p>
         </p:txBody>
@@ -5398,18 +5468,29 @@
           <a:p>
             <a:r>
               <a:rPr lang="fr-FR" dirty="0"/>
-              <a:t>Mesurer les performances fait partie intégrante du travail de modélisation. Il faut en général déterminer une mesure principale, souvent spécifique à la tâche à accomplir</a:t>
-            </a:r>
-          </a:p>
-          <a:p>
-            <a:endParaRPr lang="fr-FR" dirty="0"/>
+              <a:t>L'algorithme d'apprentissage constitue la méthode avec laquelle le modèle statistique va se paramétrer à partir des données d'exemple</a:t>
+            </a:r>
+          </a:p>
+          <a:p>
+            <a:pPr lvl="1"/>
+            <a:r>
+              <a:rPr lang="fr-FR" dirty="0"/>
+              <a:t>Il existe de nombreux algorithmes différents !</a:t>
+            </a:r>
+          </a:p>
+          <a:p>
+            <a:pPr lvl="1"/>
+            <a:r>
+              <a:rPr lang="fr-FR" dirty="0"/>
+              <a:t>On choisira un type d'algorithme particulier en fonction du type de tâche que l'on souhaite accomplir et du type de données dont on dispose</a:t>
+            </a:r>
           </a:p>
         </p:txBody>
       </p:sp>
     </p:spTree>
     <p:extLst>
       <p:ext uri="{BB962C8B-B14F-4D97-AF65-F5344CB8AC3E}">
-        <p14:creationId xmlns:p14="http://schemas.microsoft.com/office/powerpoint/2010/main" val="1973774351"/>
+        <p14:creationId xmlns:p14="http://schemas.microsoft.com/office/powerpoint/2010/main" val="1834491022"/>
       </p:ext>
     </p:extLst>
   </p:cSld>
@@ -5453,7 +5534,7 @@
           <a:p>
             <a:r>
               <a:rPr lang="fr-FR" dirty="0"/>
-              <a:t>Exemple</a:t>
+              <a:t>Exemples</a:t>
             </a:r>
           </a:p>
         </p:txBody>
@@ -5474,49 +5555,80 @@
           <a:lstStyle/>
           <a:p>
             <a:r>
-              <a:rPr lang="fr-FR" sz="2400" dirty="0"/>
-              <a:t>Imaginez que vous voulez créer un algorithme de détection de fraudes bancaires</a:t>
+              <a:rPr lang="fr-FR" dirty="0"/>
+              <a:t>Quelques exemples d'algorithmes de machine </a:t>
+            </a:r>
+            <a:r>
+              <a:rPr lang="fr-FR" dirty="0" err="1"/>
+              <a:t>learning</a:t>
+            </a:r>
+            <a:r>
+              <a:rPr lang="fr-FR" dirty="0"/>
+              <a:t>, dont vous avez peut-être déjà entendu parler :</a:t>
             </a:r>
           </a:p>
           <a:p>
             <a:pPr lvl="1"/>
             <a:r>
-              <a:rPr lang="fr-FR" sz="2000" dirty="0"/>
-              <a:t>Vous voulez mesurer à quel point votre programme est performant</a:t>
-            </a:r>
-          </a:p>
-          <a:p>
-            <a:r>
-              <a:rPr lang="fr-FR" sz="2400" dirty="0"/>
-              <a:t>Une manière de faire serait de mesurer la proportion totale de transaction détectées comme fraude</a:t>
+              <a:rPr lang="fr-FR" dirty="0"/>
+              <a:t>La régression linéaire</a:t>
             </a:r>
           </a:p>
           <a:p>
             <a:pPr lvl="1"/>
             <a:r>
-              <a:rPr lang="fr-FR" sz="2000" dirty="0"/>
-              <a:t>Cependant, on compte ici les transactions qui ne sont pas des fraudes et qui ont quand même été notées comme en étant (appelé "faux positifs")</a:t>
-            </a:r>
+              <a:rPr lang="fr-FR" dirty="0" err="1"/>
+              <a:t>K-nn</a:t>
+            </a:r>
+            <a:endParaRPr lang="fr-FR" dirty="0"/>
           </a:p>
           <a:p>
             <a:pPr lvl="1"/>
             <a:r>
-              <a:rPr lang="fr-FR" sz="2000" dirty="0"/>
-              <a:t>Donc, avec ce genre de métriques, on est pas exigeant sur ce type d'erreur que produit notre algorithme</a:t>
-            </a:r>
-          </a:p>
-          <a:p>
-            <a:r>
-              <a:rPr lang="fr-FR" sz="2400" dirty="0"/>
-              <a:t>Il faut peut être, utiliser une autre métrique plus pertinente. Par exemple, la précision qui est la proportion de "vraies fraudes" détectées par rapport au total de transactions </a:t>
-            </a:r>
-            <a:r>
-              <a:rPr lang="fr-FR" sz="2400" dirty="0" err="1"/>
-              <a:t>flagées</a:t>
-            </a:r>
-            <a:r>
-              <a:rPr lang="fr-FR" sz="2400" dirty="0"/>
-              <a:t> comme fraudes</a:t>
+              <a:rPr lang="fr-FR" dirty="0"/>
+              <a:t>Les Support </a:t>
+            </a:r>
+            <a:r>
+              <a:rPr lang="fr-FR" dirty="0" err="1"/>
+              <a:t>Vector</a:t>
+            </a:r>
+            <a:r>
+              <a:rPr lang="fr-FR" dirty="0"/>
+              <a:t> Machine (SVM)</a:t>
+            </a:r>
+          </a:p>
+          <a:p>
+            <a:pPr lvl="1"/>
+            <a:r>
+              <a:rPr lang="fr-FR" dirty="0"/>
+              <a:t>Les réseaux de neurones</a:t>
+            </a:r>
+          </a:p>
+          <a:p>
+            <a:pPr lvl="1"/>
+            <a:r>
+              <a:rPr lang="fr-FR" dirty="0"/>
+              <a:t>Les </a:t>
+            </a:r>
+            <a:r>
+              <a:rPr lang="fr-FR" dirty="0" err="1"/>
+              <a:t>random</a:t>
+            </a:r>
+            <a:r>
+              <a:rPr lang="fr-FR" dirty="0"/>
+              <a:t> </a:t>
+            </a:r>
+            <a:r>
+              <a:rPr lang="fr-FR" dirty="0" err="1"/>
+              <a:t>forests</a:t>
+            </a:r>
+            <a:endParaRPr lang="fr-FR" dirty="0"/>
+          </a:p>
+          <a:p>
+            <a:pPr lvl="1"/>
+            <a:r>
+              <a:rPr lang="fr-FR" dirty="0"/>
+              <a:t>etc.</a:t>
             </a:r>
           </a:p>
         </p:txBody>
@@ -5524,7 +5636,7 @@
     </p:spTree>
     <p:extLst>
       <p:ext uri="{BB962C8B-B14F-4D97-AF65-F5344CB8AC3E}">
-        <p14:creationId xmlns:p14="http://schemas.microsoft.com/office/powerpoint/2010/main" val="1447999638"/>
+        <p14:creationId xmlns:p14="http://schemas.microsoft.com/office/powerpoint/2010/main" val="4152399014"/>
       </p:ext>
     </p:extLst>
   </p:cSld>
@@ -5568,6 +5680,198 @@
           <a:p>
             <a:r>
               <a:rPr lang="fr-FR" dirty="0"/>
+              <a:t>Mesure de performance</a:t>
+            </a:r>
+          </a:p>
+        </p:txBody>
+      </p:sp>
+      <p:sp>
+        <p:nvSpPr>
+          <p:cNvPr id="3" name="Espace réservé du contenu 2"/>
+          <p:cNvSpPr>
+            <a:spLocks noGrp="1"/>
+          </p:cNvSpPr>
+          <p:nvPr>
+            <p:ph idx="1"/>
+          </p:nvPr>
+        </p:nvSpPr>
+        <p:spPr/>
+        <p:txBody>
+          <a:bodyPr/>
+          <a:lstStyle/>
+          <a:p>
+            <a:r>
+              <a:rPr lang="fr-FR" dirty="0"/>
+              <a:t>Mesurer les performances fait partie intégrante du travail de modélisation. Il faut en général déterminer une mesure principale, souvent spécifique à la tâche à accomplir</a:t>
+            </a:r>
+          </a:p>
+          <a:p>
+            <a:endParaRPr lang="fr-FR" dirty="0"/>
+          </a:p>
+        </p:txBody>
+      </p:sp>
+    </p:spTree>
+    <p:extLst>
+      <p:ext uri="{BB962C8B-B14F-4D97-AF65-F5344CB8AC3E}">
+        <p14:creationId xmlns:p14="http://schemas.microsoft.com/office/powerpoint/2010/main" val="1973774351"/>
+      </p:ext>
+    </p:extLst>
+  </p:cSld>
+  <p:clrMapOvr>
+    <a:masterClrMapping/>
+  </p:clrMapOvr>
+</p:sld>
+</file>
+
+<file path=ppt/slides/slide26.xml><?xml version="1.0" encoding="utf-8"?>
+<p:sld xmlns:a="http://schemas.openxmlformats.org/drawingml/2006/main" xmlns:r="http://schemas.openxmlformats.org/officeDocument/2006/relationships" xmlns:p="http://schemas.openxmlformats.org/presentationml/2006/main">
+  <p:cSld>
+    <p:spTree>
+      <p:nvGrpSpPr>
+        <p:cNvPr id="1" name=""/>
+        <p:cNvGrpSpPr/>
+        <p:nvPr/>
+      </p:nvGrpSpPr>
+      <p:grpSpPr>
+        <a:xfrm>
+          <a:off x="0" y="0"/>
+          <a:ext cx="0" cy="0"/>
+          <a:chOff x="0" y="0"/>
+          <a:chExt cx="0" cy="0"/>
+        </a:xfrm>
+      </p:grpSpPr>
+      <p:sp>
+        <p:nvSpPr>
+          <p:cNvPr id="2" name="Titre 1"/>
+          <p:cNvSpPr>
+            <a:spLocks noGrp="1"/>
+          </p:cNvSpPr>
+          <p:nvPr>
+            <p:ph type="title"/>
+          </p:nvPr>
+        </p:nvSpPr>
+        <p:spPr/>
+        <p:txBody>
+          <a:bodyPr/>
+          <a:lstStyle/>
+          <a:p>
+            <a:r>
+              <a:rPr lang="fr-FR" dirty="0"/>
+              <a:t>Exemple</a:t>
+            </a:r>
+          </a:p>
+        </p:txBody>
+      </p:sp>
+      <p:sp>
+        <p:nvSpPr>
+          <p:cNvPr id="3" name="Espace réservé du contenu 2"/>
+          <p:cNvSpPr>
+            <a:spLocks noGrp="1"/>
+          </p:cNvSpPr>
+          <p:nvPr>
+            <p:ph idx="1"/>
+          </p:nvPr>
+        </p:nvSpPr>
+        <p:spPr/>
+        <p:txBody>
+          <a:bodyPr/>
+          <a:lstStyle/>
+          <a:p>
+            <a:r>
+              <a:rPr lang="fr-FR" sz="2400" dirty="0"/>
+              <a:t>Imaginez que vous voulez créer un algorithme de détection de fraudes bancaires</a:t>
+            </a:r>
+          </a:p>
+          <a:p>
+            <a:pPr lvl="1"/>
+            <a:r>
+              <a:rPr lang="fr-FR" sz="2000" dirty="0"/>
+              <a:t>Vous voulez mesurer à quel point votre programme est performant</a:t>
+            </a:r>
+          </a:p>
+          <a:p>
+            <a:r>
+              <a:rPr lang="fr-FR" sz="2400" dirty="0"/>
+              <a:t>Une manière de faire serait de mesurer la proportion totale de transaction détectées comme fraude</a:t>
+            </a:r>
+          </a:p>
+          <a:p>
+            <a:pPr lvl="1"/>
+            <a:r>
+              <a:rPr lang="fr-FR" sz="2000" dirty="0"/>
+              <a:t>Cependant, on compte ici les transactions qui ne sont pas des fraudes et qui ont quand même été notées comme en étant (appelé "faux positifs")</a:t>
+            </a:r>
+          </a:p>
+          <a:p>
+            <a:pPr lvl="1"/>
+            <a:r>
+              <a:rPr lang="fr-FR" sz="2000" dirty="0"/>
+              <a:t>Donc, avec ce genre de métriques, on est pas exigeant sur ce type d'erreur que produit notre algorithme</a:t>
+            </a:r>
+          </a:p>
+          <a:p>
+            <a:r>
+              <a:rPr lang="fr-FR" sz="2400" dirty="0"/>
+              <a:t>Il faut peut être, utiliser une autre métrique plus pertinente. Par exemple, la précision qui est la proportion de "vraies fraudes" détectées par rapport au total de transactions </a:t>
+            </a:r>
+            <a:r>
+              <a:rPr lang="fr-FR" sz="2400" dirty="0" err="1"/>
+              <a:t>flagées</a:t>
+            </a:r>
+            <a:r>
+              <a:rPr lang="fr-FR" sz="2400" dirty="0"/>
+              <a:t> comme fraudes</a:t>
+            </a:r>
+          </a:p>
+        </p:txBody>
+      </p:sp>
+    </p:spTree>
+    <p:extLst>
+      <p:ext uri="{BB962C8B-B14F-4D97-AF65-F5344CB8AC3E}">
+        <p14:creationId xmlns:p14="http://schemas.microsoft.com/office/powerpoint/2010/main" val="1447999638"/>
+      </p:ext>
+    </p:extLst>
+  </p:cSld>
+  <p:clrMapOvr>
+    <a:masterClrMapping/>
+  </p:clrMapOvr>
+</p:sld>
+</file>
+
+<file path=ppt/slides/slide27.xml><?xml version="1.0" encoding="utf-8"?>
+<p:sld xmlns:a="http://schemas.openxmlformats.org/drawingml/2006/main" xmlns:r="http://schemas.openxmlformats.org/officeDocument/2006/relationships" xmlns:p="http://schemas.openxmlformats.org/presentationml/2006/main">
+  <p:cSld>
+    <p:spTree>
+      <p:nvGrpSpPr>
+        <p:cNvPr id="1" name=""/>
+        <p:cNvGrpSpPr/>
+        <p:nvPr/>
+      </p:nvGrpSpPr>
+      <p:grpSpPr>
+        <a:xfrm>
+          <a:off x="0" y="0"/>
+          <a:ext cx="0" cy="0"/>
+          <a:chOff x="0" y="0"/>
+          <a:chExt cx="0" cy="0"/>
+        </a:xfrm>
+      </p:grpSpPr>
+      <p:sp>
+        <p:nvSpPr>
+          <p:cNvPr id="2" name="Titre 1"/>
+          <p:cNvSpPr>
+            <a:spLocks noGrp="1"/>
+          </p:cNvSpPr>
+          <p:nvPr>
+            <p:ph type="title"/>
+          </p:nvPr>
+        </p:nvSpPr>
+        <p:spPr/>
+        <p:txBody>
+          <a:bodyPr/>
+          <a:lstStyle/>
+          <a:p>
+            <a:r>
+              <a:rPr lang="fr-FR" dirty="0"/>
               <a:t>Autre exemple</a:t>
             </a:r>
           </a:p>
@@ -5614,7 +5918,7 @@
 </p:sld>
 </file>
 
-<file path=ppt/slides/slide26.xml><?xml version="1.0" encoding="utf-8"?>
+<file path=ppt/slides/slide28.xml><?xml version="1.0" encoding="utf-8"?>
 <p:sld xmlns:a="http://schemas.openxmlformats.org/drawingml/2006/main" xmlns:r="http://schemas.openxmlformats.org/officeDocument/2006/relationships" xmlns:p="http://schemas.openxmlformats.org/presentationml/2006/main">
   <p:cSld>
     <p:spTree>
@@ -5790,7 +6094,7 @@
 </p:sld>
 </file>
 
-<file path=ppt/slides/slide27.xml><?xml version="1.0" encoding="utf-8"?>
+<file path=ppt/slides/slide29.xml><?xml version="1.0" encoding="utf-8"?>
 <p:sld xmlns:a="http://schemas.openxmlformats.org/drawingml/2006/main" xmlns:r="http://schemas.openxmlformats.org/officeDocument/2006/relationships" xmlns:p="http://schemas.openxmlformats.org/presentationml/2006/main">
   <p:cSld>
     <p:spTree>
@@ -5879,7 +6183,128 @@
 </p:sld>
 </file>
 
-<file path=ppt/slides/slide28.xml><?xml version="1.0" encoding="utf-8"?>
+<file path=ppt/slides/slide3.xml><?xml version="1.0" encoding="utf-8"?>
+<p:sld xmlns:a="http://schemas.openxmlformats.org/drawingml/2006/main" xmlns:r="http://schemas.openxmlformats.org/officeDocument/2006/relationships" xmlns:p="http://schemas.openxmlformats.org/presentationml/2006/main">
+  <p:cSld>
+    <p:spTree>
+      <p:nvGrpSpPr>
+        <p:cNvPr id="1" name=""/>
+        <p:cNvGrpSpPr/>
+        <p:nvPr/>
+      </p:nvGrpSpPr>
+      <p:grpSpPr>
+        <a:xfrm>
+          <a:off x="0" y="0"/>
+          <a:ext cx="0" cy="0"/>
+          <a:chOff x="0" y="0"/>
+          <a:chExt cx="0" cy="0"/>
+        </a:xfrm>
+      </p:grpSpPr>
+      <p:sp>
+        <p:nvSpPr>
+          <p:cNvPr id="2" name="Titre 1"/>
+          <p:cNvSpPr>
+            <a:spLocks noGrp="1"/>
+          </p:cNvSpPr>
+          <p:nvPr>
+            <p:ph type="title"/>
+          </p:nvPr>
+        </p:nvSpPr>
+        <p:spPr/>
+        <p:txBody>
+          <a:bodyPr/>
+          <a:lstStyle/>
+          <a:p>
+            <a:r>
+              <a:rPr lang="fr-FR" dirty="0"/>
+              <a:t>1</a:t>
+            </a:r>
+            <a:r>
+              <a:rPr lang="fr-FR" baseline="30000" dirty="0"/>
+              <a:t>ère</a:t>
+            </a:r>
+            <a:r>
+              <a:rPr lang="fr-FR" dirty="0"/>
+              <a:t> étape</a:t>
+            </a:r>
+          </a:p>
+        </p:txBody>
+      </p:sp>
+      <p:sp>
+        <p:nvSpPr>
+          <p:cNvPr id="3" name="Espace réservé du contenu 2"/>
+          <p:cNvSpPr>
+            <a:spLocks noGrp="1"/>
+          </p:cNvSpPr>
+          <p:nvPr>
+            <p:ph idx="1"/>
+          </p:nvPr>
+        </p:nvSpPr>
+        <p:spPr/>
+        <p:txBody>
+          <a:bodyPr/>
+          <a:lstStyle/>
+          <a:p>
+            <a:r>
+              <a:rPr lang="fr-FR" dirty="0"/>
+              <a:t>Trouver les données</a:t>
+            </a:r>
+          </a:p>
+          <a:p>
+            <a:pPr lvl="1"/>
+            <a:r>
+              <a:rPr lang="fr-FR" dirty="0"/>
+              <a:t>Mise à disposition d’un data </a:t>
+            </a:r>
+            <a:r>
+              <a:rPr lang="fr-FR" dirty="0" err="1"/>
+              <a:t>lake</a:t>
+            </a:r>
+            <a:r>
+              <a:rPr lang="fr-FR" dirty="0"/>
+              <a:t> ou d’un data </a:t>
+            </a:r>
+            <a:r>
+              <a:rPr lang="fr-FR" dirty="0" err="1"/>
+              <a:t>mart</a:t>
+            </a:r>
+            <a:endParaRPr lang="fr-FR" dirty="0"/>
+          </a:p>
+          <a:p>
+            <a:r>
+              <a:rPr lang="fr-FR" dirty="0"/>
+              <a:t>Le jeu de données utilisé en machine </a:t>
+            </a:r>
+            <a:r>
+              <a:rPr lang="fr-FR" dirty="0" err="1"/>
+              <a:t>learning</a:t>
+            </a:r>
+            <a:r>
+              <a:rPr lang="fr-FR" dirty="0"/>
+              <a:t> s’appel le </a:t>
+            </a:r>
+            <a:r>
+              <a:rPr lang="fr-FR" dirty="0" err="1"/>
+              <a:t>Dataset</a:t>
+            </a:r>
+            <a:endParaRPr lang="fr-FR" dirty="0"/>
+          </a:p>
+        </p:txBody>
+      </p:sp>
+    </p:spTree>
+    <p:extLst>
+      <p:ext uri="{BB962C8B-B14F-4D97-AF65-F5344CB8AC3E}">
+        <p14:creationId xmlns:p14="http://schemas.microsoft.com/office/powerpoint/2010/main" val="1841075970"/>
+      </p:ext>
+    </p:extLst>
+  </p:cSld>
+  <p:clrMapOvr>
+    <a:masterClrMapping/>
+  </p:clrMapOvr>
+</p:sld>
+</file>
+
+<file path=ppt/slides/slide30.xml><?xml version="1.0" encoding="utf-8"?>
 <p:sld xmlns:a="http://schemas.openxmlformats.org/drawingml/2006/main" xmlns:r="http://schemas.openxmlformats.org/officeDocument/2006/relationships" xmlns:p="http://schemas.openxmlformats.org/presentationml/2006/main">
   <p:cSld>
     <p:spTree>
@@ -6001,7 +6426,7 @@
 </p:sld>
 </file>
 
-<file path=ppt/slides/slide29.xml><?xml version="1.0" encoding="utf-8"?>
+<file path=ppt/slides/slide31.xml><?xml version="1.0" encoding="utf-8"?>
 <p:sld xmlns:a="http://schemas.openxmlformats.org/drawingml/2006/main" xmlns:r="http://schemas.openxmlformats.org/officeDocument/2006/relationships" xmlns:p="http://schemas.openxmlformats.org/presentationml/2006/main">
   <p:cSld>
     <p:spTree>
@@ -6113,128 +6538,7 @@
 </p:sld>
 </file>
 
-<file path=ppt/slides/slide3.xml><?xml version="1.0" encoding="utf-8"?>
-<p:sld xmlns:a="http://schemas.openxmlformats.org/drawingml/2006/main" xmlns:r="http://schemas.openxmlformats.org/officeDocument/2006/relationships" xmlns:p="http://schemas.openxmlformats.org/presentationml/2006/main">
-  <p:cSld>
-    <p:spTree>
-      <p:nvGrpSpPr>
-        <p:cNvPr id="1" name=""/>
-        <p:cNvGrpSpPr/>
-        <p:nvPr/>
-      </p:nvGrpSpPr>
-      <p:grpSpPr>
-        <a:xfrm>
-          <a:off x="0" y="0"/>
-          <a:ext cx="0" cy="0"/>
-          <a:chOff x="0" y="0"/>
-          <a:chExt cx="0" cy="0"/>
-        </a:xfrm>
-      </p:grpSpPr>
-      <p:sp>
-        <p:nvSpPr>
-          <p:cNvPr id="2" name="Titre 1"/>
-          <p:cNvSpPr>
-            <a:spLocks noGrp="1"/>
-          </p:cNvSpPr>
-          <p:nvPr>
-            <p:ph type="title"/>
-          </p:nvPr>
-        </p:nvSpPr>
-        <p:spPr/>
-        <p:txBody>
-          <a:bodyPr/>
-          <a:lstStyle/>
-          <a:p>
-            <a:r>
-              <a:rPr lang="fr-FR" dirty="0"/>
-              <a:t>1</a:t>
-            </a:r>
-            <a:r>
-              <a:rPr lang="fr-FR" baseline="30000" dirty="0"/>
-              <a:t>ère</a:t>
-            </a:r>
-            <a:r>
-              <a:rPr lang="fr-FR" dirty="0"/>
-              <a:t> étape</a:t>
-            </a:r>
-          </a:p>
-        </p:txBody>
-      </p:sp>
-      <p:sp>
-        <p:nvSpPr>
-          <p:cNvPr id="3" name="Espace réservé du contenu 2"/>
-          <p:cNvSpPr>
-            <a:spLocks noGrp="1"/>
-          </p:cNvSpPr>
-          <p:nvPr>
-            <p:ph idx="1"/>
-          </p:nvPr>
-        </p:nvSpPr>
-        <p:spPr/>
-        <p:txBody>
-          <a:bodyPr/>
-          <a:lstStyle/>
-          <a:p>
-            <a:r>
-              <a:rPr lang="fr-FR" dirty="0"/>
-              <a:t>Trouver les données</a:t>
-            </a:r>
-          </a:p>
-          <a:p>
-            <a:pPr lvl="1"/>
-            <a:r>
-              <a:rPr lang="fr-FR" dirty="0"/>
-              <a:t>Mise à disposition d’un data </a:t>
-            </a:r>
-            <a:r>
-              <a:rPr lang="fr-FR" dirty="0" err="1"/>
-              <a:t>lake</a:t>
-            </a:r>
-            <a:r>
-              <a:rPr lang="fr-FR" dirty="0"/>
-              <a:t> ou d’un data </a:t>
-            </a:r>
-            <a:r>
-              <a:rPr lang="fr-FR" dirty="0" err="1"/>
-              <a:t>mart</a:t>
-            </a:r>
-            <a:endParaRPr lang="fr-FR" dirty="0"/>
-          </a:p>
-          <a:p>
-            <a:r>
-              <a:rPr lang="fr-FR" dirty="0"/>
-              <a:t>Le jeu de données utilisé en machine </a:t>
-            </a:r>
-            <a:r>
-              <a:rPr lang="fr-FR" dirty="0" err="1"/>
-              <a:t>learning</a:t>
-            </a:r>
-            <a:r>
-              <a:rPr lang="fr-FR" dirty="0"/>
-              <a:t> s’appel le </a:t>
-            </a:r>
-            <a:r>
-              <a:rPr lang="fr-FR" dirty="0" err="1"/>
-              <a:t>Dataset</a:t>
-            </a:r>
-            <a:endParaRPr lang="fr-FR" dirty="0"/>
-          </a:p>
-        </p:txBody>
-      </p:sp>
-    </p:spTree>
-    <p:extLst>
-      <p:ext uri="{BB962C8B-B14F-4D97-AF65-F5344CB8AC3E}">
-        <p14:creationId xmlns:p14="http://schemas.microsoft.com/office/powerpoint/2010/main" val="1841075970"/>
-      </p:ext>
-    </p:extLst>
-  </p:cSld>
-  <p:clrMapOvr>
-    <a:masterClrMapping/>
-  </p:clrMapOvr>
-</p:sld>
-</file>
-
-<file path=ppt/slides/slide30.xml><?xml version="1.0" encoding="utf-8"?>
+<file path=ppt/slides/slide32.xml><?xml version="1.0" encoding="utf-8"?>
 <p:sld xmlns:a="http://schemas.openxmlformats.org/drawingml/2006/main" xmlns:r="http://schemas.openxmlformats.org/officeDocument/2006/relationships" xmlns:p="http://schemas.openxmlformats.org/presentationml/2006/main">
   <p:cSld>
     <p:spTree>
@@ -6428,203 +6732,6 @@
 </p:sld>
 </file>
 
-<file path=ppt/slides/slide31.xml><?xml version="1.0" encoding="utf-8"?>
-<p:sld xmlns:a="http://schemas.openxmlformats.org/drawingml/2006/main" xmlns:r="http://schemas.openxmlformats.org/officeDocument/2006/relationships" xmlns:p="http://schemas.openxmlformats.org/presentationml/2006/main">
-  <p:cSld>
-    <p:spTree>
-      <p:nvGrpSpPr>
-        <p:cNvPr id="1" name=""/>
-        <p:cNvGrpSpPr/>
-        <p:nvPr/>
-      </p:nvGrpSpPr>
-      <p:grpSpPr>
-        <a:xfrm>
-          <a:off x="0" y="0"/>
-          <a:ext cx="0" cy="0"/>
-          <a:chOff x="0" y="0"/>
-          <a:chExt cx="0" cy="0"/>
-        </a:xfrm>
-      </p:grpSpPr>
-      <p:sp>
-        <p:nvSpPr>
-          <p:cNvPr id="2" name="Titre 1"/>
-          <p:cNvSpPr>
-            <a:spLocks noGrp="1"/>
-          </p:cNvSpPr>
-          <p:nvPr>
-            <p:ph type="title"/>
-          </p:nvPr>
-        </p:nvSpPr>
-        <p:spPr/>
-        <p:txBody>
-          <a:bodyPr/>
-          <a:lstStyle/>
-          <a:p>
-            <a:r>
-              <a:rPr lang="fr-FR" dirty="0" err="1"/>
-              <a:t>Edmunt</a:t>
-            </a:r>
-            <a:r>
-              <a:rPr lang="fr-FR" dirty="0"/>
-              <a:t> Husserl</a:t>
-            </a:r>
-          </a:p>
-        </p:txBody>
-      </p:sp>
-      <p:sp>
-        <p:nvSpPr>
-          <p:cNvPr id="3" name="Espace réservé du contenu 2"/>
-          <p:cNvSpPr>
-            <a:spLocks noGrp="1"/>
-          </p:cNvSpPr>
-          <p:nvPr>
-            <p:ph idx="1"/>
-          </p:nvPr>
-        </p:nvSpPr>
-        <p:spPr/>
-        <p:txBody>
-          <a:bodyPr/>
-          <a:lstStyle/>
-          <a:p>
-            <a:r>
-              <a:rPr lang="fr-FR" dirty="0"/>
-              <a:t>« Les modèles sont les habits des idées, il y a toujours un modèle qui peut faire croire que votre idée est juste. »</a:t>
-            </a:r>
-          </a:p>
-        </p:txBody>
-      </p:sp>
-    </p:spTree>
-    <p:extLst>
-      <p:ext uri="{BB962C8B-B14F-4D97-AF65-F5344CB8AC3E}">
-        <p14:creationId xmlns:p14="http://schemas.microsoft.com/office/powerpoint/2010/main" val="4041279753"/>
-      </p:ext>
-    </p:extLst>
-  </p:cSld>
-  <p:clrMapOvr>
-    <a:masterClrMapping/>
-  </p:clrMapOvr>
-</p:sld>
-</file>
-
-<file path=ppt/slides/slide32.xml><?xml version="1.0" encoding="utf-8"?>
-<p:sld xmlns:a="http://schemas.openxmlformats.org/drawingml/2006/main" xmlns:r="http://schemas.openxmlformats.org/officeDocument/2006/relationships" xmlns:p="http://schemas.openxmlformats.org/presentationml/2006/main">
-  <p:cSld>
-    <p:spTree>
-      <p:nvGrpSpPr>
-        <p:cNvPr id="1" name=""/>
-        <p:cNvGrpSpPr/>
-        <p:nvPr/>
-      </p:nvGrpSpPr>
-      <p:grpSpPr>
-        <a:xfrm>
-          <a:off x="0" y="0"/>
-          <a:ext cx="0" cy="0"/>
-          <a:chOff x="0" y="0"/>
-          <a:chExt cx="0" cy="0"/>
-        </a:xfrm>
-      </p:grpSpPr>
-      <p:sp>
-        <p:nvSpPr>
-          <p:cNvPr id="2" name="Titre 1"/>
-          <p:cNvSpPr>
-            <a:spLocks noGrp="1"/>
-          </p:cNvSpPr>
-          <p:nvPr>
-            <p:ph type="title"/>
-          </p:nvPr>
-        </p:nvSpPr>
-        <p:spPr/>
-        <p:txBody>
-          <a:bodyPr/>
-          <a:lstStyle/>
-          <a:p>
-            <a:r>
-              <a:rPr lang="fr-FR" dirty="0"/>
-              <a:t>Considération sur les tailles</a:t>
-            </a:r>
-          </a:p>
-        </p:txBody>
-      </p:sp>
-      <p:sp>
-        <p:nvSpPr>
-          <p:cNvPr id="3" name="Espace réservé du contenu 2"/>
-          <p:cNvSpPr>
-            <a:spLocks noGrp="1"/>
-          </p:cNvSpPr>
-          <p:nvPr>
-            <p:ph idx="1"/>
-          </p:nvPr>
-        </p:nvSpPr>
-        <p:spPr/>
-        <p:txBody>
-          <a:bodyPr/>
-          <a:lstStyle/>
-          <a:p>
-            <a:r>
-              <a:rPr lang="fr-FR" dirty="0"/>
-              <a:t>Les processeurs d’aujourd’hui en en 64 bits (x64)</a:t>
-            </a:r>
-          </a:p>
-          <a:p>
-            <a:pPr lvl="1"/>
-            <a:r>
-              <a:rPr lang="fr-FR" dirty="0"/>
-              <a:t>Les GPU sont sur 128 bits</a:t>
-            </a:r>
-          </a:p>
-          <a:p>
-            <a:pPr lvl="1"/>
-            <a:r>
-              <a:rPr lang="fr-FR" dirty="0"/>
-              <a:t>Les anciens processeurs sur 32 bits</a:t>
-            </a:r>
-          </a:p>
-          <a:p>
-            <a:pPr lvl="1"/>
-            <a:r>
-              <a:rPr lang="fr-FR" dirty="0"/>
-              <a:t>Python existe en version 32 et 64 bits</a:t>
-            </a:r>
-          </a:p>
-          <a:p>
-            <a:r>
-              <a:rPr lang="fr-FR" dirty="0"/>
-              <a:t>Un processeur 32 bits ne peut adresser que 2^32 bits soit 4Gbit</a:t>
-            </a:r>
-          </a:p>
-          <a:p>
-            <a:pPr lvl="1"/>
-            <a:r>
-              <a:rPr lang="fr-FR" dirty="0"/>
-              <a:t>Une adresse mémoire est souvent sur 1 octet ce qui donne 4Go de mémoire maximum, sachant que près de la moitié est pris par l’OS</a:t>
-            </a:r>
-          </a:p>
-          <a:p>
-            <a:r>
-              <a:rPr lang="fr-FR" dirty="0"/>
-              <a:t>Un processeur 64 bits sait adressé 8000 </a:t>
-            </a:r>
-            <a:r>
-              <a:rPr lang="fr-FR" dirty="0" err="1"/>
-              <a:t>Pbit</a:t>
-            </a:r>
-            <a:endParaRPr lang="fr-FR" dirty="0"/>
-          </a:p>
-        </p:txBody>
-      </p:sp>
-    </p:spTree>
-    <p:extLst>
-      <p:ext uri="{BB962C8B-B14F-4D97-AF65-F5344CB8AC3E}">
-        <p14:creationId xmlns:p14="http://schemas.microsoft.com/office/powerpoint/2010/main" val="1996995698"/>
-      </p:ext>
-    </p:extLst>
-  </p:cSld>
-  <p:clrMapOvr>
-    <a:masterClrMapping/>
-  </p:clrMapOvr>
-</p:sld>
-</file>
-
 <file path=ppt/slides/slide33.xml><?xml version="1.0" encoding="utf-8"?>
 <p:sld xmlns:a="http://schemas.openxmlformats.org/drawingml/2006/main" xmlns:r="http://schemas.openxmlformats.org/officeDocument/2006/relationships" xmlns:p="http://schemas.openxmlformats.org/presentationml/2006/main">
   <p:cSld>
@@ -6658,8 +6765,12 @@
           <a:lstStyle/>
           <a:p>
             <a:r>
-              <a:rPr lang="fr-FR" dirty="0"/>
-              <a:t>Considération sur les tailles</a:t>
+              <a:rPr lang="fr-FR" dirty="0" err="1"/>
+              <a:t>Edmunt</a:t>
+            </a:r>
+            <a:r>
+              <a:rPr lang="fr-FR" dirty="0"/>
+              <a:t> Husserl</a:t>
             </a:r>
           </a:p>
         </p:txBody>
@@ -6680,103 +6791,16 @@
           <a:lstStyle/>
           <a:p>
             <a:r>
-              <a:rPr lang="fr-FR" sz="2400" dirty="0"/>
-              <a:t>En Python un flottant fait 32 bits</a:t>
-            </a:r>
-          </a:p>
-          <a:p>
-            <a:pPr lvl="1"/>
-            <a:r>
-              <a:rPr lang="fr-FR" sz="2000" dirty="0"/>
-              <a:t>Sachant que la moitié des ressources est pris par l’OS et qu’une liste de valeur est amené à être dupliqué au moins une fois</a:t>
-            </a:r>
-          </a:p>
-          <a:p>
-            <a:pPr lvl="1"/>
-            <a:r>
-              <a:rPr lang="fr-FR" sz="2000" dirty="0"/>
-              <a:t>Python 32 bits sait géré 10**8 flottants</a:t>
-            </a:r>
-          </a:p>
-          <a:p>
-            <a:pPr lvl="1"/>
-            <a:r>
-              <a:rPr lang="fr-FR" sz="2000" dirty="0"/>
-              <a:t>Python 64 bits sait géré 10**18 flottants</a:t>
-            </a:r>
-          </a:p>
-          <a:p>
-            <a:r>
-              <a:rPr lang="fr-FR" sz="2400" dirty="0"/>
-              <a:t>Une image 28 * 28 * 16 niveaux de gris fait 3Ko</a:t>
-            </a:r>
-          </a:p>
-          <a:p>
-            <a:pPr lvl="1"/>
-            <a:r>
-              <a:rPr lang="fr-FR" sz="2000" dirty="0"/>
-              <a:t>Python 32 bits sait géré 333 000 images</a:t>
-            </a:r>
-          </a:p>
-          <a:p>
-            <a:pPr lvl="1"/>
-            <a:r>
-              <a:rPr lang="fr-FR" sz="2000" dirty="0"/>
-              <a:t>Python 64 bits sait géré 10**15 images</a:t>
-            </a:r>
-          </a:p>
-          <a:p>
-            <a:r>
-              <a:rPr lang="fr-FR" sz="2400" dirty="0"/>
-              <a:t>Une image 1024 * 768 en couleur RAW fait 3Mo</a:t>
-            </a:r>
-          </a:p>
-          <a:p>
-            <a:pPr lvl="1"/>
-            <a:r>
-              <a:rPr lang="fr-FR" sz="2000" dirty="0"/>
-              <a:t>Python 32 bits sait géré 333 images</a:t>
-            </a:r>
-          </a:p>
-          <a:p>
-            <a:pPr lvl="1"/>
-            <a:r>
-              <a:rPr lang="fr-FR" sz="2000" dirty="0"/>
-              <a:t>Python 64 bits sait géré 10**12 images</a:t>
-            </a:r>
-          </a:p>
-          <a:p>
-            <a:r>
-              <a:rPr lang="fr-FR" sz="2400" dirty="0"/>
-              <a:t>Une image 4K RAW </a:t>
-            </a:r>
-            <a:r>
-              <a:rPr lang="fr-FR" sz="2400"/>
-              <a:t>fait 16Mo</a:t>
-            </a:r>
-            <a:endParaRPr lang="fr-FR" sz="2400" dirty="0"/>
-          </a:p>
-          <a:p>
-            <a:pPr lvl="1"/>
-            <a:r>
-              <a:rPr lang="fr-FR" sz="2000" dirty="0"/>
-              <a:t>Python 64 bits sait géré 10**9 images aucune pour 32 bits</a:t>
-            </a:r>
-          </a:p>
-          <a:p>
-            <a:pPr lvl="1"/>
-            <a:endParaRPr lang="fr-FR" dirty="0"/>
-          </a:p>
-          <a:p>
-            <a:pPr lvl="1"/>
-            <a:endParaRPr lang="fr-FR" sz="2000" dirty="0"/>
+              <a:rPr lang="fr-FR" dirty="0"/>
+              <a:t>« Les modèles sont les habits des idées, il y a toujours un modèle qui peut faire croire que votre idée est juste. »</a:t>
+            </a:r>
           </a:p>
         </p:txBody>
       </p:sp>
     </p:spTree>
     <p:extLst>
       <p:ext uri="{BB962C8B-B14F-4D97-AF65-F5344CB8AC3E}">
-        <p14:creationId xmlns:p14="http://schemas.microsoft.com/office/powerpoint/2010/main" val="916193899"/>
+        <p14:creationId xmlns:p14="http://schemas.microsoft.com/office/powerpoint/2010/main" val="4041279753"/>
       </p:ext>
     </p:extLst>
   </p:cSld>
@@ -6820,41 +6844,82 @@
           <a:p>
             <a:r>
               <a:rPr lang="fr-FR" dirty="0"/>
-              <a:t>Pur rappel</a:t>
-            </a:r>
-          </a:p>
-        </p:txBody>
-      </p:sp>
-      <p:pic>
-        <p:nvPicPr>
-          <p:cNvPr id="4" name="Espace réservé du contenu 3"/>
-          <p:cNvPicPr>
-            <a:picLocks noGrp="1" noChangeAspect="1"/>
-          </p:cNvPicPr>
+              <a:t>Considération sur les tailles</a:t>
+            </a:r>
+          </a:p>
+        </p:txBody>
+      </p:sp>
+      <p:sp>
+        <p:nvSpPr>
+          <p:cNvPr id="3" name="Espace réservé du contenu 2"/>
+          <p:cNvSpPr>
+            <a:spLocks noGrp="1"/>
+          </p:cNvSpPr>
           <p:nvPr>
             <p:ph idx="1"/>
           </p:nvPr>
-        </p:nvPicPr>
-        <p:blipFill>
-          <a:blip r:embed="rId2"/>
-          <a:stretch>
-            <a:fillRect/>
-          </a:stretch>
-        </p:blipFill>
-        <p:spPr>
-          <a:xfrm>
-            <a:off x="1412280" y="1412875"/>
-            <a:ext cx="6300391" cy="5040313"/>
-          </a:xfrm>
-          <a:prstGeom prst="rect">
-            <a:avLst/>
-          </a:prstGeom>
-        </p:spPr>
-      </p:pic>
+        </p:nvSpPr>
+        <p:spPr/>
+        <p:txBody>
+          <a:bodyPr/>
+          <a:lstStyle/>
+          <a:p>
+            <a:r>
+              <a:rPr lang="fr-FR" dirty="0"/>
+              <a:t>Les processeurs d’aujourd’hui en en 64 bits (x64)</a:t>
+            </a:r>
+          </a:p>
+          <a:p>
+            <a:pPr lvl="1"/>
+            <a:r>
+              <a:rPr lang="fr-FR" dirty="0"/>
+              <a:t>Les GPU sont sur 128 bits</a:t>
+            </a:r>
+          </a:p>
+          <a:p>
+            <a:pPr lvl="1"/>
+            <a:r>
+              <a:rPr lang="fr-FR" dirty="0"/>
+              <a:t>Les anciens processeurs sur 32 bits</a:t>
+            </a:r>
+          </a:p>
+          <a:p>
+            <a:pPr lvl="1"/>
+            <a:r>
+              <a:rPr lang="fr-FR" dirty="0"/>
+              <a:t>Python existe en version 32 et 64 bits</a:t>
+            </a:r>
+          </a:p>
+          <a:p>
+            <a:r>
+              <a:rPr lang="fr-FR" dirty="0"/>
+              <a:t>Un processeur 32 bits ne peut adresser que 2^32 bits soit 4Gbit</a:t>
+            </a:r>
+          </a:p>
+          <a:p>
+            <a:pPr lvl="1"/>
+            <a:r>
+              <a:rPr lang="fr-FR" dirty="0"/>
+              <a:t>Une adresse mémoire est souvent sur 1 octet ce qui donne 4Go de mémoire maximum, sachant que près de la moitié est pris par l’OS</a:t>
+            </a:r>
+          </a:p>
+          <a:p>
+            <a:r>
+              <a:rPr lang="fr-FR" dirty="0"/>
+              <a:t>Un processeur 64 bits sait adressé 8000 </a:t>
+            </a:r>
+            <a:r>
+              <a:rPr lang="fr-FR" dirty="0" err="1"/>
+              <a:t>Pbit</a:t>
+            </a:r>
+            <a:endParaRPr lang="fr-FR" dirty="0"/>
+          </a:p>
+        </p:txBody>
+      </p:sp>
     </p:spTree>
     <p:extLst>
       <p:ext uri="{BB962C8B-B14F-4D97-AF65-F5344CB8AC3E}">
-        <p14:creationId xmlns:p14="http://schemas.microsoft.com/office/powerpoint/2010/main" val="3904639742"/>
+        <p14:creationId xmlns:p14="http://schemas.microsoft.com/office/powerpoint/2010/main" val="1996995698"/>
       </p:ext>
     </p:extLst>
   </p:cSld>
@@ -6898,7 +6963,7 @@
           <a:p>
             <a:r>
               <a:rPr lang="fr-FR" dirty="0"/>
-              <a:t>Prétraitement</a:t>
+              <a:t>Considération sur les tailles</a:t>
             </a:r>
           </a:p>
         </p:txBody>
@@ -6919,83 +6984,181 @@
           <a:lstStyle/>
           <a:p>
             <a:r>
-              <a:rPr lang="fr-FR" dirty="0"/>
-              <a:t>Si un problème est trop long à résoudre il faut le simplifier</a:t>
-            </a:r>
-          </a:p>
-          <a:p>
-            <a:r>
-              <a:rPr lang="fr-FR" dirty="0"/>
-              <a:t>Une fois les données nettoyée on peut les prétraitées</a:t>
-            </a:r>
-          </a:p>
-          <a:p>
-            <a:r>
-              <a:rPr lang="fr-FR" dirty="0"/>
-              <a:t>En prétraitant des données leur traitement sera facilité</a:t>
+              <a:rPr lang="fr-FR" sz="2400" dirty="0"/>
+              <a:t>En Python un flottant fait 32 bits</a:t>
             </a:r>
           </a:p>
           <a:p>
             <a:pPr lvl="1"/>
             <a:r>
-              <a:rPr lang="fr-FR" dirty="0"/>
-              <a:t>Ici le seuillage d’une image</a:t>
+              <a:rPr lang="fr-FR" sz="2000" dirty="0"/>
+              <a:t>Sachant que la moitié des ressources est pris par l’OS et qu’une liste de valeur est amené à être dupliqué au moins une fois</a:t>
             </a:r>
           </a:p>
           <a:p>
             <a:pPr lvl="1"/>
             <a:r>
-              <a:rPr lang="fr-FR" dirty="0"/>
-              <a:t>Taille abaissé (4 bits -&gt; 1 bit)</a:t>
+              <a:rPr lang="fr-FR" sz="2000" dirty="0"/>
+              <a:t>Python 32 bits sait géré 10**8 flottants</a:t>
+            </a:r>
+          </a:p>
+          <a:p>
+            <a:pPr lvl="1"/>
+            <a:r>
+              <a:rPr lang="fr-FR" sz="2000" dirty="0"/>
+              <a:t>Python 64 bits sait géré 10**18 flottants</a:t>
+            </a:r>
+          </a:p>
+          <a:p>
+            <a:r>
+              <a:rPr lang="fr-FR" sz="2400" dirty="0"/>
+              <a:t>Une image 28 * 28 * 16 niveaux de gris fait 3Ko</a:t>
+            </a:r>
+          </a:p>
+          <a:p>
+            <a:pPr lvl="1"/>
+            <a:r>
+              <a:rPr lang="fr-FR" sz="2000" dirty="0"/>
+              <a:t>Python 32 bits sait géré 333 000 images</a:t>
+            </a:r>
+          </a:p>
+          <a:p>
+            <a:pPr lvl="1"/>
+            <a:r>
+              <a:rPr lang="fr-FR" sz="2000" dirty="0"/>
+              <a:t>Python 64 bits sait géré 10**15 images</a:t>
+            </a:r>
+          </a:p>
+          <a:p>
+            <a:r>
+              <a:rPr lang="fr-FR" sz="2400" dirty="0"/>
+              <a:t>Une image 1024 * 768 en couleur RAW fait 3Mo</a:t>
+            </a:r>
+          </a:p>
+          <a:p>
+            <a:pPr lvl="1"/>
+            <a:r>
+              <a:rPr lang="fr-FR" sz="2000" dirty="0"/>
+              <a:t>Python 32 bits sait géré 333 images</a:t>
+            </a:r>
+          </a:p>
+          <a:p>
+            <a:pPr lvl="1"/>
+            <a:r>
+              <a:rPr lang="fr-FR" sz="2000" dirty="0"/>
+              <a:t>Python 64 bits sait géré 10**12 images</a:t>
+            </a:r>
+          </a:p>
+          <a:p>
+            <a:r>
+              <a:rPr lang="fr-FR" sz="2400" dirty="0"/>
+              <a:t>Une image 4K RAW </a:t>
+            </a:r>
+            <a:r>
+              <a:rPr lang="fr-FR" sz="2400"/>
+              <a:t>fait 16Mo</a:t>
+            </a:r>
+            <a:endParaRPr lang="fr-FR" sz="2400" dirty="0"/>
+          </a:p>
+          <a:p>
+            <a:pPr lvl="1"/>
+            <a:r>
+              <a:rPr lang="fr-FR" sz="2000" dirty="0"/>
+              <a:t>Python 64 bits sait géré 10**9 images aucune pour 32 bits</a:t>
+            </a:r>
+          </a:p>
+          <a:p>
+            <a:pPr lvl="1"/>
+            <a:endParaRPr lang="fr-FR" dirty="0"/>
+          </a:p>
+          <a:p>
+            <a:pPr lvl="1"/>
+            <a:endParaRPr lang="fr-FR" sz="2000" dirty="0"/>
+          </a:p>
+        </p:txBody>
+      </p:sp>
+    </p:spTree>
+    <p:extLst>
+      <p:ext uri="{BB962C8B-B14F-4D97-AF65-F5344CB8AC3E}">
+        <p14:creationId xmlns:p14="http://schemas.microsoft.com/office/powerpoint/2010/main" val="916193899"/>
+      </p:ext>
+    </p:extLst>
+  </p:cSld>
+  <p:clrMapOvr>
+    <a:masterClrMapping/>
+  </p:clrMapOvr>
+</p:sld>
+</file>
+
+<file path=ppt/slides/slide36.xml><?xml version="1.0" encoding="utf-8"?>
+<p:sld xmlns:a="http://schemas.openxmlformats.org/drawingml/2006/main" xmlns:r="http://schemas.openxmlformats.org/officeDocument/2006/relationships" xmlns:p="http://schemas.openxmlformats.org/presentationml/2006/main">
+  <p:cSld>
+    <p:spTree>
+      <p:nvGrpSpPr>
+        <p:cNvPr id="1" name=""/>
+        <p:cNvGrpSpPr/>
+        <p:nvPr/>
+      </p:nvGrpSpPr>
+      <p:grpSpPr>
+        <a:xfrm>
+          <a:off x="0" y="0"/>
+          <a:ext cx="0" cy="0"/>
+          <a:chOff x="0" y="0"/>
+          <a:chExt cx="0" cy="0"/>
+        </a:xfrm>
+      </p:grpSpPr>
+      <p:sp>
+        <p:nvSpPr>
+          <p:cNvPr id="2" name="Titre 1"/>
+          <p:cNvSpPr>
+            <a:spLocks noGrp="1"/>
+          </p:cNvSpPr>
+          <p:nvPr>
+            <p:ph type="title"/>
+          </p:nvPr>
+        </p:nvSpPr>
+        <p:spPr/>
+        <p:txBody>
+          <a:bodyPr/>
+          <a:lstStyle/>
+          <a:p>
+            <a:r>
+              <a:rPr lang="fr-FR" dirty="0"/>
+              <a:t>Pur rappel</a:t>
             </a:r>
           </a:p>
         </p:txBody>
       </p:sp>
       <p:pic>
         <p:nvPicPr>
-          <p:cNvPr id="1026" name="Picture 2" descr="En traitement des images, les principes de modélisation et d'apprentissage restent sensiblement les même. Il y a cependant un certains nombre de techniques de pré-traitement spécifiques qui permettent d'obtenir des entrées plus simples pour les algor"/>
+          <p:cNvPr id="4" name="Espace réservé du contenu 3"/>
           <p:cNvPicPr>
-            <a:picLocks noChangeAspect="1" noChangeArrowheads="1"/>
+            <a:picLocks noGrp="1" noChangeAspect="1"/>
           </p:cNvPicPr>
-          <p:nvPr/>
+          <p:nvPr>
+            <p:ph idx="1"/>
+          </p:nvPr>
         </p:nvPicPr>
         <p:blipFill>
-          <a:blip r:embed="rId2">
-            <a:extLst>
-              <a:ext uri="{28A0092B-C50C-407E-A947-70E740481C1C}">
-                <a14:useLocalDpi xmlns:a14="http://schemas.microsoft.com/office/drawing/2010/main" val="0"/>
-              </a:ext>
-            </a:extLst>
-          </a:blip>
-          <a:srcRect/>
+          <a:blip r:embed="rId2"/>
           <a:stretch>
             <a:fillRect/>
           </a:stretch>
         </p:blipFill>
-        <p:spPr bwMode="auto">
+        <p:spPr>
           <a:xfrm>
-            <a:off x="5102597" y="4365104"/>
-            <a:ext cx="3657600" cy="1790701"/>
+            <a:off x="1412280" y="1412875"/>
+            <a:ext cx="6300391" cy="5040313"/>
           </a:xfrm>
           <a:prstGeom prst="rect">
             <a:avLst/>
           </a:prstGeom>
-          <a:noFill/>
-          <a:extLst>
-            <a:ext uri="{909E8E84-426E-40DD-AFC4-6F175D3DCCD1}">
-              <a14:hiddenFill xmlns:a14="http://schemas.microsoft.com/office/drawing/2010/main">
-                <a:solidFill>
-                  <a:srgbClr val="FFFFFF"/>
-                </a:solidFill>
-              </a14:hiddenFill>
-            </a:ext>
-          </a:extLst>
         </p:spPr>
       </p:pic>
     </p:spTree>
     <p:extLst>
       <p:ext uri="{BB962C8B-B14F-4D97-AF65-F5344CB8AC3E}">
-        <p14:creationId xmlns:p14="http://schemas.microsoft.com/office/powerpoint/2010/main" val="156546346"/>
+        <p14:creationId xmlns:p14="http://schemas.microsoft.com/office/powerpoint/2010/main" val="3904639742"/>
       </p:ext>
     </p:extLst>
   </p:cSld>

--- a/PPT/DeepLearning05-MachineLearning.pptx
+++ b/PPT/DeepLearning05-MachineLearning.pptx
@@ -5,48 +5,49 @@
     <p:sldMasterId id="2147483653" r:id="rId1"/>
   </p:sldMasterIdLst>
   <p:notesMasterIdLst>
-    <p:notesMasterId r:id="rId38"/>
+    <p:notesMasterId r:id="rId39"/>
   </p:notesMasterIdLst>
   <p:handoutMasterIdLst>
-    <p:handoutMasterId r:id="rId39"/>
+    <p:handoutMasterId r:id="rId40"/>
   </p:handoutMasterIdLst>
   <p:sldIdLst>
     <p:sldId id="264" r:id="rId2"/>
-    <p:sldId id="320" r:id="rId3"/>
-    <p:sldId id="266" r:id="rId4"/>
-    <p:sldId id="267" r:id="rId5"/>
-    <p:sldId id="271" r:id="rId6"/>
-    <p:sldId id="272" r:id="rId7"/>
-    <p:sldId id="287" r:id="rId8"/>
-    <p:sldId id="273" r:id="rId9"/>
-    <p:sldId id="274" r:id="rId10"/>
-    <p:sldId id="275" r:id="rId11"/>
-    <p:sldId id="292" r:id="rId12"/>
-    <p:sldId id="294" r:id="rId13"/>
-    <p:sldId id="296" r:id="rId14"/>
-    <p:sldId id="276" r:id="rId15"/>
-    <p:sldId id="277" r:id="rId16"/>
-    <p:sldId id="324" r:id="rId17"/>
-    <p:sldId id="335" r:id="rId18"/>
-    <p:sldId id="336" r:id="rId19"/>
-    <p:sldId id="348" r:id="rId20"/>
-    <p:sldId id="279" r:id="rId21"/>
-    <p:sldId id="323" r:id="rId22"/>
-    <p:sldId id="280" r:id="rId23"/>
-    <p:sldId id="281" r:id="rId24"/>
-    <p:sldId id="283" r:id="rId25"/>
-    <p:sldId id="284" r:id="rId26"/>
-    <p:sldId id="285" r:id="rId27"/>
-    <p:sldId id="286" r:id="rId28"/>
-    <p:sldId id="311" r:id="rId29"/>
-    <p:sldId id="312" r:id="rId30"/>
-    <p:sldId id="313" r:id="rId31"/>
-    <p:sldId id="314" r:id="rId32"/>
-    <p:sldId id="321" r:id="rId33"/>
-    <p:sldId id="322" r:id="rId34"/>
-    <p:sldId id="297" r:id="rId35"/>
-    <p:sldId id="299" r:id="rId36"/>
-    <p:sldId id="318" r:id="rId37"/>
+    <p:sldId id="349" r:id="rId3"/>
+    <p:sldId id="320" r:id="rId4"/>
+    <p:sldId id="266" r:id="rId5"/>
+    <p:sldId id="267" r:id="rId6"/>
+    <p:sldId id="271" r:id="rId7"/>
+    <p:sldId id="272" r:id="rId8"/>
+    <p:sldId id="287" r:id="rId9"/>
+    <p:sldId id="273" r:id="rId10"/>
+    <p:sldId id="274" r:id="rId11"/>
+    <p:sldId id="275" r:id="rId12"/>
+    <p:sldId id="292" r:id="rId13"/>
+    <p:sldId id="294" r:id="rId14"/>
+    <p:sldId id="296" r:id="rId15"/>
+    <p:sldId id="276" r:id="rId16"/>
+    <p:sldId id="277" r:id="rId17"/>
+    <p:sldId id="324" r:id="rId18"/>
+    <p:sldId id="335" r:id="rId19"/>
+    <p:sldId id="336" r:id="rId20"/>
+    <p:sldId id="348" r:id="rId21"/>
+    <p:sldId id="279" r:id="rId22"/>
+    <p:sldId id="323" r:id="rId23"/>
+    <p:sldId id="280" r:id="rId24"/>
+    <p:sldId id="281" r:id="rId25"/>
+    <p:sldId id="283" r:id="rId26"/>
+    <p:sldId id="284" r:id="rId27"/>
+    <p:sldId id="285" r:id="rId28"/>
+    <p:sldId id="286" r:id="rId29"/>
+    <p:sldId id="311" r:id="rId30"/>
+    <p:sldId id="312" r:id="rId31"/>
+    <p:sldId id="313" r:id="rId32"/>
+    <p:sldId id="314" r:id="rId33"/>
+    <p:sldId id="321" r:id="rId34"/>
+    <p:sldId id="322" r:id="rId35"/>
+    <p:sldId id="297" r:id="rId36"/>
+    <p:sldId id="299" r:id="rId37"/>
+    <p:sldId id="318" r:id="rId38"/>
   </p:sldIdLst>
   <p:sldSz cx="9144000" cy="6858000" type="screen4x3"/>
   <p:notesSz cx="6648450" cy="9782175"/>
@@ -3818,6 +3819,133 @@
           <a:p>
             <a:r>
               <a:rPr lang="fr-FR" dirty="0"/>
+              <a:t>Quartet d’</a:t>
+            </a:r>
+            <a:r>
+              <a:rPr lang="fr-FR" dirty="0" err="1"/>
+              <a:t>Ascombe</a:t>
+            </a:r>
+            <a:endParaRPr lang="fr-FR" dirty="0"/>
+          </a:p>
+        </p:txBody>
+      </p:sp>
+      <p:sp>
+        <p:nvSpPr>
+          <p:cNvPr id="3" name="Espace réservé du contenu 2"/>
+          <p:cNvSpPr>
+            <a:spLocks noGrp="1"/>
+          </p:cNvSpPr>
+          <p:nvPr>
+            <p:ph idx="1"/>
+          </p:nvPr>
+        </p:nvSpPr>
+        <p:spPr/>
+        <p:txBody>
+          <a:bodyPr/>
+          <a:lstStyle/>
+          <a:p>
+            <a:r>
+              <a:rPr lang="fr-FR" dirty="0"/>
+              <a:t>Ces 4 modèles possède la même régression linéaire</a:t>
+            </a:r>
+          </a:p>
+          <a:p>
+            <a:pPr lvl="1"/>
+            <a:r>
+              <a:rPr lang="fr-FR" dirty="0"/>
+              <a:t>Trouver les erreurs</a:t>
+            </a:r>
+          </a:p>
+        </p:txBody>
+      </p:sp>
+      <p:pic>
+        <p:nvPicPr>
+          <p:cNvPr id="4098" name="Picture 2" descr="Le quartet d'anscombe"/>
+          <p:cNvPicPr>
+            <a:picLocks noChangeAspect="1" noChangeArrowheads="1"/>
+          </p:cNvPicPr>
+          <p:nvPr/>
+        </p:nvPicPr>
+        <p:blipFill>
+          <a:blip r:embed="rId2">
+            <a:extLst>
+              <a:ext uri="{28A0092B-C50C-407E-A947-70E740481C1C}">
+                <a14:useLocalDpi xmlns:a14="http://schemas.microsoft.com/office/drawing/2010/main" val="0"/>
+              </a:ext>
+            </a:extLst>
+          </a:blip>
+          <a:srcRect/>
+          <a:stretch>
+            <a:fillRect/>
+          </a:stretch>
+        </p:blipFill>
+        <p:spPr bwMode="auto">
+          <a:xfrm>
+            <a:off x="1528833" y="2783429"/>
+            <a:ext cx="6067407" cy="4053028"/>
+          </a:xfrm>
+          <a:prstGeom prst="rect">
+            <a:avLst/>
+          </a:prstGeom>
+          <a:noFill/>
+          <a:extLst>
+            <a:ext uri="{909E8E84-426E-40DD-AFC4-6F175D3DCCD1}">
+              <a14:hiddenFill xmlns:a14="http://schemas.microsoft.com/office/drawing/2010/main">
+                <a:solidFill>
+                  <a:srgbClr val="FFFFFF"/>
+                </a:solidFill>
+              </a14:hiddenFill>
+            </a:ext>
+          </a:extLst>
+        </p:spPr>
+      </p:pic>
+    </p:spTree>
+    <p:extLst>
+      <p:ext uri="{BB962C8B-B14F-4D97-AF65-F5344CB8AC3E}">
+        <p14:creationId xmlns:p14="http://schemas.microsoft.com/office/powerpoint/2010/main" val="681607745"/>
+      </p:ext>
+    </p:extLst>
+  </p:cSld>
+  <p:clrMapOvr>
+    <a:masterClrMapping/>
+  </p:clrMapOvr>
+</p:sld>
+</file>
+
+<file path=ppt/slides/slide11.xml><?xml version="1.0" encoding="utf-8"?>
+<p:sld xmlns:a="http://schemas.openxmlformats.org/drawingml/2006/main" xmlns:r="http://schemas.openxmlformats.org/officeDocument/2006/relationships" xmlns:p="http://schemas.openxmlformats.org/presentationml/2006/main">
+  <p:cSld>
+    <p:spTree>
+      <p:nvGrpSpPr>
+        <p:cNvPr id="1" name=""/>
+        <p:cNvGrpSpPr/>
+        <p:nvPr/>
+      </p:nvGrpSpPr>
+      <p:grpSpPr>
+        <a:xfrm>
+          <a:off x="0" y="0"/>
+          <a:ext cx="0" cy="0"/>
+          <a:chOff x="0" y="0"/>
+          <a:chExt cx="0" cy="0"/>
+        </a:xfrm>
+      </p:grpSpPr>
+      <p:sp>
+        <p:nvSpPr>
+          <p:cNvPr id="2" name="Titre 1"/>
+          <p:cNvSpPr>
+            <a:spLocks noGrp="1"/>
+          </p:cNvSpPr>
+          <p:nvPr>
+            <p:ph type="title"/>
+          </p:nvPr>
+        </p:nvSpPr>
+        <p:spPr/>
+        <p:txBody>
+          <a:bodyPr/>
+          <a:lstStyle/>
+          <a:p>
+            <a:r>
+              <a:rPr lang="fr-FR" dirty="0"/>
               <a:t>Machine Learning</a:t>
             </a:r>
           </a:p>
@@ -3879,7 +4007,7 @@
 </p:sld>
 </file>
 
-<file path=ppt/slides/slide11.xml><?xml version="1.0" encoding="utf-8"?>
+<file path=ppt/slides/slide12.xml><?xml version="1.0" encoding="utf-8"?>
 <p:sld xmlns:a="http://schemas.openxmlformats.org/drawingml/2006/main" xmlns:r="http://schemas.openxmlformats.org/officeDocument/2006/relationships" xmlns:p="http://schemas.openxmlformats.org/presentationml/2006/main">
   <p:cSld>
     <p:spTree>
@@ -4021,7 +4149,7 @@
 </p:sld>
 </file>
 
-<file path=ppt/slides/slide12.xml><?xml version="1.0" encoding="utf-8"?>
+<file path=ppt/slides/slide13.xml><?xml version="1.0" encoding="utf-8"?>
 <p:sld xmlns:a="http://schemas.openxmlformats.org/drawingml/2006/main" xmlns:r="http://schemas.openxmlformats.org/officeDocument/2006/relationships" xmlns:p="http://schemas.openxmlformats.org/presentationml/2006/main">
   <p:cSld>
     <p:spTree>
@@ -4147,7 +4275,7 @@
 </p:sld>
 </file>
 
-<file path=ppt/slides/slide13.xml><?xml version="1.0" encoding="utf-8"?>
+<file path=ppt/slides/slide14.xml><?xml version="1.0" encoding="utf-8"?>
 <p:sld xmlns:a="http://schemas.openxmlformats.org/drawingml/2006/main" xmlns:r="http://schemas.openxmlformats.org/officeDocument/2006/relationships" xmlns:p="http://schemas.openxmlformats.org/presentationml/2006/main">
   <p:cSld>
     <p:spTree>
@@ -4312,99 +4440,6 @@
 </p:sld>
 </file>
 
-<file path=ppt/slides/slide14.xml><?xml version="1.0" encoding="utf-8"?>
-<p:sld xmlns:a="http://schemas.openxmlformats.org/drawingml/2006/main" xmlns:r="http://schemas.openxmlformats.org/officeDocument/2006/relationships" xmlns:p="http://schemas.openxmlformats.org/presentationml/2006/main">
-  <p:cSld>
-    <p:spTree>
-      <p:nvGrpSpPr>
-        <p:cNvPr id="1" name=""/>
-        <p:cNvGrpSpPr/>
-        <p:nvPr/>
-      </p:nvGrpSpPr>
-      <p:grpSpPr>
-        <a:xfrm>
-          <a:off x="0" y="0"/>
-          <a:ext cx="0" cy="0"/>
-          <a:chOff x="0" y="0"/>
-          <a:chExt cx="0" cy="0"/>
-        </a:xfrm>
-      </p:grpSpPr>
-      <p:sp>
-        <p:nvSpPr>
-          <p:cNvPr id="2" name="Titre 1"/>
-          <p:cNvSpPr>
-            <a:spLocks noGrp="1"/>
-          </p:cNvSpPr>
-          <p:nvPr>
-            <p:ph type="title"/>
-          </p:nvPr>
-        </p:nvSpPr>
-        <p:spPr/>
-        <p:txBody>
-          <a:bodyPr/>
-          <a:lstStyle/>
-          <a:p>
-            <a:r>
-              <a:rPr lang="fr-FR" dirty="0"/>
-              <a:t>Modélisation</a:t>
-            </a:r>
-          </a:p>
-        </p:txBody>
-      </p:sp>
-      <p:sp>
-        <p:nvSpPr>
-          <p:cNvPr id="3" name="Espace réservé du contenu 2"/>
-          <p:cNvSpPr>
-            <a:spLocks noGrp="1"/>
-          </p:cNvSpPr>
-          <p:nvPr>
-            <p:ph idx="1"/>
-          </p:nvPr>
-        </p:nvSpPr>
-        <p:spPr/>
-        <p:txBody>
-          <a:bodyPr/>
-          <a:lstStyle/>
-          <a:p>
-            <a:r>
-              <a:rPr lang="fr-FR" dirty="0"/>
-              <a:t>Imaginez que vous êtes un data </a:t>
-            </a:r>
-            <a:r>
-              <a:rPr lang="fr-FR" dirty="0" err="1"/>
-              <a:t>scientist</a:t>
-            </a:r>
-            <a:endParaRPr lang="fr-FR" dirty="0"/>
-          </a:p>
-          <a:p>
-            <a:pPr lvl="1"/>
-            <a:r>
-              <a:rPr lang="fr-FR" dirty="0"/>
-              <a:t>Vous êtes maintenant confortable avec l'ensemble des données récupérées pour vos analyses</a:t>
-            </a:r>
-          </a:p>
-          <a:p>
-            <a:pPr lvl="1"/>
-            <a:r>
-              <a:rPr lang="fr-FR" dirty="0"/>
-              <a:t>Vous avez une connaissance des objectifs principaux de l'entreprise, ce qui vous a aidé à synthétiser les différentes variables qui interviennent, ainsi que visualiser les différents comportements et corrélations présents au sein de ces données</a:t>
-            </a:r>
-          </a:p>
-        </p:txBody>
-      </p:sp>
-    </p:spTree>
-    <p:extLst>
-      <p:ext uri="{BB962C8B-B14F-4D97-AF65-F5344CB8AC3E}">
-        <p14:creationId xmlns:p14="http://schemas.microsoft.com/office/powerpoint/2010/main" val="1213284648"/>
-      </p:ext>
-    </p:extLst>
-  </p:cSld>
-  <p:clrMapOvr>
-    <a:masterClrMapping/>
-  </p:clrMapOvr>
-</p:sld>
-</file>
-
 <file path=ppt/slides/slide15.xml><?xml version="1.0" encoding="utf-8"?>
 <p:sld xmlns:a="http://schemas.openxmlformats.org/drawingml/2006/main" xmlns:r="http://schemas.openxmlformats.org/officeDocument/2006/relationships" xmlns:p="http://schemas.openxmlformats.org/presentationml/2006/main">
   <p:cSld>
@@ -4439,6 +4474,99 @@
           <a:p>
             <a:r>
               <a:rPr lang="fr-FR" dirty="0"/>
+              <a:t>Modélisation</a:t>
+            </a:r>
+          </a:p>
+        </p:txBody>
+      </p:sp>
+      <p:sp>
+        <p:nvSpPr>
+          <p:cNvPr id="3" name="Espace réservé du contenu 2"/>
+          <p:cNvSpPr>
+            <a:spLocks noGrp="1"/>
+          </p:cNvSpPr>
+          <p:nvPr>
+            <p:ph idx="1"/>
+          </p:nvPr>
+        </p:nvSpPr>
+        <p:spPr/>
+        <p:txBody>
+          <a:bodyPr/>
+          <a:lstStyle/>
+          <a:p>
+            <a:r>
+              <a:rPr lang="fr-FR" dirty="0"/>
+              <a:t>Imaginez que vous êtes un data </a:t>
+            </a:r>
+            <a:r>
+              <a:rPr lang="fr-FR" dirty="0" err="1"/>
+              <a:t>scientist</a:t>
+            </a:r>
+            <a:endParaRPr lang="fr-FR" dirty="0"/>
+          </a:p>
+          <a:p>
+            <a:pPr lvl="1"/>
+            <a:r>
+              <a:rPr lang="fr-FR" dirty="0"/>
+              <a:t>Vous êtes maintenant confortable avec l'ensemble des données récupérées pour vos analyses</a:t>
+            </a:r>
+          </a:p>
+          <a:p>
+            <a:pPr lvl="1"/>
+            <a:r>
+              <a:rPr lang="fr-FR" dirty="0"/>
+              <a:t>Vous avez une connaissance des objectifs principaux de l'entreprise, ce qui vous a aidé à synthétiser les différentes variables qui interviennent, ainsi que visualiser les différents comportements et corrélations présents au sein de ces données</a:t>
+            </a:r>
+          </a:p>
+        </p:txBody>
+      </p:sp>
+    </p:spTree>
+    <p:extLst>
+      <p:ext uri="{BB962C8B-B14F-4D97-AF65-F5344CB8AC3E}">
+        <p14:creationId xmlns:p14="http://schemas.microsoft.com/office/powerpoint/2010/main" val="1213284648"/>
+      </p:ext>
+    </p:extLst>
+  </p:cSld>
+  <p:clrMapOvr>
+    <a:masterClrMapping/>
+  </p:clrMapOvr>
+</p:sld>
+</file>
+
+<file path=ppt/slides/slide16.xml><?xml version="1.0" encoding="utf-8"?>
+<p:sld xmlns:a="http://schemas.openxmlformats.org/drawingml/2006/main" xmlns:r="http://schemas.openxmlformats.org/officeDocument/2006/relationships" xmlns:p="http://schemas.openxmlformats.org/presentationml/2006/main">
+  <p:cSld>
+    <p:spTree>
+      <p:nvGrpSpPr>
+        <p:cNvPr id="1" name=""/>
+        <p:cNvGrpSpPr/>
+        <p:nvPr/>
+      </p:nvGrpSpPr>
+      <p:grpSpPr>
+        <a:xfrm>
+          <a:off x="0" y="0"/>
+          <a:ext cx="0" cy="0"/>
+          <a:chOff x="0" y="0"/>
+          <a:chExt cx="0" cy="0"/>
+        </a:xfrm>
+      </p:grpSpPr>
+      <p:sp>
+        <p:nvSpPr>
+          <p:cNvPr id="2" name="Titre 1"/>
+          <p:cNvSpPr>
+            <a:spLocks noGrp="1"/>
+          </p:cNvSpPr>
+          <p:nvPr>
+            <p:ph type="title"/>
+          </p:nvPr>
+        </p:nvSpPr>
+        <p:spPr/>
+        <p:txBody>
+          <a:bodyPr/>
+          <a:lstStyle/>
+          <a:p>
+            <a:r>
+              <a:rPr lang="fr-FR" dirty="0"/>
               <a:t>Apprentissage</a:t>
             </a:r>
           </a:p>
@@ -4516,7 +4644,7 @@
 </p:sld>
 </file>
 
-<file path=ppt/slides/slide16.xml><?xml version="1.0" encoding="utf-8"?>
+<file path=ppt/slides/slide17.xml><?xml version="1.0" encoding="utf-8"?>
 <p:sld xmlns:a="http://schemas.openxmlformats.org/drawingml/2006/main" xmlns:r="http://schemas.openxmlformats.org/officeDocument/2006/relationships" xmlns:p="http://schemas.openxmlformats.org/presentationml/2006/main">
   <p:cSld>
     <p:spTree>
@@ -4636,7 +4764,7 @@
 </p:sld>
 </file>
 
-<file path=ppt/slides/slide17.xml><?xml version="1.0" encoding="utf-8"?>
+<file path=ppt/slides/slide18.xml><?xml version="1.0" encoding="utf-8"?>
 <p:sld xmlns:a="http://schemas.openxmlformats.org/drawingml/2006/main" xmlns:r="http://schemas.openxmlformats.org/officeDocument/2006/relationships" xmlns:p="http://schemas.openxmlformats.org/presentationml/2006/main">
   <p:cSld>
     <p:spTree>
@@ -4729,7 +4857,7 @@
 </p:sld>
 </file>
 
-<file path=ppt/slides/slide18.xml><?xml version="1.0" encoding="utf-8"?>
+<file path=ppt/slides/slide19.xml><?xml version="1.0" encoding="utf-8"?>
 <p:sld xmlns:a="http://schemas.openxmlformats.org/drawingml/2006/main" xmlns:r="http://schemas.openxmlformats.org/officeDocument/2006/relationships" xmlns:p="http://schemas.openxmlformats.org/presentationml/2006/main">
   <p:cSld>
     <p:spTree>
@@ -4879,7 +5007,134 @@
 </p:sld>
 </file>
 
-<file path=ppt/slides/slide19.xml><?xml version="1.0" encoding="utf-8"?>
+<file path=ppt/slides/slide2.xml><?xml version="1.0" encoding="utf-8"?>
+<p:sld xmlns:a="http://schemas.openxmlformats.org/drawingml/2006/main" xmlns:r="http://schemas.openxmlformats.org/officeDocument/2006/relationships" xmlns:p="http://schemas.openxmlformats.org/presentationml/2006/main">
+  <p:cSld>
+    <p:spTree>
+      <p:nvGrpSpPr>
+        <p:cNvPr id="1" name=""/>
+        <p:cNvGrpSpPr/>
+        <p:nvPr/>
+      </p:nvGrpSpPr>
+      <p:grpSpPr>
+        <a:xfrm>
+          <a:off x="0" y="0"/>
+          <a:ext cx="0" cy="0"/>
+          <a:chOff x="0" y="0"/>
+          <a:chExt cx="0" cy="0"/>
+        </a:xfrm>
+      </p:grpSpPr>
+      <p:sp>
+        <p:nvSpPr>
+          <p:cNvPr id="2" name="Titre 1">
+            <a:extLst>
+              <a:ext uri="{FF2B5EF4-FFF2-40B4-BE49-F238E27FC236}">
+                <a16:creationId xmlns:a16="http://schemas.microsoft.com/office/drawing/2014/main" id="{D560D86D-2709-303E-5D7C-F0B552B9DE1B}"/>
+              </a:ext>
+            </a:extLst>
+          </p:cNvPr>
+          <p:cNvSpPr>
+            <a:spLocks noGrp="1"/>
+          </p:cNvSpPr>
+          <p:nvPr>
+            <p:ph type="title"/>
+          </p:nvPr>
+        </p:nvSpPr>
+        <p:spPr/>
+        <p:txBody>
+          <a:bodyPr/>
+          <a:lstStyle/>
+          <a:p>
+            <a:endParaRPr lang="fr-FR"/>
+          </a:p>
+        </p:txBody>
+      </p:sp>
+      <p:sp>
+        <p:nvSpPr>
+          <p:cNvPr id="3" name="Espace réservé du contenu 2">
+            <a:extLst>
+              <a:ext uri="{FF2B5EF4-FFF2-40B4-BE49-F238E27FC236}">
+                <a16:creationId xmlns:a16="http://schemas.microsoft.com/office/drawing/2014/main" id="{565D204C-2320-13F1-ED14-511363A83C62}"/>
+              </a:ext>
+            </a:extLst>
+          </p:cNvPr>
+          <p:cNvSpPr>
+            <a:spLocks noGrp="1"/>
+          </p:cNvSpPr>
+          <p:nvPr>
+            <p:ph idx="1"/>
+          </p:nvPr>
+        </p:nvSpPr>
+        <p:spPr/>
+        <p:txBody>
+          <a:bodyPr/>
+          <a:lstStyle/>
+          <a:p>
+            <a:endParaRPr lang="fr-FR"/>
+          </a:p>
+        </p:txBody>
+      </p:sp>
+      <p:pic>
+        <p:nvPicPr>
+          <p:cNvPr id="1026" name="Picture 2" descr="1_hfyjxxcfingbcyzcgksaiq">
+            <a:extLst>
+              <a:ext uri="{FF2B5EF4-FFF2-40B4-BE49-F238E27FC236}">
+                <a16:creationId xmlns:a16="http://schemas.microsoft.com/office/drawing/2014/main" id="{67996479-C4E7-7607-FDF5-3514EE6E4CE2}"/>
+              </a:ext>
+            </a:extLst>
+          </p:cNvPr>
+          <p:cNvPicPr>
+            <a:picLocks noChangeAspect="1" noChangeArrowheads="1"/>
+          </p:cNvPicPr>
+          <p:nvPr/>
+        </p:nvPicPr>
+        <p:blipFill>
+          <a:blip r:embed="rId2">
+            <a:extLst>
+              <a:ext uri="{28A0092B-C50C-407E-A947-70E740481C1C}">
+                <a14:useLocalDpi xmlns:a14="http://schemas.microsoft.com/office/drawing/2010/main" val="0"/>
+              </a:ext>
+            </a:extLst>
+          </a:blip>
+          <a:srcRect/>
+          <a:stretch>
+            <a:fillRect/>
+          </a:stretch>
+        </p:blipFill>
+        <p:spPr bwMode="auto">
+          <a:xfrm>
+            <a:off x="0" y="1268759"/>
+            <a:ext cx="8964488" cy="5134207"/>
+          </a:xfrm>
+          <a:prstGeom prst="rect">
+            <a:avLst/>
+          </a:prstGeom>
+          <a:noFill/>
+          <a:extLst>
+            <a:ext uri="{909E8E84-426E-40DD-AFC4-6F175D3DCCD1}">
+              <a14:hiddenFill xmlns:a14="http://schemas.microsoft.com/office/drawing/2010/main">
+                <a:solidFill>
+                  <a:srgbClr val="FFFFFF"/>
+                </a:solidFill>
+              </a14:hiddenFill>
+            </a:ext>
+          </a:extLst>
+        </p:spPr>
+      </p:pic>
+    </p:spTree>
+    <p:extLst>
+      <p:ext uri="{BB962C8B-B14F-4D97-AF65-F5344CB8AC3E}">
+        <p14:creationId xmlns:p14="http://schemas.microsoft.com/office/powerpoint/2010/main" val="1406232579"/>
+      </p:ext>
+    </p:extLst>
+  </p:cSld>
+  <p:clrMapOvr>
+    <a:masterClrMapping/>
+  </p:clrMapOvr>
+</p:sld>
+</file>
+
+<file path=ppt/slides/slide20.xml><?xml version="1.0" encoding="utf-8"?>
 <p:sld xmlns:a="http://schemas.openxmlformats.org/drawingml/2006/main" xmlns:r="http://schemas.openxmlformats.org/officeDocument/2006/relationships" xmlns:p="http://schemas.openxmlformats.org/presentationml/2006/main">
   <p:cSld>
     <p:spTree>
@@ -5012,7 +5267,996 @@
 </p:sld>
 </file>
 
-<file path=ppt/slides/slide2.xml><?xml version="1.0" encoding="utf-8"?>
+<file path=ppt/slides/slide21.xml><?xml version="1.0" encoding="utf-8"?>
+<p:sld xmlns:a="http://schemas.openxmlformats.org/drawingml/2006/main" xmlns:r="http://schemas.openxmlformats.org/officeDocument/2006/relationships" xmlns:p="http://schemas.openxmlformats.org/presentationml/2006/main">
+  <p:cSld>
+    <p:spTree>
+      <p:nvGrpSpPr>
+        <p:cNvPr id="1" name=""/>
+        <p:cNvGrpSpPr/>
+        <p:nvPr/>
+      </p:nvGrpSpPr>
+      <p:grpSpPr>
+        <a:xfrm>
+          <a:off x="0" y="0"/>
+          <a:ext cx="0" cy="0"/>
+          <a:chOff x="0" y="0"/>
+          <a:chExt cx="0" cy="0"/>
+        </a:xfrm>
+      </p:grpSpPr>
+      <p:sp>
+        <p:nvSpPr>
+          <p:cNvPr id="2" name="Titre 1"/>
+          <p:cNvSpPr>
+            <a:spLocks noGrp="1"/>
+          </p:cNvSpPr>
+          <p:nvPr>
+            <p:ph type="title"/>
+          </p:nvPr>
+        </p:nvSpPr>
+        <p:spPr/>
+        <p:txBody>
+          <a:bodyPr/>
+          <a:lstStyle/>
+          <a:p>
+            <a:r>
+              <a:rPr lang="fr-FR" dirty="0"/>
+              <a:t>Workflow</a:t>
+            </a:r>
+          </a:p>
+        </p:txBody>
+      </p:sp>
+      <p:pic>
+        <p:nvPicPr>
+          <p:cNvPr id="7170" name="Picture 2" descr="Un détail de des deux phases du process de machine learning."/>
+          <p:cNvPicPr>
+            <a:picLocks noGrp="1" noChangeAspect="1" noChangeArrowheads="1"/>
+          </p:cNvPicPr>
+          <p:nvPr>
+            <p:ph idx="1"/>
+          </p:nvPr>
+        </p:nvPicPr>
+        <p:blipFill>
+          <a:blip r:embed="rId2">
+            <a:extLst>
+              <a:ext uri="{28A0092B-C50C-407E-A947-70E740481C1C}">
+                <a14:useLocalDpi xmlns:a14="http://schemas.microsoft.com/office/drawing/2010/main" val="0"/>
+              </a:ext>
+            </a:extLst>
+          </a:blip>
+          <a:srcRect/>
+          <a:stretch>
+            <a:fillRect/>
+          </a:stretch>
+        </p:blipFill>
+        <p:spPr bwMode="auto">
+          <a:xfrm>
+            <a:off x="1187624" y="1268760"/>
+            <a:ext cx="6902073" cy="4678809"/>
+          </a:xfrm>
+          <a:prstGeom prst="rect">
+            <a:avLst/>
+          </a:prstGeom>
+          <a:noFill/>
+          <a:extLst>
+            <a:ext uri="{909E8E84-426E-40DD-AFC4-6F175D3DCCD1}">
+              <a14:hiddenFill xmlns:a14="http://schemas.microsoft.com/office/drawing/2010/main">
+                <a:solidFill>
+                  <a:srgbClr val="FFFFFF"/>
+                </a:solidFill>
+              </a14:hiddenFill>
+            </a:ext>
+          </a:extLst>
+        </p:spPr>
+      </p:pic>
+    </p:spTree>
+    <p:extLst>
+      <p:ext uri="{BB962C8B-B14F-4D97-AF65-F5344CB8AC3E}">
+        <p14:creationId xmlns:p14="http://schemas.microsoft.com/office/powerpoint/2010/main" val="4097198819"/>
+      </p:ext>
+    </p:extLst>
+  </p:cSld>
+  <p:clrMapOvr>
+    <a:masterClrMapping/>
+  </p:clrMapOvr>
+</p:sld>
+</file>
+
+<file path=ppt/slides/slide22.xml><?xml version="1.0" encoding="utf-8"?>
+<p:sld xmlns:a="http://schemas.openxmlformats.org/drawingml/2006/main" xmlns:r="http://schemas.openxmlformats.org/officeDocument/2006/relationships" xmlns:p="http://schemas.openxmlformats.org/presentationml/2006/main">
+  <p:cSld>
+    <p:spTree>
+      <p:nvGrpSpPr>
+        <p:cNvPr id="1" name=""/>
+        <p:cNvGrpSpPr/>
+        <p:nvPr/>
+      </p:nvGrpSpPr>
+      <p:grpSpPr>
+        <a:xfrm>
+          <a:off x="0" y="0"/>
+          <a:ext cx="0" cy="0"/>
+          <a:chOff x="0" y="0"/>
+          <a:chExt cx="0" cy="0"/>
+        </a:xfrm>
+      </p:grpSpPr>
+      <p:sp>
+        <p:nvSpPr>
+          <p:cNvPr id="2" name="Titre 1">
+            <a:extLst>
+              <a:ext uri="{FF2B5EF4-FFF2-40B4-BE49-F238E27FC236}">
+                <a16:creationId xmlns:a16="http://schemas.microsoft.com/office/drawing/2014/main" id="{FB82FC04-0A9B-400B-8C05-1432E9255E26}"/>
+              </a:ext>
+            </a:extLst>
+          </p:cNvPr>
+          <p:cNvSpPr>
+            <a:spLocks noGrp="1"/>
+          </p:cNvSpPr>
+          <p:nvPr>
+            <p:ph type="title"/>
+          </p:nvPr>
+        </p:nvSpPr>
+        <p:spPr/>
+        <p:txBody>
+          <a:bodyPr/>
+          <a:lstStyle/>
+          <a:p>
+            <a:endParaRPr lang="fr-FR"/>
+          </a:p>
+        </p:txBody>
+      </p:sp>
+      <p:sp>
+        <p:nvSpPr>
+          <p:cNvPr id="3" name="Espace réservé du contenu 2">
+            <a:extLst>
+              <a:ext uri="{FF2B5EF4-FFF2-40B4-BE49-F238E27FC236}">
+                <a16:creationId xmlns:a16="http://schemas.microsoft.com/office/drawing/2014/main" id="{2F16A41E-3275-4616-926A-28F1DD3B14B9}"/>
+              </a:ext>
+            </a:extLst>
+          </p:cNvPr>
+          <p:cNvSpPr>
+            <a:spLocks noGrp="1"/>
+          </p:cNvSpPr>
+          <p:nvPr>
+            <p:ph idx="1"/>
+          </p:nvPr>
+        </p:nvSpPr>
+        <p:spPr/>
+        <p:txBody>
+          <a:bodyPr/>
+          <a:lstStyle/>
+          <a:p>
+            <a:r>
+              <a:rPr lang="fr-FR" dirty="0"/>
+              <a:t>f(x) = </a:t>
+            </a:r>
+            <a:r>
+              <a:rPr lang="fr-FR" dirty="0" err="1"/>
+              <a:t>ax</a:t>
+            </a:r>
+            <a:r>
+              <a:rPr lang="fr-FR" dirty="0"/>
+              <a:t> + b</a:t>
+            </a:r>
+          </a:p>
+          <a:p>
+            <a:r>
+              <a:rPr lang="fr-FR" dirty="0"/>
+              <a:t>Apprentissage = trouver a et b</a:t>
+            </a:r>
+          </a:p>
+        </p:txBody>
+      </p:sp>
+    </p:spTree>
+    <p:extLst>
+      <p:ext uri="{BB962C8B-B14F-4D97-AF65-F5344CB8AC3E}">
+        <p14:creationId xmlns:p14="http://schemas.microsoft.com/office/powerpoint/2010/main" val="3359075816"/>
+      </p:ext>
+    </p:extLst>
+  </p:cSld>
+  <p:clrMapOvr>
+    <a:masterClrMapping/>
+  </p:clrMapOvr>
+</p:sld>
+</file>
+
+<file path=ppt/slides/slide23.xml><?xml version="1.0" encoding="utf-8"?>
+<p:sld xmlns:a="http://schemas.openxmlformats.org/drawingml/2006/main" xmlns:r="http://schemas.openxmlformats.org/officeDocument/2006/relationships" xmlns:p="http://schemas.openxmlformats.org/presentationml/2006/main">
+  <p:cSld>
+    <p:spTree>
+      <p:nvGrpSpPr>
+        <p:cNvPr id="1" name=""/>
+        <p:cNvGrpSpPr/>
+        <p:nvPr/>
+      </p:nvGrpSpPr>
+      <p:grpSpPr>
+        <a:xfrm>
+          <a:off x="0" y="0"/>
+          <a:ext cx="0" cy="0"/>
+          <a:chOff x="0" y="0"/>
+          <a:chExt cx="0" cy="0"/>
+        </a:xfrm>
+      </p:grpSpPr>
+      <p:sp>
+        <p:nvSpPr>
+          <p:cNvPr id="2" name="Titre 1"/>
+          <p:cNvSpPr>
+            <a:spLocks noGrp="1"/>
+          </p:cNvSpPr>
+          <p:nvPr>
+            <p:ph type="title"/>
+          </p:nvPr>
+        </p:nvSpPr>
+        <p:spPr/>
+        <p:txBody>
+          <a:bodyPr/>
+          <a:lstStyle/>
+          <a:p>
+            <a:r>
+              <a:rPr lang="fr-FR" dirty="0"/>
+              <a:t>Notre travail</a:t>
+            </a:r>
+          </a:p>
+        </p:txBody>
+      </p:sp>
+      <p:sp>
+        <p:nvSpPr>
+          <p:cNvPr id="3" name="Espace réservé du contenu 2"/>
+          <p:cNvSpPr>
+            <a:spLocks noGrp="1"/>
+          </p:cNvSpPr>
+          <p:nvPr>
+            <p:ph idx="1"/>
+          </p:nvPr>
+        </p:nvSpPr>
+        <p:spPr/>
+        <p:txBody>
+          <a:bodyPr/>
+          <a:lstStyle/>
+          <a:p>
+            <a:r>
+              <a:rPr lang="fr-FR" dirty="0"/>
+              <a:t>Le travail du data </a:t>
+            </a:r>
+            <a:r>
+              <a:rPr lang="fr-FR" dirty="0" err="1"/>
+              <a:t>scientist</a:t>
+            </a:r>
+            <a:r>
+              <a:rPr lang="fr-FR" dirty="0"/>
+              <a:t> en machine </a:t>
+            </a:r>
+            <a:r>
+              <a:rPr lang="fr-FR" dirty="0" err="1"/>
+              <a:t>learning</a:t>
+            </a:r>
+            <a:r>
+              <a:rPr lang="fr-FR" dirty="0"/>
+              <a:t> consiste à sélectionner les bonnes données test, choisir et entraîner le bon algorithme en vérifiant grâce à l'analyse d'erreurs que le modèle devient de plus en plus performant et robuste</a:t>
+            </a:r>
+          </a:p>
+          <a:p>
+            <a:r>
+              <a:rPr lang="fr-FR" dirty="0"/>
+              <a:t>Si les performances s'améliorent lorsqu'on lui fourni les données d'entraînement, on dit alors que la machine "apprend".</a:t>
+            </a:r>
+          </a:p>
+          <a:p>
+            <a:r>
+              <a:rPr lang="fr-FR" dirty="0"/>
+              <a:t>Le data </a:t>
+            </a:r>
+            <a:r>
+              <a:rPr lang="fr-FR" dirty="0" err="1"/>
+              <a:t>scientist</a:t>
+            </a:r>
+            <a:r>
+              <a:rPr lang="fr-FR" dirty="0"/>
+              <a:t> peut ensuite déployer le modèle afin qu'il traite de nouvelles données, pour accomplir la tâche (prédiction</a:t>
+            </a:r>
+            <a:r>
+              <a:rPr lang="fr-FR"/>
+              <a:t>, décision, ...).</a:t>
+            </a:r>
+            <a:endParaRPr lang="fr-FR" dirty="0"/>
+          </a:p>
+        </p:txBody>
+      </p:sp>
+    </p:spTree>
+    <p:extLst>
+      <p:ext uri="{BB962C8B-B14F-4D97-AF65-F5344CB8AC3E}">
+        <p14:creationId xmlns:p14="http://schemas.microsoft.com/office/powerpoint/2010/main" val="2335869725"/>
+      </p:ext>
+    </p:extLst>
+  </p:cSld>
+  <p:clrMapOvr>
+    <a:masterClrMapping/>
+  </p:clrMapOvr>
+</p:sld>
+</file>
+
+<file path=ppt/slides/slide24.xml><?xml version="1.0" encoding="utf-8"?>
+<p:sld xmlns:a="http://schemas.openxmlformats.org/drawingml/2006/main" xmlns:r="http://schemas.openxmlformats.org/officeDocument/2006/relationships" xmlns:p="http://schemas.openxmlformats.org/presentationml/2006/main">
+  <p:cSld>
+    <p:spTree>
+      <p:nvGrpSpPr>
+        <p:cNvPr id="1" name=""/>
+        <p:cNvGrpSpPr/>
+        <p:nvPr/>
+      </p:nvGrpSpPr>
+      <p:grpSpPr>
+        <a:xfrm>
+          <a:off x="0" y="0"/>
+          <a:ext cx="0" cy="0"/>
+          <a:chOff x="0" y="0"/>
+          <a:chExt cx="0" cy="0"/>
+        </a:xfrm>
+      </p:grpSpPr>
+      <p:sp>
+        <p:nvSpPr>
+          <p:cNvPr id="2" name="Titre 1"/>
+          <p:cNvSpPr>
+            <a:spLocks noGrp="1"/>
+          </p:cNvSpPr>
+          <p:nvPr>
+            <p:ph type="title"/>
+          </p:nvPr>
+        </p:nvSpPr>
+        <p:spPr/>
+        <p:txBody>
+          <a:bodyPr/>
+          <a:lstStyle/>
+          <a:p>
+            <a:r>
+              <a:rPr lang="fr-FR" dirty="0"/>
+              <a:t>L'algorithme d'apprentissage</a:t>
+            </a:r>
+          </a:p>
+        </p:txBody>
+      </p:sp>
+      <p:sp>
+        <p:nvSpPr>
+          <p:cNvPr id="3" name="Espace réservé du contenu 2"/>
+          <p:cNvSpPr>
+            <a:spLocks noGrp="1"/>
+          </p:cNvSpPr>
+          <p:nvPr>
+            <p:ph idx="1"/>
+          </p:nvPr>
+        </p:nvSpPr>
+        <p:spPr/>
+        <p:txBody>
+          <a:bodyPr/>
+          <a:lstStyle/>
+          <a:p>
+            <a:r>
+              <a:rPr lang="fr-FR" dirty="0"/>
+              <a:t>L'algorithme d'apprentissage constitue la méthode avec laquelle le modèle statistique va se paramétrer à partir des données d'exemple</a:t>
+            </a:r>
+          </a:p>
+          <a:p>
+            <a:pPr lvl="1"/>
+            <a:r>
+              <a:rPr lang="fr-FR" dirty="0"/>
+              <a:t>Il existe de nombreux algorithmes différents !</a:t>
+            </a:r>
+          </a:p>
+          <a:p>
+            <a:pPr lvl="1"/>
+            <a:r>
+              <a:rPr lang="fr-FR" dirty="0"/>
+              <a:t>On choisira un type d'algorithme particulier en fonction du type de tâche que l'on souhaite accomplir et du type de données dont on dispose</a:t>
+            </a:r>
+          </a:p>
+        </p:txBody>
+      </p:sp>
+    </p:spTree>
+    <p:extLst>
+      <p:ext uri="{BB962C8B-B14F-4D97-AF65-F5344CB8AC3E}">
+        <p14:creationId xmlns:p14="http://schemas.microsoft.com/office/powerpoint/2010/main" val="1834491022"/>
+      </p:ext>
+    </p:extLst>
+  </p:cSld>
+  <p:clrMapOvr>
+    <a:masterClrMapping/>
+  </p:clrMapOvr>
+</p:sld>
+</file>
+
+<file path=ppt/slides/slide25.xml><?xml version="1.0" encoding="utf-8"?>
+<p:sld xmlns:a="http://schemas.openxmlformats.org/drawingml/2006/main" xmlns:r="http://schemas.openxmlformats.org/officeDocument/2006/relationships" xmlns:p="http://schemas.openxmlformats.org/presentationml/2006/main">
+  <p:cSld>
+    <p:spTree>
+      <p:nvGrpSpPr>
+        <p:cNvPr id="1" name=""/>
+        <p:cNvGrpSpPr/>
+        <p:nvPr/>
+      </p:nvGrpSpPr>
+      <p:grpSpPr>
+        <a:xfrm>
+          <a:off x="0" y="0"/>
+          <a:ext cx="0" cy="0"/>
+          <a:chOff x="0" y="0"/>
+          <a:chExt cx="0" cy="0"/>
+        </a:xfrm>
+      </p:grpSpPr>
+      <p:sp>
+        <p:nvSpPr>
+          <p:cNvPr id="2" name="Titre 1"/>
+          <p:cNvSpPr>
+            <a:spLocks noGrp="1"/>
+          </p:cNvSpPr>
+          <p:nvPr>
+            <p:ph type="title"/>
+          </p:nvPr>
+        </p:nvSpPr>
+        <p:spPr/>
+        <p:txBody>
+          <a:bodyPr/>
+          <a:lstStyle/>
+          <a:p>
+            <a:r>
+              <a:rPr lang="fr-FR" dirty="0"/>
+              <a:t>Exemples</a:t>
+            </a:r>
+          </a:p>
+        </p:txBody>
+      </p:sp>
+      <p:sp>
+        <p:nvSpPr>
+          <p:cNvPr id="3" name="Espace réservé du contenu 2"/>
+          <p:cNvSpPr>
+            <a:spLocks noGrp="1"/>
+          </p:cNvSpPr>
+          <p:nvPr>
+            <p:ph idx="1"/>
+          </p:nvPr>
+        </p:nvSpPr>
+        <p:spPr/>
+        <p:txBody>
+          <a:bodyPr/>
+          <a:lstStyle/>
+          <a:p>
+            <a:r>
+              <a:rPr lang="fr-FR" dirty="0"/>
+              <a:t>Quelques exemples d'algorithmes de machine </a:t>
+            </a:r>
+            <a:r>
+              <a:rPr lang="fr-FR" dirty="0" err="1"/>
+              <a:t>learning</a:t>
+            </a:r>
+            <a:r>
+              <a:rPr lang="fr-FR" dirty="0"/>
+              <a:t>, dont vous avez peut-être déjà entendu parler :</a:t>
+            </a:r>
+          </a:p>
+          <a:p>
+            <a:pPr lvl="1"/>
+            <a:r>
+              <a:rPr lang="fr-FR" dirty="0"/>
+              <a:t>La régression linéaire</a:t>
+            </a:r>
+          </a:p>
+          <a:p>
+            <a:pPr lvl="1"/>
+            <a:r>
+              <a:rPr lang="fr-FR" dirty="0" err="1"/>
+              <a:t>K-nn</a:t>
+            </a:r>
+            <a:endParaRPr lang="fr-FR" dirty="0"/>
+          </a:p>
+          <a:p>
+            <a:pPr lvl="1"/>
+            <a:r>
+              <a:rPr lang="fr-FR" dirty="0"/>
+              <a:t>Les Support </a:t>
+            </a:r>
+            <a:r>
+              <a:rPr lang="fr-FR" dirty="0" err="1"/>
+              <a:t>Vector</a:t>
+            </a:r>
+            <a:r>
+              <a:rPr lang="fr-FR" dirty="0"/>
+              <a:t> Machine (SVM)</a:t>
+            </a:r>
+          </a:p>
+          <a:p>
+            <a:pPr lvl="1"/>
+            <a:r>
+              <a:rPr lang="fr-FR" dirty="0"/>
+              <a:t>Les réseaux de neurones</a:t>
+            </a:r>
+          </a:p>
+          <a:p>
+            <a:pPr lvl="1"/>
+            <a:r>
+              <a:rPr lang="fr-FR" dirty="0"/>
+              <a:t>Les </a:t>
+            </a:r>
+            <a:r>
+              <a:rPr lang="fr-FR" dirty="0" err="1"/>
+              <a:t>random</a:t>
+            </a:r>
+            <a:r>
+              <a:rPr lang="fr-FR" dirty="0"/>
+              <a:t> </a:t>
+            </a:r>
+            <a:r>
+              <a:rPr lang="fr-FR" dirty="0" err="1"/>
+              <a:t>forests</a:t>
+            </a:r>
+            <a:endParaRPr lang="fr-FR" dirty="0"/>
+          </a:p>
+          <a:p>
+            <a:pPr lvl="1"/>
+            <a:r>
+              <a:rPr lang="fr-FR" dirty="0"/>
+              <a:t>etc.</a:t>
+            </a:r>
+          </a:p>
+        </p:txBody>
+      </p:sp>
+    </p:spTree>
+    <p:extLst>
+      <p:ext uri="{BB962C8B-B14F-4D97-AF65-F5344CB8AC3E}">
+        <p14:creationId xmlns:p14="http://schemas.microsoft.com/office/powerpoint/2010/main" val="4152399014"/>
+      </p:ext>
+    </p:extLst>
+  </p:cSld>
+  <p:clrMapOvr>
+    <a:masterClrMapping/>
+  </p:clrMapOvr>
+</p:sld>
+</file>
+
+<file path=ppt/slides/slide26.xml><?xml version="1.0" encoding="utf-8"?>
+<p:sld xmlns:a="http://schemas.openxmlformats.org/drawingml/2006/main" xmlns:r="http://schemas.openxmlformats.org/officeDocument/2006/relationships" xmlns:p="http://schemas.openxmlformats.org/presentationml/2006/main">
+  <p:cSld>
+    <p:spTree>
+      <p:nvGrpSpPr>
+        <p:cNvPr id="1" name=""/>
+        <p:cNvGrpSpPr/>
+        <p:nvPr/>
+      </p:nvGrpSpPr>
+      <p:grpSpPr>
+        <a:xfrm>
+          <a:off x="0" y="0"/>
+          <a:ext cx="0" cy="0"/>
+          <a:chOff x="0" y="0"/>
+          <a:chExt cx="0" cy="0"/>
+        </a:xfrm>
+      </p:grpSpPr>
+      <p:sp>
+        <p:nvSpPr>
+          <p:cNvPr id="2" name="Titre 1"/>
+          <p:cNvSpPr>
+            <a:spLocks noGrp="1"/>
+          </p:cNvSpPr>
+          <p:nvPr>
+            <p:ph type="title"/>
+          </p:nvPr>
+        </p:nvSpPr>
+        <p:spPr/>
+        <p:txBody>
+          <a:bodyPr/>
+          <a:lstStyle/>
+          <a:p>
+            <a:r>
+              <a:rPr lang="fr-FR" dirty="0"/>
+              <a:t>Mesure de performance</a:t>
+            </a:r>
+          </a:p>
+        </p:txBody>
+      </p:sp>
+      <p:sp>
+        <p:nvSpPr>
+          <p:cNvPr id="3" name="Espace réservé du contenu 2"/>
+          <p:cNvSpPr>
+            <a:spLocks noGrp="1"/>
+          </p:cNvSpPr>
+          <p:nvPr>
+            <p:ph idx="1"/>
+          </p:nvPr>
+        </p:nvSpPr>
+        <p:spPr/>
+        <p:txBody>
+          <a:bodyPr/>
+          <a:lstStyle/>
+          <a:p>
+            <a:r>
+              <a:rPr lang="fr-FR" dirty="0"/>
+              <a:t>Mesurer les performances fait partie intégrante du travail de modélisation. Il faut en général déterminer une mesure principale, souvent spécifique à la tâche à accomplir</a:t>
+            </a:r>
+          </a:p>
+          <a:p>
+            <a:endParaRPr lang="fr-FR" dirty="0"/>
+          </a:p>
+        </p:txBody>
+      </p:sp>
+    </p:spTree>
+    <p:extLst>
+      <p:ext uri="{BB962C8B-B14F-4D97-AF65-F5344CB8AC3E}">
+        <p14:creationId xmlns:p14="http://schemas.microsoft.com/office/powerpoint/2010/main" val="1973774351"/>
+      </p:ext>
+    </p:extLst>
+  </p:cSld>
+  <p:clrMapOvr>
+    <a:masterClrMapping/>
+  </p:clrMapOvr>
+</p:sld>
+</file>
+
+<file path=ppt/slides/slide27.xml><?xml version="1.0" encoding="utf-8"?>
+<p:sld xmlns:a="http://schemas.openxmlformats.org/drawingml/2006/main" xmlns:r="http://schemas.openxmlformats.org/officeDocument/2006/relationships" xmlns:p="http://schemas.openxmlformats.org/presentationml/2006/main">
+  <p:cSld>
+    <p:spTree>
+      <p:nvGrpSpPr>
+        <p:cNvPr id="1" name=""/>
+        <p:cNvGrpSpPr/>
+        <p:nvPr/>
+      </p:nvGrpSpPr>
+      <p:grpSpPr>
+        <a:xfrm>
+          <a:off x="0" y="0"/>
+          <a:ext cx="0" cy="0"/>
+          <a:chOff x="0" y="0"/>
+          <a:chExt cx="0" cy="0"/>
+        </a:xfrm>
+      </p:grpSpPr>
+      <p:sp>
+        <p:nvSpPr>
+          <p:cNvPr id="2" name="Titre 1"/>
+          <p:cNvSpPr>
+            <a:spLocks noGrp="1"/>
+          </p:cNvSpPr>
+          <p:nvPr>
+            <p:ph type="title"/>
+          </p:nvPr>
+        </p:nvSpPr>
+        <p:spPr/>
+        <p:txBody>
+          <a:bodyPr/>
+          <a:lstStyle/>
+          <a:p>
+            <a:r>
+              <a:rPr lang="fr-FR" dirty="0"/>
+              <a:t>Exemple</a:t>
+            </a:r>
+          </a:p>
+        </p:txBody>
+      </p:sp>
+      <p:sp>
+        <p:nvSpPr>
+          <p:cNvPr id="3" name="Espace réservé du contenu 2"/>
+          <p:cNvSpPr>
+            <a:spLocks noGrp="1"/>
+          </p:cNvSpPr>
+          <p:nvPr>
+            <p:ph idx="1"/>
+          </p:nvPr>
+        </p:nvSpPr>
+        <p:spPr/>
+        <p:txBody>
+          <a:bodyPr/>
+          <a:lstStyle/>
+          <a:p>
+            <a:r>
+              <a:rPr lang="fr-FR" sz="2400" dirty="0"/>
+              <a:t>Imaginez que vous voulez créer un algorithme de détection de fraudes bancaires</a:t>
+            </a:r>
+          </a:p>
+          <a:p>
+            <a:pPr lvl="1"/>
+            <a:r>
+              <a:rPr lang="fr-FR" sz="2000" dirty="0"/>
+              <a:t>Vous voulez mesurer à quel point votre programme est performant</a:t>
+            </a:r>
+          </a:p>
+          <a:p>
+            <a:r>
+              <a:rPr lang="fr-FR" sz="2400" dirty="0"/>
+              <a:t>Une manière de faire serait de mesurer la proportion totale de transaction détectées comme fraude</a:t>
+            </a:r>
+          </a:p>
+          <a:p>
+            <a:pPr lvl="1"/>
+            <a:r>
+              <a:rPr lang="fr-FR" sz="2000" dirty="0"/>
+              <a:t>Cependant, on compte ici les transactions qui ne sont pas des fraudes et qui ont quand même été notées comme en étant (appelé "faux positifs")</a:t>
+            </a:r>
+          </a:p>
+          <a:p>
+            <a:pPr lvl="1"/>
+            <a:r>
+              <a:rPr lang="fr-FR" sz="2000" dirty="0"/>
+              <a:t>Donc, avec ce genre de métriques, on est pas exigeant sur ce type d'erreur que produit notre algorithme</a:t>
+            </a:r>
+          </a:p>
+          <a:p>
+            <a:r>
+              <a:rPr lang="fr-FR" sz="2400" dirty="0"/>
+              <a:t>Il faut peut être, utiliser une autre métrique plus pertinente. Par exemple, la précision qui est la proportion de "vraies fraudes" détectées par rapport au total de transactions </a:t>
+            </a:r>
+            <a:r>
+              <a:rPr lang="fr-FR" sz="2400" dirty="0" err="1"/>
+              <a:t>flagées</a:t>
+            </a:r>
+            <a:r>
+              <a:rPr lang="fr-FR" sz="2400" dirty="0"/>
+              <a:t> comme fraudes</a:t>
+            </a:r>
+          </a:p>
+        </p:txBody>
+      </p:sp>
+    </p:spTree>
+    <p:extLst>
+      <p:ext uri="{BB962C8B-B14F-4D97-AF65-F5344CB8AC3E}">
+        <p14:creationId xmlns:p14="http://schemas.microsoft.com/office/powerpoint/2010/main" val="1447999638"/>
+      </p:ext>
+    </p:extLst>
+  </p:cSld>
+  <p:clrMapOvr>
+    <a:masterClrMapping/>
+  </p:clrMapOvr>
+</p:sld>
+</file>
+
+<file path=ppt/slides/slide28.xml><?xml version="1.0" encoding="utf-8"?>
+<p:sld xmlns:a="http://schemas.openxmlformats.org/drawingml/2006/main" xmlns:r="http://schemas.openxmlformats.org/officeDocument/2006/relationships" xmlns:p="http://schemas.openxmlformats.org/presentationml/2006/main">
+  <p:cSld>
+    <p:spTree>
+      <p:nvGrpSpPr>
+        <p:cNvPr id="1" name=""/>
+        <p:cNvGrpSpPr/>
+        <p:nvPr/>
+      </p:nvGrpSpPr>
+      <p:grpSpPr>
+        <a:xfrm>
+          <a:off x="0" y="0"/>
+          <a:ext cx="0" cy="0"/>
+          <a:chOff x="0" y="0"/>
+          <a:chExt cx="0" cy="0"/>
+        </a:xfrm>
+      </p:grpSpPr>
+      <p:sp>
+        <p:nvSpPr>
+          <p:cNvPr id="2" name="Titre 1"/>
+          <p:cNvSpPr>
+            <a:spLocks noGrp="1"/>
+          </p:cNvSpPr>
+          <p:nvPr>
+            <p:ph type="title"/>
+          </p:nvPr>
+        </p:nvSpPr>
+        <p:spPr/>
+        <p:txBody>
+          <a:bodyPr/>
+          <a:lstStyle/>
+          <a:p>
+            <a:r>
+              <a:rPr lang="fr-FR" dirty="0"/>
+              <a:t>Autre exemple</a:t>
+            </a:r>
+          </a:p>
+        </p:txBody>
+      </p:sp>
+      <p:sp>
+        <p:nvSpPr>
+          <p:cNvPr id="3" name="Espace réservé du contenu 2"/>
+          <p:cNvSpPr>
+            <a:spLocks noGrp="1"/>
+          </p:cNvSpPr>
+          <p:nvPr>
+            <p:ph idx="1"/>
+          </p:nvPr>
+        </p:nvSpPr>
+        <p:spPr/>
+        <p:txBody>
+          <a:bodyPr/>
+          <a:lstStyle/>
+          <a:p>
+            <a:r>
+              <a:rPr lang="fr-FR" dirty="0"/>
+              <a:t>Dans la détection de maladie comme la méningite le nombre de faux positif n’est pas très important</a:t>
+            </a:r>
+          </a:p>
+          <a:p>
+            <a:r>
+              <a:rPr lang="fr-FR" dirty="0"/>
+              <a:t>Alors que le nombre de faux négatif est potentiellement mortel</a:t>
+            </a:r>
+          </a:p>
+        </p:txBody>
+      </p:sp>
+    </p:spTree>
+    <p:extLst>
+      <p:ext uri="{BB962C8B-B14F-4D97-AF65-F5344CB8AC3E}">
+        <p14:creationId xmlns:p14="http://schemas.microsoft.com/office/powerpoint/2010/main" val="989672997"/>
+      </p:ext>
+    </p:extLst>
+  </p:cSld>
+  <p:clrMapOvr>
+    <a:masterClrMapping/>
+  </p:clrMapOvr>
+</p:sld>
+</file>
+
+<file path=ppt/slides/slide29.xml><?xml version="1.0" encoding="utf-8"?>
+<p:sld xmlns:a="http://schemas.openxmlformats.org/drawingml/2006/main" xmlns:r="http://schemas.openxmlformats.org/officeDocument/2006/relationships" xmlns:p="http://schemas.openxmlformats.org/presentationml/2006/main">
+  <p:cSld>
+    <p:spTree>
+      <p:nvGrpSpPr>
+        <p:cNvPr id="1" name=""/>
+        <p:cNvGrpSpPr/>
+        <p:nvPr/>
+      </p:nvGrpSpPr>
+      <p:grpSpPr>
+        <a:xfrm>
+          <a:off x="0" y="0"/>
+          <a:ext cx="0" cy="0"/>
+          <a:chOff x="0" y="0"/>
+          <a:chExt cx="0" cy="0"/>
+        </a:xfrm>
+      </p:grpSpPr>
+      <p:sp>
+        <p:nvSpPr>
+          <p:cNvPr id="2" name="Titre 1"/>
+          <p:cNvSpPr>
+            <a:spLocks noGrp="1"/>
+          </p:cNvSpPr>
+          <p:nvPr>
+            <p:ph type="title"/>
+          </p:nvPr>
+        </p:nvSpPr>
+        <p:spPr/>
+        <p:txBody>
+          <a:bodyPr/>
+          <a:lstStyle/>
+          <a:p>
+            <a:r>
+              <a:rPr lang="fr-FR" dirty="0"/>
+              <a:t>Démarrer le machine </a:t>
+            </a:r>
+            <a:r>
+              <a:rPr lang="fr-FR" dirty="0" err="1"/>
+              <a:t>learning</a:t>
+            </a:r>
+            <a:endParaRPr lang="fr-FR" dirty="0"/>
+          </a:p>
+        </p:txBody>
+      </p:sp>
+      <p:sp>
+        <p:nvSpPr>
+          <p:cNvPr id="3" name="Espace réservé du contenu 2"/>
+          <p:cNvSpPr>
+            <a:spLocks noGrp="1"/>
+          </p:cNvSpPr>
+          <p:nvPr>
+            <p:ph idx="1"/>
+          </p:nvPr>
+        </p:nvSpPr>
+        <p:spPr/>
+        <p:txBody>
+          <a:bodyPr/>
+          <a:lstStyle/>
+          <a:p>
+            <a:r>
+              <a:rPr lang="fr-FR" dirty="0"/>
+              <a:t>Nous avons un </a:t>
+            </a:r>
+            <a:r>
+              <a:rPr lang="fr-FR" dirty="0" err="1"/>
+              <a:t>datalake</a:t>
+            </a:r>
+            <a:endParaRPr lang="fr-FR" dirty="0"/>
+          </a:p>
+          <a:p>
+            <a:r>
+              <a:rPr lang="fr-FR" dirty="0"/>
+              <a:t>Nous avons le </a:t>
+            </a:r>
+            <a:r>
+              <a:rPr lang="fr-FR" dirty="0" err="1"/>
+              <a:t>datamart</a:t>
+            </a:r>
+            <a:r>
+              <a:rPr lang="fr-FR" dirty="0"/>
+              <a:t> structuré et nettoyé</a:t>
+            </a:r>
+          </a:p>
+          <a:p>
+            <a:r>
+              <a:rPr lang="fr-FR" dirty="0"/>
+              <a:t>L’objectif du machine </a:t>
+            </a:r>
+            <a:r>
+              <a:rPr lang="fr-FR" dirty="0" err="1"/>
+              <a:t>learning</a:t>
+            </a:r>
+            <a:r>
+              <a:rPr lang="fr-FR" dirty="0"/>
+              <a:t> est de trouver un modèle qui effectue une approximation de la réalité, à l’aide de laquelle on va pouvoir effectuer des prédictions</a:t>
+            </a:r>
+          </a:p>
+          <a:p>
+            <a:r>
+              <a:rPr lang="fr-FR" dirty="0"/>
+              <a:t>DATA = Model + Bruit</a:t>
+            </a:r>
+          </a:p>
+          <a:p>
+            <a:pPr lvl="1"/>
+            <a:r>
+              <a:rPr lang="fr-FR" dirty="0"/>
+              <a:t>Model = cercle</a:t>
+            </a:r>
+          </a:p>
+          <a:p>
+            <a:pPr lvl="1"/>
+            <a:r>
+              <a:rPr lang="fr-FR" dirty="0"/>
+              <a:t>Bruit = écart data réelle vs cercle</a:t>
+            </a:r>
+          </a:p>
+          <a:p>
+            <a:endParaRPr lang="fr-FR" dirty="0"/>
+          </a:p>
+        </p:txBody>
+      </p:sp>
+      <p:pic>
+        <p:nvPicPr>
+          <p:cNvPr id="5122" name="Picture 2" descr="Ici on voit facilement qu'on peut approximer le modèle à l'origine des données par un cercle"/>
+          <p:cNvPicPr>
+            <a:picLocks noChangeAspect="1" noChangeArrowheads="1"/>
+          </p:cNvPicPr>
+          <p:nvPr/>
+        </p:nvPicPr>
+        <p:blipFill>
+          <a:blip r:embed="rId2">
+            <a:extLst>
+              <a:ext uri="{28A0092B-C50C-407E-A947-70E740481C1C}">
+                <a14:useLocalDpi xmlns:a14="http://schemas.microsoft.com/office/drawing/2010/main" val="0"/>
+              </a:ext>
+            </a:extLst>
+          </a:blip>
+          <a:srcRect/>
+          <a:stretch>
+            <a:fillRect/>
+          </a:stretch>
+        </p:blipFill>
+        <p:spPr bwMode="auto">
+          <a:xfrm>
+            <a:off x="5436096" y="3753747"/>
+            <a:ext cx="3096344" cy="2956156"/>
+          </a:xfrm>
+          <a:prstGeom prst="rect">
+            <a:avLst/>
+          </a:prstGeom>
+          <a:noFill/>
+          <a:extLst>
+            <a:ext uri="{909E8E84-426E-40DD-AFC4-6F175D3DCCD1}">
+              <a14:hiddenFill xmlns:a14="http://schemas.microsoft.com/office/drawing/2010/main">
+                <a:solidFill>
+                  <a:srgbClr val="FFFFFF"/>
+                </a:solidFill>
+              </a14:hiddenFill>
+            </a:ext>
+          </a:extLst>
+        </p:spPr>
+      </p:pic>
+    </p:spTree>
+    <p:extLst>
+      <p:ext uri="{BB962C8B-B14F-4D97-AF65-F5344CB8AC3E}">
+        <p14:creationId xmlns:p14="http://schemas.microsoft.com/office/powerpoint/2010/main" val="811408202"/>
+      </p:ext>
+    </p:extLst>
+  </p:cSld>
+  <p:clrMapOvr>
+    <a:masterClrMapping/>
+  </p:clrMapOvr>
+</p:sld>
+</file>
+
+<file path=ppt/slides/slide3.xml><?xml version="1.0" encoding="utf-8"?>
 <p:sld xmlns:a="http://schemas.openxmlformats.org/drawingml/2006/main" xmlns:r="http://schemas.openxmlformats.org/officeDocument/2006/relationships" xmlns:p="http://schemas.openxmlformats.org/presentationml/2006/main">
   <p:cSld>
     <p:spTree>
@@ -5105,7 +6349,7 @@
 </p:sld>
 </file>
 
-<file path=ppt/slides/slide20.xml><?xml version="1.0" encoding="utf-8"?>
+<file path=ppt/slides/slide30.xml><?xml version="1.0" encoding="utf-8"?>
 <p:sld xmlns:a="http://schemas.openxmlformats.org/drawingml/2006/main" xmlns:r="http://schemas.openxmlformats.org/officeDocument/2006/relationships" xmlns:p="http://schemas.openxmlformats.org/presentationml/2006/main">
   <p:cSld>
     <p:spTree>
@@ -5138,995 +6382,6 @@
           <a:lstStyle/>
           <a:p>
             <a:r>
-              <a:rPr lang="fr-FR" dirty="0"/>
-              <a:t>Workflow</a:t>
-            </a:r>
-          </a:p>
-        </p:txBody>
-      </p:sp>
-      <p:pic>
-        <p:nvPicPr>
-          <p:cNvPr id="7170" name="Picture 2" descr="Un détail de des deux phases du process de machine learning."/>
-          <p:cNvPicPr>
-            <a:picLocks noGrp="1" noChangeAspect="1" noChangeArrowheads="1"/>
-          </p:cNvPicPr>
-          <p:nvPr>
-            <p:ph idx="1"/>
-          </p:nvPr>
-        </p:nvPicPr>
-        <p:blipFill>
-          <a:blip r:embed="rId2">
-            <a:extLst>
-              <a:ext uri="{28A0092B-C50C-407E-A947-70E740481C1C}">
-                <a14:useLocalDpi xmlns:a14="http://schemas.microsoft.com/office/drawing/2010/main" val="0"/>
-              </a:ext>
-            </a:extLst>
-          </a:blip>
-          <a:srcRect/>
-          <a:stretch>
-            <a:fillRect/>
-          </a:stretch>
-        </p:blipFill>
-        <p:spPr bwMode="auto">
-          <a:xfrm>
-            <a:off x="1187624" y="1268760"/>
-            <a:ext cx="6902073" cy="4678809"/>
-          </a:xfrm>
-          <a:prstGeom prst="rect">
-            <a:avLst/>
-          </a:prstGeom>
-          <a:noFill/>
-          <a:extLst>
-            <a:ext uri="{909E8E84-426E-40DD-AFC4-6F175D3DCCD1}">
-              <a14:hiddenFill xmlns:a14="http://schemas.microsoft.com/office/drawing/2010/main">
-                <a:solidFill>
-                  <a:srgbClr val="FFFFFF"/>
-                </a:solidFill>
-              </a14:hiddenFill>
-            </a:ext>
-          </a:extLst>
-        </p:spPr>
-      </p:pic>
-    </p:spTree>
-    <p:extLst>
-      <p:ext uri="{BB962C8B-B14F-4D97-AF65-F5344CB8AC3E}">
-        <p14:creationId xmlns:p14="http://schemas.microsoft.com/office/powerpoint/2010/main" val="4097198819"/>
-      </p:ext>
-    </p:extLst>
-  </p:cSld>
-  <p:clrMapOvr>
-    <a:masterClrMapping/>
-  </p:clrMapOvr>
-</p:sld>
-</file>
-
-<file path=ppt/slides/slide21.xml><?xml version="1.0" encoding="utf-8"?>
-<p:sld xmlns:a="http://schemas.openxmlformats.org/drawingml/2006/main" xmlns:r="http://schemas.openxmlformats.org/officeDocument/2006/relationships" xmlns:p="http://schemas.openxmlformats.org/presentationml/2006/main">
-  <p:cSld>
-    <p:spTree>
-      <p:nvGrpSpPr>
-        <p:cNvPr id="1" name=""/>
-        <p:cNvGrpSpPr/>
-        <p:nvPr/>
-      </p:nvGrpSpPr>
-      <p:grpSpPr>
-        <a:xfrm>
-          <a:off x="0" y="0"/>
-          <a:ext cx="0" cy="0"/>
-          <a:chOff x="0" y="0"/>
-          <a:chExt cx="0" cy="0"/>
-        </a:xfrm>
-      </p:grpSpPr>
-      <p:sp>
-        <p:nvSpPr>
-          <p:cNvPr id="2" name="Titre 1">
-            <a:extLst>
-              <a:ext uri="{FF2B5EF4-FFF2-40B4-BE49-F238E27FC236}">
-                <a16:creationId xmlns:a16="http://schemas.microsoft.com/office/drawing/2014/main" id="{FB82FC04-0A9B-400B-8C05-1432E9255E26}"/>
-              </a:ext>
-            </a:extLst>
-          </p:cNvPr>
-          <p:cNvSpPr>
-            <a:spLocks noGrp="1"/>
-          </p:cNvSpPr>
-          <p:nvPr>
-            <p:ph type="title"/>
-          </p:nvPr>
-        </p:nvSpPr>
-        <p:spPr/>
-        <p:txBody>
-          <a:bodyPr/>
-          <a:lstStyle/>
-          <a:p>
-            <a:endParaRPr lang="fr-FR"/>
-          </a:p>
-        </p:txBody>
-      </p:sp>
-      <p:sp>
-        <p:nvSpPr>
-          <p:cNvPr id="3" name="Espace réservé du contenu 2">
-            <a:extLst>
-              <a:ext uri="{FF2B5EF4-FFF2-40B4-BE49-F238E27FC236}">
-                <a16:creationId xmlns:a16="http://schemas.microsoft.com/office/drawing/2014/main" id="{2F16A41E-3275-4616-926A-28F1DD3B14B9}"/>
-              </a:ext>
-            </a:extLst>
-          </p:cNvPr>
-          <p:cNvSpPr>
-            <a:spLocks noGrp="1"/>
-          </p:cNvSpPr>
-          <p:nvPr>
-            <p:ph idx="1"/>
-          </p:nvPr>
-        </p:nvSpPr>
-        <p:spPr/>
-        <p:txBody>
-          <a:bodyPr/>
-          <a:lstStyle/>
-          <a:p>
-            <a:r>
-              <a:rPr lang="fr-FR" dirty="0"/>
-              <a:t>f(x) = </a:t>
-            </a:r>
-            <a:r>
-              <a:rPr lang="fr-FR" dirty="0" err="1"/>
-              <a:t>ax</a:t>
-            </a:r>
-            <a:r>
-              <a:rPr lang="fr-FR" dirty="0"/>
-              <a:t> + b</a:t>
-            </a:r>
-          </a:p>
-          <a:p>
-            <a:r>
-              <a:rPr lang="fr-FR" dirty="0"/>
-              <a:t>Apprentissage = trouver a et b</a:t>
-            </a:r>
-          </a:p>
-        </p:txBody>
-      </p:sp>
-    </p:spTree>
-    <p:extLst>
-      <p:ext uri="{BB962C8B-B14F-4D97-AF65-F5344CB8AC3E}">
-        <p14:creationId xmlns:p14="http://schemas.microsoft.com/office/powerpoint/2010/main" val="3359075816"/>
-      </p:ext>
-    </p:extLst>
-  </p:cSld>
-  <p:clrMapOvr>
-    <a:masterClrMapping/>
-  </p:clrMapOvr>
-</p:sld>
-</file>
-
-<file path=ppt/slides/slide22.xml><?xml version="1.0" encoding="utf-8"?>
-<p:sld xmlns:a="http://schemas.openxmlformats.org/drawingml/2006/main" xmlns:r="http://schemas.openxmlformats.org/officeDocument/2006/relationships" xmlns:p="http://schemas.openxmlformats.org/presentationml/2006/main">
-  <p:cSld>
-    <p:spTree>
-      <p:nvGrpSpPr>
-        <p:cNvPr id="1" name=""/>
-        <p:cNvGrpSpPr/>
-        <p:nvPr/>
-      </p:nvGrpSpPr>
-      <p:grpSpPr>
-        <a:xfrm>
-          <a:off x="0" y="0"/>
-          <a:ext cx="0" cy="0"/>
-          <a:chOff x="0" y="0"/>
-          <a:chExt cx="0" cy="0"/>
-        </a:xfrm>
-      </p:grpSpPr>
-      <p:sp>
-        <p:nvSpPr>
-          <p:cNvPr id="2" name="Titre 1"/>
-          <p:cNvSpPr>
-            <a:spLocks noGrp="1"/>
-          </p:cNvSpPr>
-          <p:nvPr>
-            <p:ph type="title"/>
-          </p:nvPr>
-        </p:nvSpPr>
-        <p:spPr/>
-        <p:txBody>
-          <a:bodyPr/>
-          <a:lstStyle/>
-          <a:p>
-            <a:r>
-              <a:rPr lang="fr-FR" dirty="0"/>
-              <a:t>Notre travail</a:t>
-            </a:r>
-          </a:p>
-        </p:txBody>
-      </p:sp>
-      <p:sp>
-        <p:nvSpPr>
-          <p:cNvPr id="3" name="Espace réservé du contenu 2"/>
-          <p:cNvSpPr>
-            <a:spLocks noGrp="1"/>
-          </p:cNvSpPr>
-          <p:nvPr>
-            <p:ph idx="1"/>
-          </p:nvPr>
-        </p:nvSpPr>
-        <p:spPr/>
-        <p:txBody>
-          <a:bodyPr/>
-          <a:lstStyle/>
-          <a:p>
-            <a:r>
-              <a:rPr lang="fr-FR" dirty="0"/>
-              <a:t>Le travail du data </a:t>
-            </a:r>
-            <a:r>
-              <a:rPr lang="fr-FR" dirty="0" err="1"/>
-              <a:t>scientist</a:t>
-            </a:r>
-            <a:r>
-              <a:rPr lang="fr-FR" dirty="0"/>
-              <a:t> en machine </a:t>
-            </a:r>
-            <a:r>
-              <a:rPr lang="fr-FR" dirty="0" err="1"/>
-              <a:t>learning</a:t>
-            </a:r>
-            <a:r>
-              <a:rPr lang="fr-FR" dirty="0"/>
-              <a:t> consiste à sélectionner les bonnes données test, choisir et entraîner le bon algorithme en vérifiant grâce à l'analyse d'erreurs que le modèle devient de plus en plus performant et robuste</a:t>
-            </a:r>
-          </a:p>
-          <a:p>
-            <a:r>
-              <a:rPr lang="fr-FR" dirty="0"/>
-              <a:t>Si les performances s'améliorent lorsqu'on lui fourni les données d'entraînement, on dit alors que la machine "apprend".</a:t>
-            </a:r>
-          </a:p>
-          <a:p>
-            <a:r>
-              <a:rPr lang="fr-FR" dirty="0"/>
-              <a:t>Le data </a:t>
-            </a:r>
-            <a:r>
-              <a:rPr lang="fr-FR" dirty="0" err="1"/>
-              <a:t>scientist</a:t>
-            </a:r>
-            <a:r>
-              <a:rPr lang="fr-FR" dirty="0"/>
-              <a:t> peut ensuite déployer le modèle afin qu'il traite de nouvelles données, pour accomplir la tâche (prédiction</a:t>
-            </a:r>
-            <a:r>
-              <a:rPr lang="fr-FR"/>
-              <a:t>, décision, ...).</a:t>
-            </a:r>
-            <a:endParaRPr lang="fr-FR" dirty="0"/>
-          </a:p>
-        </p:txBody>
-      </p:sp>
-    </p:spTree>
-    <p:extLst>
-      <p:ext uri="{BB962C8B-B14F-4D97-AF65-F5344CB8AC3E}">
-        <p14:creationId xmlns:p14="http://schemas.microsoft.com/office/powerpoint/2010/main" val="2335869725"/>
-      </p:ext>
-    </p:extLst>
-  </p:cSld>
-  <p:clrMapOvr>
-    <a:masterClrMapping/>
-  </p:clrMapOvr>
-</p:sld>
-</file>
-
-<file path=ppt/slides/slide23.xml><?xml version="1.0" encoding="utf-8"?>
-<p:sld xmlns:a="http://schemas.openxmlformats.org/drawingml/2006/main" xmlns:r="http://schemas.openxmlformats.org/officeDocument/2006/relationships" xmlns:p="http://schemas.openxmlformats.org/presentationml/2006/main">
-  <p:cSld>
-    <p:spTree>
-      <p:nvGrpSpPr>
-        <p:cNvPr id="1" name=""/>
-        <p:cNvGrpSpPr/>
-        <p:nvPr/>
-      </p:nvGrpSpPr>
-      <p:grpSpPr>
-        <a:xfrm>
-          <a:off x="0" y="0"/>
-          <a:ext cx="0" cy="0"/>
-          <a:chOff x="0" y="0"/>
-          <a:chExt cx="0" cy="0"/>
-        </a:xfrm>
-      </p:grpSpPr>
-      <p:sp>
-        <p:nvSpPr>
-          <p:cNvPr id="2" name="Titre 1"/>
-          <p:cNvSpPr>
-            <a:spLocks noGrp="1"/>
-          </p:cNvSpPr>
-          <p:nvPr>
-            <p:ph type="title"/>
-          </p:nvPr>
-        </p:nvSpPr>
-        <p:spPr/>
-        <p:txBody>
-          <a:bodyPr/>
-          <a:lstStyle/>
-          <a:p>
-            <a:r>
-              <a:rPr lang="fr-FR" dirty="0"/>
-              <a:t>L'algorithme d'apprentissage</a:t>
-            </a:r>
-          </a:p>
-        </p:txBody>
-      </p:sp>
-      <p:sp>
-        <p:nvSpPr>
-          <p:cNvPr id="3" name="Espace réservé du contenu 2"/>
-          <p:cNvSpPr>
-            <a:spLocks noGrp="1"/>
-          </p:cNvSpPr>
-          <p:nvPr>
-            <p:ph idx="1"/>
-          </p:nvPr>
-        </p:nvSpPr>
-        <p:spPr/>
-        <p:txBody>
-          <a:bodyPr/>
-          <a:lstStyle/>
-          <a:p>
-            <a:r>
-              <a:rPr lang="fr-FR" dirty="0"/>
-              <a:t>L'algorithme d'apprentissage constitue la méthode avec laquelle le modèle statistique va se paramétrer à partir des données d'exemple</a:t>
-            </a:r>
-          </a:p>
-          <a:p>
-            <a:pPr lvl="1"/>
-            <a:r>
-              <a:rPr lang="fr-FR" dirty="0"/>
-              <a:t>Il existe de nombreux algorithmes différents !</a:t>
-            </a:r>
-          </a:p>
-          <a:p>
-            <a:pPr lvl="1"/>
-            <a:r>
-              <a:rPr lang="fr-FR" dirty="0"/>
-              <a:t>On choisira un type d'algorithme particulier en fonction du type de tâche que l'on souhaite accomplir et du type de données dont on dispose</a:t>
-            </a:r>
-          </a:p>
-        </p:txBody>
-      </p:sp>
-    </p:spTree>
-    <p:extLst>
-      <p:ext uri="{BB962C8B-B14F-4D97-AF65-F5344CB8AC3E}">
-        <p14:creationId xmlns:p14="http://schemas.microsoft.com/office/powerpoint/2010/main" val="1834491022"/>
-      </p:ext>
-    </p:extLst>
-  </p:cSld>
-  <p:clrMapOvr>
-    <a:masterClrMapping/>
-  </p:clrMapOvr>
-</p:sld>
-</file>
-
-<file path=ppt/slides/slide24.xml><?xml version="1.0" encoding="utf-8"?>
-<p:sld xmlns:a="http://schemas.openxmlformats.org/drawingml/2006/main" xmlns:r="http://schemas.openxmlformats.org/officeDocument/2006/relationships" xmlns:p="http://schemas.openxmlformats.org/presentationml/2006/main">
-  <p:cSld>
-    <p:spTree>
-      <p:nvGrpSpPr>
-        <p:cNvPr id="1" name=""/>
-        <p:cNvGrpSpPr/>
-        <p:nvPr/>
-      </p:nvGrpSpPr>
-      <p:grpSpPr>
-        <a:xfrm>
-          <a:off x="0" y="0"/>
-          <a:ext cx="0" cy="0"/>
-          <a:chOff x="0" y="0"/>
-          <a:chExt cx="0" cy="0"/>
-        </a:xfrm>
-      </p:grpSpPr>
-      <p:sp>
-        <p:nvSpPr>
-          <p:cNvPr id="2" name="Titre 1"/>
-          <p:cNvSpPr>
-            <a:spLocks noGrp="1"/>
-          </p:cNvSpPr>
-          <p:nvPr>
-            <p:ph type="title"/>
-          </p:nvPr>
-        </p:nvSpPr>
-        <p:spPr/>
-        <p:txBody>
-          <a:bodyPr/>
-          <a:lstStyle/>
-          <a:p>
-            <a:r>
-              <a:rPr lang="fr-FR" dirty="0"/>
-              <a:t>Exemples</a:t>
-            </a:r>
-          </a:p>
-        </p:txBody>
-      </p:sp>
-      <p:sp>
-        <p:nvSpPr>
-          <p:cNvPr id="3" name="Espace réservé du contenu 2"/>
-          <p:cNvSpPr>
-            <a:spLocks noGrp="1"/>
-          </p:cNvSpPr>
-          <p:nvPr>
-            <p:ph idx="1"/>
-          </p:nvPr>
-        </p:nvSpPr>
-        <p:spPr/>
-        <p:txBody>
-          <a:bodyPr/>
-          <a:lstStyle/>
-          <a:p>
-            <a:r>
-              <a:rPr lang="fr-FR" dirty="0"/>
-              <a:t>Quelques exemples d'algorithmes de machine </a:t>
-            </a:r>
-            <a:r>
-              <a:rPr lang="fr-FR" dirty="0" err="1"/>
-              <a:t>learning</a:t>
-            </a:r>
-            <a:r>
-              <a:rPr lang="fr-FR" dirty="0"/>
-              <a:t>, dont vous avez peut-être déjà entendu parler :</a:t>
-            </a:r>
-          </a:p>
-          <a:p>
-            <a:pPr lvl="1"/>
-            <a:r>
-              <a:rPr lang="fr-FR" dirty="0"/>
-              <a:t>La régression linéaire</a:t>
-            </a:r>
-          </a:p>
-          <a:p>
-            <a:pPr lvl="1"/>
-            <a:r>
-              <a:rPr lang="fr-FR" dirty="0" err="1"/>
-              <a:t>K-nn</a:t>
-            </a:r>
-            <a:endParaRPr lang="fr-FR" dirty="0"/>
-          </a:p>
-          <a:p>
-            <a:pPr lvl="1"/>
-            <a:r>
-              <a:rPr lang="fr-FR" dirty="0"/>
-              <a:t>Les Support </a:t>
-            </a:r>
-            <a:r>
-              <a:rPr lang="fr-FR" dirty="0" err="1"/>
-              <a:t>Vector</a:t>
-            </a:r>
-            <a:r>
-              <a:rPr lang="fr-FR" dirty="0"/>
-              <a:t> Machine (SVM)</a:t>
-            </a:r>
-          </a:p>
-          <a:p>
-            <a:pPr lvl="1"/>
-            <a:r>
-              <a:rPr lang="fr-FR" dirty="0"/>
-              <a:t>Les réseaux de neurones</a:t>
-            </a:r>
-          </a:p>
-          <a:p>
-            <a:pPr lvl="1"/>
-            <a:r>
-              <a:rPr lang="fr-FR" dirty="0"/>
-              <a:t>Les </a:t>
-            </a:r>
-            <a:r>
-              <a:rPr lang="fr-FR" dirty="0" err="1"/>
-              <a:t>random</a:t>
-            </a:r>
-            <a:r>
-              <a:rPr lang="fr-FR" dirty="0"/>
-              <a:t> </a:t>
-            </a:r>
-            <a:r>
-              <a:rPr lang="fr-FR" dirty="0" err="1"/>
-              <a:t>forests</a:t>
-            </a:r>
-            <a:endParaRPr lang="fr-FR" dirty="0"/>
-          </a:p>
-          <a:p>
-            <a:pPr lvl="1"/>
-            <a:r>
-              <a:rPr lang="fr-FR" dirty="0"/>
-              <a:t>etc.</a:t>
-            </a:r>
-          </a:p>
-        </p:txBody>
-      </p:sp>
-    </p:spTree>
-    <p:extLst>
-      <p:ext uri="{BB962C8B-B14F-4D97-AF65-F5344CB8AC3E}">
-        <p14:creationId xmlns:p14="http://schemas.microsoft.com/office/powerpoint/2010/main" val="4152399014"/>
-      </p:ext>
-    </p:extLst>
-  </p:cSld>
-  <p:clrMapOvr>
-    <a:masterClrMapping/>
-  </p:clrMapOvr>
-</p:sld>
-</file>
-
-<file path=ppt/slides/slide25.xml><?xml version="1.0" encoding="utf-8"?>
-<p:sld xmlns:a="http://schemas.openxmlformats.org/drawingml/2006/main" xmlns:r="http://schemas.openxmlformats.org/officeDocument/2006/relationships" xmlns:p="http://schemas.openxmlformats.org/presentationml/2006/main">
-  <p:cSld>
-    <p:spTree>
-      <p:nvGrpSpPr>
-        <p:cNvPr id="1" name=""/>
-        <p:cNvGrpSpPr/>
-        <p:nvPr/>
-      </p:nvGrpSpPr>
-      <p:grpSpPr>
-        <a:xfrm>
-          <a:off x="0" y="0"/>
-          <a:ext cx="0" cy="0"/>
-          <a:chOff x="0" y="0"/>
-          <a:chExt cx="0" cy="0"/>
-        </a:xfrm>
-      </p:grpSpPr>
-      <p:sp>
-        <p:nvSpPr>
-          <p:cNvPr id="2" name="Titre 1"/>
-          <p:cNvSpPr>
-            <a:spLocks noGrp="1"/>
-          </p:cNvSpPr>
-          <p:nvPr>
-            <p:ph type="title"/>
-          </p:nvPr>
-        </p:nvSpPr>
-        <p:spPr/>
-        <p:txBody>
-          <a:bodyPr/>
-          <a:lstStyle/>
-          <a:p>
-            <a:r>
-              <a:rPr lang="fr-FR" dirty="0"/>
-              <a:t>Mesure de performance</a:t>
-            </a:r>
-          </a:p>
-        </p:txBody>
-      </p:sp>
-      <p:sp>
-        <p:nvSpPr>
-          <p:cNvPr id="3" name="Espace réservé du contenu 2"/>
-          <p:cNvSpPr>
-            <a:spLocks noGrp="1"/>
-          </p:cNvSpPr>
-          <p:nvPr>
-            <p:ph idx="1"/>
-          </p:nvPr>
-        </p:nvSpPr>
-        <p:spPr/>
-        <p:txBody>
-          <a:bodyPr/>
-          <a:lstStyle/>
-          <a:p>
-            <a:r>
-              <a:rPr lang="fr-FR" dirty="0"/>
-              <a:t>Mesurer les performances fait partie intégrante du travail de modélisation. Il faut en général déterminer une mesure principale, souvent spécifique à la tâche à accomplir</a:t>
-            </a:r>
-          </a:p>
-          <a:p>
-            <a:endParaRPr lang="fr-FR" dirty="0"/>
-          </a:p>
-        </p:txBody>
-      </p:sp>
-    </p:spTree>
-    <p:extLst>
-      <p:ext uri="{BB962C8B-B14F-4D97-AF65-F5344CB8AC3E}">
-        <p14:creationId xmlns:p14="http://schemas.microsoft.com/office/powerpoint/2010/main" val="1973774351"/>
-      </p:ext>
-    </p:extLst>
-  </p:cSld>
-  <p:clrMapOvr>
-    <a:masterClrMapping/>
-  </p:clrMapOvr>
-</p:sld>
-</file>
-
-<file path=ppt/slides/slide26.xml><?xml version="1.0" encoding="utf-8"?>
-<p:sld xmlns:a="http://schemas.openxmlformats.org/drawingml/2006/main" xmlns:r="http://schemas.openxmlformats.org/officeDocument/2006/relationships" xmlns:p="http://schemas.openxmlformats.org/presentationml/2006/main">
-  <p:cSld>
-    <p:spTree>
-      <p:nvGrpSpPr>
-        <p:cNvPr id="1" name=""/>
-        <p:cNvGrpSpPr/>
-        <p:nvPr/>
-      </p:nvGrpSpPr>
-      <p:grpSpPr>
-        <a:xfrm>
-          <a:off x="0" y="0"/>
-          <a:ext cx="0" cy="0"/>
-          <a:chOff x="0" y="0"/>
-          <a:chExt cx="0" cy="0"/>
-        </a:xfrm>
-      </p:grpSpPr>
-      <p:sp>
-        <p:nvSpPr>
-          <p:cNvPr id="2" name="Titre 1"/>
-          <p:cNvSpPr>
-            <a:spLocks noGrp="1"/>
-          </p:cNvSpPr>
-          <p:nvPr>
-            <p:ph type="title"/>
-          </p:nvPr>
-        </p:nvSpPr>
-        <p:spPr/>
-        <p:txBody>
-          <a:bodyPr/>
-          <a:lstStyle/>
-          <a:p>
-            <a:r>
-              <a:rPr lang="fr-FR" dirty="0"/>
-              <a:t>Exemple</a:t>
-            </a:r>
-          </a:p>
-        </p:txBody>
-      </p:sp>
-      <p:sp>
-        <p:nvSpPr>
-          <p:cNvPr id="3" name="Espace réservé du contenu 2"/>
-          <p:cNvSpPr>
-            <a:spLocks noGrp="1"/>
-          </p:cNvSpPr>
-          <p:nvPr>
-            <p:ph idx="1"/>
-          </p:nvPr>
-        </p:nvSpPr>
-        <p:spPr/>
-        <p:txBody>
-          <a:bodyPr/>
-          <a:lstStyle/>
-          <a:p>
-            <a:r>
-              <a:rPr lang="fr-FR" sz="2400" dirty="0"/>
-              <a:t>Imaginez que vous voulez créer un algorithme de détection de fraudes bancaires</a:t>
-            </a:r>
-          </a:p>
-          <a:p>
-            <a:pPr lvl="1"/>
-            <a:r>
-              <a:rPr lang="fr-FR" sz="2000" dirty="0"/>
-              <a:t>Vous voulez mesurer à quel point votre programme est performant</a:t>
-            </a:r>
-          </a:p>
-          <a:p>
-            <a:r>
-              <a:rPr lang="fr-FR" sz="2400" dirty="0"/>
-              <a:t>Une manière de faire serait de mesurer la proportion totale de transaction détectées comme fraude</a:t>
-            </a:r>
-          </a:p>
-          <a:p>
-            <a:pPr lvl="1"/>
-            <a:r>
-              <a:rPr lang="fr-FR" sz="2000" dirty="0"/>
-              <a:t>Cependant, on compte ici les transactions qui ne sont pas des fraudes et qui ont quand même été notées comme en étant (appelé "faux positifs")</a:t>
-            </a:r>
-          </a:p>
-          <a:p>
-            <a:pPr lvl="1"/>
-            <a:r>
-              <a:rPr lang="fr-FR" sz="2000" dirty="0"/>
-              <a:t>Donc, avec ce genre de métriques, on est pas exigeant sur ce type d'erreur que produit notre algorithme</a:t>
-            </a:r>
-          </a:p>
-          <a:p>
-            <a:r>
-              <a:rPr lang="fr-FR" sz="2400" dirty="0"/>
-              <a:t>Il faut peut être, utiliser une autre métrique plus pertinente. Par exemple, la précision qui est la proportion de "vraies fraudes" détectées par rapport au total de transactions </a:t>
-            </a:r>
-            <a:r>
-              <a:rPr lang="fr-FR" sz="2400" dirty="0" err="1"/>
-              <a:t>flagées</a:t>
-            </a:r>
-            <a:r>
-              <a:rPr lang="fr-FR" sz="2400" dirty="0"/>
-              <a:t> comme fraudes</a:t>
-            </a:r>
-          </a:p>
-        </p:txBody>
-      </p:sp>
-    </p:spTree>
-    <p:extLst>
-      <p:ext uri="{BB962C8B-B14F-4D97-AF65-F5344CB8AC3E}">
-        <p14:creationId xmlns:p14="http://schemas.microsoft.com/office/powerpoint/2010/main" val="1447999638"/>
-      </p:ext>
-    </p:extLst>
-  </p:cSld>
-  <p:clrMapOvr>
-    <a:masterClrMapping/>
-  </p:clrMapOvr>
-</p:sld>
-</file>
-
-<file path=ppt/slides/slide27.xml><?xml version="1.0" encoding="utf-8"?>
-<p:sld xmlns:a="http://schemas.openxmlformats.org/drawingml/2006/main" xmlns:r="http://schemas.openxmlformats.org/officeDocument/2006/relationships" xmlns:p="http://schemas.openxmlformats.org/presentationml/2006/main">
-  <p:cSld>
-    <p:spTree>
-      <p:nvGrpSpPr>
-        <p:cNvPr id="1" name=""/>
-        <p:cNvGrpSpPr/>
-        <p:nvPr/>
-      </p:nvGrpSpPr>
-      <p:grpSpPr>
-        <a:xfrm>
-          <a:off x="0" y="0"/>
-          <a:ext cx="0" cy="0"/>
-          <a:chOff x="0" y="0"/>
-          <a:chExt cx="0" cy="0"/>
-        </a:xfrm>
-      </p:grpSpPr>
-      <p:sp>
-        <p:nvSpPr>
-          <p:cNvPr id="2" name="Titre 1"/>
-          <p:cNvSpPr>
-            <a:spLocks noGrp="1"/>
-          </p:cNvSpPr>
-          <p:nvPr>
-            <p:ph type="title"/>
-          </p:nvPr>
-        </p:nvSpPr>
-        <p:spPr/>
-        <p:txBody>
-          <a:bodyPr/>
-          <a:lstStyle/>
-          <a:p>
-            <a:r>
-              <a:rPr lang="fr-FR" dirty="0"/>
-              <a:t>Autre exemple</a:t>
-            </a:r>
-          </a:p>
-        </p:txBody>
-      </p:sp>
-      <p:sp>
-        <p:nvSpPr>
-          <p:cNvPr id="3" name="Espace réservé du contenu 2"/>
-          <p:cNvSpPr>
-            <a:spLocks noGrp="1"/>
-          </p:cNvSpPr>
-          <p:nvPr>
-            <p:ph idx="1"/>
-          </p:nvPr>
-        </p:nvSpPr>
-        <p:spPr/>
-        <p:txBody>
-          <a:bodyPr/>
-          <a:lstStyle/>
-          <a:p>
-            <a:r>
-              <a:rPr lang="fr-FR" dirty="0"/>
-              <a:t>Dans la détection de maladie comme la méningite le nombre de faux positif n’est pas très important</a:t>
-            </a:r>
-          </a:p>
-          <a:p>
-            <a:r>
-              <a:rPr lang="fr-FR" dirty="0"/>
-              <a:t>Alors que le nombre de faux négatif est potentiellement mortel</a:t>
-            </a:r>
-          </a:p>
-        </p:txBody>
-      </p:sp>
-    </p:spTree>
-    <p:extLst>
-      <p:ext uri="{BB962C8B-B14F-4D97-AF65-F5344CB8AC3E}">
-        <p14:creationId xmlns:p14="http://schemas.microsoft.com/office/powerpoint/2010/main" val="989672997"/>
-      </p:ext>
-    </p:extLst>
-  </p:cSld>
-  <p:clrMapOvr>
-    <a:masterClrMapping/>
-  </p:clrMapOvr>
-</p:sld>
-</file>
-
-<file path=ppt/slides/slide28.xml><?xml version="1.0" encoding="utf-8"?>
-<p:sld xmlns:a="http://schemas.openxmlformats.org/drawingml/2006/main" xmlns:r="http://schemas.openxmlformats.org/officeDocument/2006/relationships" xmlns:p="http://schemas.openxmlformats.org/presentationml/2006/main">
-  <p:cSld>
-    <p:spTree>
-      <p:nvGrpSpPr>
-        <p:cNvPr id="1" name=""/>
-        <p:cNvGrpSpPr/>
-        <p:nvPr/>
-      </p:nvGrpSpPr>
-      <p:grpSpPr>
-        <a:xfrm>
-          <a:off x="0" y="0"/>
-          <a:ext cx="0" cy="0"/>
-          <a:chOff x="0" y="0"/>
-          <a:chExt cx="0" cy="0"/>
-        </a:xfrm>
-      </p:grpSpPr>
-      <p:sp>
-        <p:nvSpPr>
-          <p:cNvPr id="2" name="Titre 1"/>
-          <p:cNvSpPr>
-            <a:spLocks noGrp="1"/>
-          </p:cNvSpPr>
-          <p:nvPr>
-            <p:ph type="title"/>
-          </p:nvPr>
-        </p:nvSpPr>
-        <p:spPr/>
-        <p:txBody>
-          <a:bodyPr/>
-          <a:lstStyle/>
-          <a:p>
-            <a:r>
-              <a:rPr lang="fr-FR" dirty="0"/>
-              <a:t>Démarrer le machine </a:t>
-            </a:r>
-            <a:r>
-              <a:rPr lang="fr-FR" dirty="0" err="1"/>
-              <a:t>learning</a:t>
-            </a:r>
-            <a:endParaRPr lang="fr-FR" dirty="0"/>
-          </a:p>
-        </p:txBody>
-      </p:sp>
-      <p:sp>
-        <p:nvSpPr>
-          <p:cNvPr id="3" name="Espace réservé du contenu 2"/>
-          <p:cNvSpPr>
-            <a:spLocks noGrp="1"/>
-          </p:cNvSpPr>
-          <p:nvPr>
-            <p:ph idx="1"/>
-          </p:nvPr>
-        </p:nvSpPr>
-        <p:spPr/>
-        <p:txBody>
-          <a:bodyPr/>
-          <a:lstStyle/>
-          <a:p>
-            <a:r>
-              <a:rPr lang="fr-FR" dirty="0"/>
-              <a:t>Nous avons un </a:t>
-            </a:r>
-            <a:r>
-              <a:rPr lang="fr-FR" dirty="0" err="1"/>
-              <a:t>datalake</a:t>
-            </a:r>
-            <a:endParaRPr lang="fr-FR" dirty="0"/>
-          </a:p>
-          <a:p>
-            <a:r>
-              <a:rPr lang="fr-FR" dirty="0"/>
-              <a:t>Nous avons le </a:t>
-            </a:r>
-            <a:r>
-              <a:rPr lang="fr-FR" dirty="0" err="1"/>
-              <a:t>datamart</a:t>
-            </a:r>
-            <a:r>
-              <a:rPr lang="fr-FR" dirty="0"/>
-              <a:t> structuré et nettoyé</a:t>
-            </a:r>
-          </a:p>
-          <a:p>
-            <a:r>
-              <a:rPr lang="fr-FR" dirty="0"/>
-              <a:t>L’objectif du machine </a:t>
-            </a:r>
-            <a:r>
-              <a:rPr lang="fr-FR" dirty="0" err="1"/>
-              <a:t>learning</a:t>
-            </a:r>
-            <a:r>
-              <a:rPr lang="fr-FR" dirty="0"/>
-              <a:t> est de trouver un modèle qui effectue une approximation de la réalité, à l’aide de laquelle on va pouvoir effectuer des prédictions</a:t>
-            </a:r>
-          </a:p>
-          <a:p>
-            <a:r>
-              <a:rPr lang="fr-FR" dirty="0"/>
-              <a:t>DATA = Model + Bruit</a:t>
-            </a:r>
-          </a:p>
-          <a:p>
-            <a:pPr lvl="1"/>
-            <a:r>
-              <a:rPr lang="fr-FR" dirty="0"/>
-              <a:t>Model = cercle</a:t>
-            </a:r>
-          </a:p>
-          <a:p>
-            <a:pPr lvl="1"/>
-            <a:r>
-              <a:rPr lang="fr-FR" dirty="0"/>
-              <a:t>Bruit = écart data réelle vs cercle</a:t>
-            </a:r>
-          </a:p>
-          <a:p>
-            <a:endParaRPr lang="fr-FR" dirty="0"/>
-          </a:p>
-        </p:txBody>
-      </p:sp>
-      <p:pic>
-        <p:nvPicPr>
-          <p:cNvPr id="5122" name="Picture 2" descr="Ici on voit facilement qu'on peut approximer le modèle à l'origine des données par un cercle"/>
-          <p:cNvPicPr>
-            <a:picLocks noChangeAspect="1" noChangeArrowheads="1"/>
-          </p:cNvPicPr>
-          <p:nvPr/>
-        </p:nvPicPr>
-        <p:blipFill>
-          <a:blip r:embed="rId2">
-            <a:extLst>
-              <a:ext uri="{28A0092B-C50C-407E-A947-70E740481C1C}">
-                <a14:useLocalDpi xmlns:a14="http://schemas.microsoft.com/office/drawing/2010/main" val="0"/>
-              </a:ext>
-            </a:extLst>
-          </a:blip>
-          <a:srcRect/>
-          <a:stretch>
-            <a:fillRect/>
-          </a:stretch>
-        </p:blipFill>
-        <p:spPr bwMode="auto">
-          <a:xfrm>
-            <a:off x="5436096" y="3753747"/>
-            <a:ext cx="3096344" cy="2956156"/>
-          </a:xfrm>
-          <a:prstGeom prst="rect">
-            <a:avLst/>
-          </a:prstGeom>
-          <a:noFill/>
-          <a:extLst>
-            <a:ext uri="{909E8E84-426E-40DD-AFC4-6F175D3DCCD1}">
-              <a14:hiddenFill xmlns:a14="http://schemas.microsoft.com/office/drawing/2010/main">
-                <a:solidFill>
-                  <a:srgbClr val="FFFFFF"/>
-                </a:solidFill>
-              </a14:hiddenFill>
-            </a:ext>
-          </a:extLst>
-        </p:spPr>
-      </p:pic>
-    </p:spTree>
-    <p:extLst>
-      <p:ext uri="{BB962C8B-B14F-4D97-AF65-F5344CB8AC3E}">
-        <p14:creationId xmlns:p14="http://schemas.microsoft.com/office/powerpoint/2010/main" val="811408202"/>
-      </p:ext>
-    </p:extLst>
-  </p:cSld>
-  <p:clrMapOvr>
-    <a:masterClrMapping/>
-  </p:clrMapOvr>
-</p:sld>
-</file>
-
-<file path=ppt/slides/slide29.xml><?xml version="1.0" encoding="utf-8"?>
-<p:sld xmlns:a="http://schemas.openxmlformats.org/drawingml/2006/main" xmlns:r="http://schemas.openxmlformats.org/officeDocument/2006/relationships" xmlns:p="http://schemas.openxmlformats.org/presentationml/2006/main">
-  <p:cSld>
-    <p:spTree>
-      <p:nvGrpSpPr>
-        <p:cNvPr id="1" name=""/>
-        <p:cNvGrpSpPr/>
-        <p:nvPr/>
-      </p:nvGrpSpPr>
-      <p:grpSpPr>
-        <a:xfrm>
-          <a:off x="0" y="0"/>
-          <a:ext cx="0" cy="0"/>
-          <a:chOff x="0" y="0"/>
-          <a:chExt cx="0" cy="0"/>
-        </a:xfrm>
-      </p:grpSpPr>
-      <p:sp>
-        <p:nvSpPr>
-          <p:cNvPr id="2" name="Titre 1"/>
-          <p:cNvSpPr>
-            <a:spLocks noGrp="1"/>
-          </p:cNvSpPr>
-          <p:nvPr>
-            <p:ph type="title"/>
-          </p:nvPr>
-        </p:nvSpPr>
-        <p:spPr/>
-        <p:txBody>
-          <a:bodyPr/>
-          <a:lstStyle/>
-          <a:p>
-            <a:r>
               <a:rPr lang="fr-FR" dirty="0" err="1"/>
               <a:t>Loss</a:t>
             </a:r>
@@ -6183,128 +6438,7 @@
 </p:sld>
 </file>
 
-<file path=ppt/slides/slide3.xml><?xml version="1.0" encoding="utf-8"?>
-<p:sld xmlns:a="http://schemas.openxmlformats.org/drawingml/2006/main" xmlns:r="http://schemas.openxmlformats.org/officeDocument/2006/relationships" xmlns:p="http://schemas.openxmlformats.org/presentationml/2006/main">
-  <p:cSld>
-    <p:spTree>
-      <p:nvGrpSpPr>
-        <p:cNvPr id="1" name=""/>
-        <p:cNvGrpSpPr/>
-        <p:nvPr/>
-      </p:nvGrpSpPr>
-      <p:grpSpPr>
-        <a:xfrm>
-          <a:off x="0" y="0"/>
-          <a:ext cx="0" cy="0"/>
-          <a:chOff x="0" y="0"/>
-          <a:chExt cx="0" cy="0"/>
-        </a:xfrm>
-      </p:grpSpPr>
-      <p:sp>
-        <p:nvSpPr>
-          <p:cNvPr id="2" name="Titre 1"/>
-          <p:cNvSpPr>
-            <a:spLocks noGrp="1"/>
-          </p:cNvSpPr>
-          <p:nvPr>
-            <p:ph type="title"/>
-          </p:nvPr>
-        </p:nvSpPr>
-        <p:spPr/>
-        <p:txBody>
-          <a:bodyPr/>
-          <a:lstStyle/>
-          <a:p>
-            <a:r>
-              <a:rPr lang="fr-FR" dirty="0"/>
-              <a:t>1</a:t>
-            </a:r>
-            <a:r>
-              <a:rPr lang="fr-FR" baseline="30000" dirty="0"/>
-              <a:t>ère</a:t>
-            </a:r>
-            <a:r>
-              <a:rPr lang="fr-FR" dirty="0"/>
-              <a:t> étape</a:t>
-            </a:r>
-          </a:p>
-        </p:txBody>
-      </p:sp>
-      <p:sp>
-        <p:nvSpPr>
-          <p:cNvPr id="3" name="Espace réservé du contenu 2"/>
-          <p:cNvSpPr>
-            <a:spLocks noGrp="1"/>
-          </p:cNvSpPr>
-          <p:nvPr>
-            <p:ph idx="1"/>
-          </p:nvPr>
-        </p:nvSpPr>
-        <p:spPr/>
-        <p:txBody>
-          <a:bodyPr/>
-          <a:lstStyle/>
-          <a:p>
-            <a:r>
-              <a:rPr lang="fr-FR" dirty="0"/>
-              <a:t>Trouver les données</a:t>
-            </a:r>
-          </a:p>
-          <a:p>
-            <a:pPr lvl="1"/>
-            <a:r>
-              <a:rPr lang="fr-FR" dirty="0"/>
-              <a:t>Mise à disposition d’un data </a:t>
-            </a:r>
-            <a:r>
-              <a:rPr lang="fr-FR" dirty="0" err="1"/>
-              <a:t>lake</a:t>
-            </a:r>
-            <a:r>
-              <a:rPr lang="fr-FR" dirty="0"/>
-              <a:t> ou d’un data </a:t>
-            </a:r>
-            <a:r>
-              <a:rPr lang="fr-FR" dirty="0" err="1"/>
-              <a:t>mart</a:t>
-            </a:r>
-            <a:endParaRPr lang="fr-FR" dirty="0"/>
-          </a:p>
-          <a:p>
-            <a:r>
-              <a:rPr lang="fr-FR" dirty="0"/>
-              <a:t>Le jeu de données utilisé en machine </a:t>
-            </a:r>
-            <a:r>
-              <a:rPr lang="fr-FR" dirty="0" err="1"/>
-              <a:t>learning</a:t>
-            </a:r>
-            <a:r>
-              <a:rPr lang="fr-FR" dirty="0"/>
-              <a:t> s’appel le </a:t>
-            </a:r>
-            <a:r>
-              <a:rPr lang="fr-FR" dirty="0" err="1"/>
-              <a:t>Dataset</a:t>
-            </a:r>
-            <a:endParaRPr lang="fr-FR" dirty="0"/>
-          </a:p>
-        </p:txBody>
-      </p:sp>
-    </p:spTree>
-    <p:extLst>
-      <p:ext uri="{BB962C8B-B14F-4D97-AF65-F5344CB8AC3E}">
-        <p14:creationId xmlns:p14="http://schemas.microsoft.com/office/powerpoint/2010/main" val="1841075970"/>
-      </p:ext>
-    </p:extLst>
-  </p:cSld>
-  <p:clrMapOvr>
-    <a:masterClrMapping/>
-  </p:clrMapOvr>
-</p:sld>
-</file>
-
-<file path=ppt/slides/slide30.xml><?xml version="1.0" encoding="utf-8"?>
+<file path=ppt/slides/slide31.xml><?xml version="1.0" encoding="utf-8"?>
 <p:sld xmlns:a="http://schemas.openxmlformats.org/drawingml/2006/main" xmlns:r="http://schemas.openxmlformats.org/officeDocument/2006/relationships" xmlns:p="http://schemas.openxmlformats.org/presentationml/2006/main">
   <p:cSld>
     <p:spTree>
@@ -6426,7 +6560,7 @@
 </p:sld>
 </file>
 
-<file path=ppt/slides/slide31.xml><?xml version="1.0" encoding="utf-8"?>
+<file path=ppt/slides/slide32.xml><?xml version="1.0" encoding="utf-8"?>
 <p:sld xmlns:a="http://schemas.openxmlformats.org/drawingml/2006/main" xmlns:r="http://schemas.openxmlformats.org/officeDocument/2006/relationships" xmlns:p="http://schemas.openxmlformats.org/presentationml/2006/main">
   <p:cSld>
     <p:spTree>
@@ -6538,7 +6672,7 @@
 </p:sld>
 </file>
 
-<file path=ppt/slides/slide32.xml><?xml version="1.0" encoding="utf-8"?>
+<file path=ppt/slides/slide33.xml><?xml version="1.0" encoding="utf-8"?>
 <p:sld xmlns:a="http://schemas.openxmlformats.org/drawingml/2006/main" xmlns:r="http://schemas.openxmlformats.org/officeDocument/2006/relationships" xmlns:p="http://schemas.openxmlformats.org/presentationml/2006/main">
   <p:cSld>
     <p:spTree>
@@ -6732,84 +6866,6 @@
 </p:sld>
 </file>
 
-<file path=ppt/slides/slide33.xml><?xml version="1.0" encoding="utf-8"?>
-<p:sld xmlns:a="http://schemas.openxmlformats.org/drawingml/2006/main" xmlns:r="http://schemas.openxmlformats.org/officeDocument/2006/relationships" xmlns:p="http://schemas.openxmlformats.org/presentationml/2006/main">
-  <p:cSld>
-    <p:spTree>
-      <p:nvGrpSpPr>
-        <p:cNvPr id="1" name=""/>
-        <p:cNvGrpSpPr/>
-        <p:nvPr/>
-      </p:nvGrpSpPr>
-      <p:grpSpPr>
-        <a:xfrm>
-          <a:off x="0" y="0"/>
-          <a:ext cx="0" cy="0"/>
-          <a:chOff x="0" y="0"/>
-          <a:chExt cx="0" cy="0"/>
-        </a:xfrm>
-      </p:grpSpPr>
-      <p:sp>
-        <p:nvSpPr>
-          <p:cNvPr id="2" name="Titre 1"/>
-          <p:cNvSpPr>
-            <a:spLocks noGrp="1"/>
-          </p:cNvSpPr>
-          <p:nvPr>
-            <p:ph type="title"/>
-          </p:nvPr>
-        </p:nvSpPr>
-        <p:spPr/>
-        <p:txBody>
-          <a:bodyPr/>
-          <a:lstStyle/>
-          <a:p>
-            <a:r>
-              <a:rPr lang="fr-FR" dirty="0" err="1"/>
-              <a:t>Edmunt</a:t>
-            </a:r>
-            <a:r>
-              <a:rPr lang="fr-FR" dirty="0"/>
-              <a:t> Husserl</a:t>
-            </a:r>
-          </a:p>
-        </p:txBody>
-      </p:sp>
-      <p:sp>
-        <p:nvSpPr>
-          <p:cNvPr id="3" name="Espace réservé du contenu 2"/>
-          <p:cNvSpPr>
-            <a:spLocks noGrp="1"/>
-          </p:cNvSpPr>
-          <p:nvPr>
-            <p:ph idx="1"/>
-          </p:nvPr>
-        </p:nvSpPr>
-        <p:spPr/>
-        <p:txBody>
-          <a:bodyPr/>
-          <a:lstStyle/>
-          <a:p>
-            <a:r>
-              <a:rPr lang="fr-FR" dirty="0"/>
-              <a:t>« Les modèles sont les habits des idées, il y a toujours un modèle qui peut faire croire que votre idée est juste. »</a:t>
-            </a:r>
-          </a:p>
-        </p:txBody>
-      </p:sp>
-    </p:spTree>
-    <p:extLst>
-      <p:ext uri="{BB962C8B-B14F-4D97-AF65-F5344CB8AC3E}">
-        <p14:creationId xmlns:p14="http://schemas.microsoft.com/office/powerpoint/2010/main" val="4041279753"/>
-      </p:ext>
-    </p:extLst>
-  </p:cSld>
-  <p:clrMapOvr>
-    <a:masterClrMapping/>
-  </p:clrMapOvr>
-</p:sld>
-</file>
-
 <file path=ppt/slides/slide34.xml><?xml version="1.0" encoding="utf-8"?>
 <p:sld xmlns:a="http://schemas.openxmlformats.org/drawingml/2006/main" xmlns:r="http://schemas.openxmlformats.org/officeDocument/2006/relationships" xmlns:p="http://schemas.openxmlformats.org/presentationml/2006/main">
   <p:cSld>
@@ -6843,8 +6899,12 @@
           <a:lstStyle/>
           <a:p>
             <a:r>
-              <a:rPr lang="fr-FR" dirty="0"/>
-              <a:t>Considération sur les tailles</a:t>
+              <a:rPr lang="fr-FR" dirty="0" err="1"/>
+              <a:t>Edmunt</a:t>
+            </a:r>
+            <a:r>
+              <a:rPr lang="fr-FR" dirty="0"/>
+              <a:t> Husserl</a:t>
             </a:r>
           </a:p>
         </p:txBody>
@@ -6866,60 +6926,15 @@
           <a:p>
             <a:r>
               <a:rPr lang="fr-FR" dirty="0"/>
-              <a:t>Les processeurs d’aujourd’hui en en 64 bits (x64)</a:t>
-            </a:r>
-          </a:p>
-          <a:p>
-            <a:pPr lvl="1"/>
-            <a:r>
-              <a:rPr lang="fr-FR" dirty="0"/>
-              <a:t>Les GPU sont sur 128 bits</a:t>
-            </a:r>
-          </a:p>
-          <a:p>
-            <a:pPr lvl="1"/>
-            <a:r>
-              <a:rPr lang="fr-FR" dirty="0"/>
-              <a:t>Les anciens processeurs sur 32 bits</a:t>
-            </a:r>
-          </a:p>
-          <a:p>
-            <a:pPr lvl="1"/>
-            <a:r>
-              <a:rPr lang="fr-FR" dirty="0"/>
-              <a:t>Python existe en version 32 et 64 bits</a:t>
-            </a:r>
-          </a:p>
-          <a:p>
-            <a:r>
-              <a:rPr lang="fr-FR" dirty="0"/>
-              <a:t>Un processeur 32 bits ne peut adresser que 2^32 bits soit 4Gbit</a:t>
-            </a:r>
-          </a:p>
-          <a:p>
-            <a:pPr lvl="1"/>
-            <a:r>
-              <a:rPr lang="fr-FR" dirty="0"/>
-              <a:t>Une adresse mémoire est souvent sur 1 octet ce qui donne 4Go de mémoire maximum, sachant que près de la moitié est pris par l’OS</a:t>
-            </a:r>
-          </a:p>
-          <a:p>
-            <a:r>
-              <a:rPr lang="fr-FR" dirty="0"/>
-              <a:t>Un processeur 64 bits sait adressé 8000 </a:t>
-            </a:r>
-            <a:r>
-              <a:rPr lang="fr-FR" dirty="0" err="1"/>
-              <a:t>Pbit</a:t>
-            </a:r>
-            <a:endParaRPr lang="fr-FR" dirty="0"/>
+              <a:t>« Les modèles sont les habits des idées, il y a toujours un modèle qui peut faire croire que votre idée est juste. »</a:t>
+            </a:r>
           </a:p>
         </p:txBody>
       </p:sp>
     </p:spTree>
     <p:extLst>
       <p:ext uri="{BB962C8B-B14F-4D97-AF65-F5344CB8AC3E}">
-        <p14:creationId xmlns:p14="http://schemas.microsoft.com/office/powerpoint/2010/main" val="1996995698"/>
+        <p14:creationId xmlns:p14="http://schemas.microsoft.com/office/powerpoint/2010/main" val="4041279753"/>
       </p:ext>
     </p:extLst>
   </p:cSld>
@@ -6984,6 +6999,125 @@
           <a:lstStyle/>
           <a:p>
             <a:r>
+              <a:rPr lang="fr-FR" dirty="0"/>
+              <a:t>Les processeurs d’aujourd’hui en en 64 bits (x64)</a:t>
+            </a:r>
+          </a:p>
+          <a:p>
+            <a:pPr lvl="1"/>
+            <a:r>
+              <a:rPr lang="fr-FR" dirty="0"/>
+              <a:t>Les GPU sont sur 128 bits</a:t>
+            </a:r>
+          </a:p>
+          <a:p>
+            <a:pPr lvl="1"/>
+            <a:r>
+              <a:rPr lang="fr-FR" dirty="0"/>
+              <a:t>Les anciens processeurs sur 32 bits</a:t>
+            </a:r>
+          </a:p>
+          <a:p>
+            <a:pPr lvl="1"/>
+            <a:r>
+              <a:rPr lang="fr-FR" dirty="0"/>
+              <a:t>Python existe en version 32 et 64 bits</a:t>
+            </a:r>
+          </a:p>
+          <a:p>
+            <a:r>
+              <a:rPr lang="fr-FR" dirty="0"/>
+              <a:t>Un processeur 32 bits ne peut adresser que 2^32 bits soit 4Gbit</a:t>
+            </a:r>
+          </a:p>
+          <a:p>
+            <a:pPr lvl="1"/>
+            <a:r>
+              <a:rPr lang="fr-FR" dirty="0"/>
+              <a:t>Une adresse mémoire est souvent sur 1 octet ce qui donne 4Go de mémoire maximum, sachant que près de la moitié est pris par l’OS</a:t>
+            </a:r>
+          </a:p>
+          <a:p>
+            <a:r>
+              <a:rPr lang="fr-FR" dirty="0"/>
+              <a:t>Un processeur 64 bits sait adressé 8000 </a:t>
+            </a:r>
+            <a:r>
+              <a:rPr lang="fr-FR" dirty="0" err="1"/>
+              <a:t>Pbit</a:t>
+            </a:r>
+            <a:endParaRPr lang="fr-FR" dirty="0"/>
+          </a:p>
+        </p:txBody>
+      </p:sp>
+    </p:spTree>
+    <p:extLst>
+      <p:ext uri="{BB962C8B-B14F-4D97-AF65-F5344CB8AC3E}">
+        <p14:creationId xmlns:p14="http://schemas.microsoft.com/office/powerpoint/2010/main" val="1996995698"/>
+      </p:ext>
+    </p:extLst>
+  </p:cSld>
+  <p:clrMapOvr>
+    <a:masterClrMapping/>
+  </p:clrMapOvr>
+</p:sld>
+</file>
+
+<file path=ppt/slides/slide36.xml><?xml version="1.0" encoding="utf-8"?>
+<p:sld xmlns:a="http://schemas.openxmlformats.org/drawingml/2006/main" xmlns:r="http://schemas.openxmlformats.org/officeDocument/2006/relationships" xmlns:p="http://schemas.openxmlformats.org/presentationml/2006/main">
+  <p:cSld>
+    <p:spTree>
+      <p:nvGrpSpPr>
+        <p:cNvPr id="1" name=""/>
+        <p:cNvGrpSpPr/>
+        <p:nvPr/>
+      </p:nvGrpSpPr>
+      <p:grpSpPr>
+        <a:xfrm>
+          <a:off x="0" y="0"/>
+          <a:ext cx="0" cy="0"/>
+          <a:chOff x="0" y="0"/>
+          <a:chExt cx="0" cy="0"/>
+        </a:xfrm>
+      </p:grpSpPr>
+      <p:sp>
+        <p:nvSpPr>
+          <p:cNvPr id="2" name="Titre 1"/>
+          <p:cNvSpPr>
+            <a:spLocks noGrp="1"/>
+          </p:cNvSpPr>
+          <p:nvPr>
+            <p:ph type="title"/>
+          </p:nvPr>
+        </p:nvSpPr>
+        <p:spPr/>
+        <p:txBody>
+          <a:bodyPr/>
+          <a:lstStyle/>
+          <a:p>
+            <a:r>
+              <a:rPr lang="fr-FR" dirty="0"/>
+              <a:t>Considération sur les tailles</a:t>
+            </a:r>
+          </a:p>
+        </p:txBody>
+      </p:sp>
+      <p:sp>
+        <p:nvSpPr>
+          <p:cNvPr id="3" name="Espace réservé du contenu 2"/>
+          <p:cNvSpPr>
+            <a:spLocks noGrp="1"/>
+          </p:cNvSpPr>
+          <p:nvPr>
+            <p:ph idx="1"/>
+          </p:nvPr>
+        </p:nvSpPr>
+        <p:spPr/>
+        <p:txBody>
+          <a:bodyPr/>
+          <a:lstStyle/>
+          <a:p>
+            <a:r>
               <a:rPr lang="fr-FR" sz="2400" dirty="0"/>
               <a:t>En Python un flottant fait 32 bits</a:t>
             </a:r>
@@ -7090,7 +7224,7 @@
 </p:sld>
 </file>
 
-<file path=ppt/slides/slide36.xml><?xml version="1.0" encoding="utf-8"?>
+<file path=ppt/slides/slide37.xml><?xml version="1.0" encoding="utf-8"?>
 <p:sld xmlns:a="http://schemas.openxmlformats.org/drawingml/2006/main" xmlns:r="http://schemas.openxmlformats.org/officeDocument/2006/relationships" xmlns:p="http://schemas.openxmlformats.org/presentationml/2006/main">
   <p:cSld>
     <p:spTree>
@@ -7202,6 +7336,127 @@
           <a:p>
             <a:r>
               <a:rPr lang="fr-FR" dirty="0"/>
+              <a:t>1</a:t>
+            </a:r>
+            <a:r>
+              <a:rPr lang="fr-FR" baseline="30000" dirty="0"/>
+              <a:t>ère</a:t>
+            </a:r>
+            <a:r>
+              <a:rPr lang="fr-FR" dirty="0"/>
+              <a:t> étape</a:t>
+            </a:r>
+          </a:p>
+        </p:txBody>
+      </p:sp>
+      <p:sp>
+        <p:nvSpPr>
+          <p:cNvPr id="3" name="Espace réservé du contenu 2"/>
+          <p:cNvSpPr>
+            <a:spLocks noGrp="1"/>
+          </p:cNvSpPr>
+          <p:nvPr>
+            <p:ph idx="1"/>
+          </p:nvPr>
+        </p:nvSpPr>
+        <p:spPr/>
+        <p:txBody>
+          <a:bodyPr/>
+          <a:lstStyle/>
+          <a:p>
+            <a:r>
+              <a:rPr lang="fr-FR" dirty="0"/>
+              <a:t>Trouver les données</a:t>
+            </a:r>
+          </a:p>
+          <a:p>
+            <a:pPr lvl="1"/>
+            <a:r>
+              <a:rPr lang="fr-FR" dirty="0"/>
+              <a:t>Mise à disposition d’un data </a:t>
+            </a:r>
+            <a:r>
+              <a:rPr lang="fr-FR" dirty="0" err="1"/>
+              <a:t>lake</a:t>
+            </a:r>
+            <a:r>
+              <a:rPr lang="fr-FR" dirty="0"/>
+              <a:t> ou d’un data </a:t>
+            </a:r>
+            <a:r>
+              <a:rPr lang="fr-FR" dirty="0" err="1"/>
+              <a:t>mart</a:t>
+            </a:r>
+            <a:endParaRPr lang="fr-FR" dirty="0"/>
+          </a:p>
+          <a:p>
+            <a:r>
+              <a:rPr lang="fr-FR" dirty="0"/>
+              <a:t>Le jeu de données utilisé en machine </a:t>
+            </a:r>
+            <a:r>
+              <a:rPr lang="fr-FR" dirty="0" err="1"/>
+              <a:t>learning</a:t>
+            </a:r>
+            <a:r>
+              <a:rPr lang="fr-FR" dirty="0"/>
+              <a:t> s’appel le </a:t>
+            </a:r>
+            <a:r>
+              <a:rPr lang="fr-FR" dirty="0" err="1"/>
+              <a:t>Dataset</a:t>
+            </a:r>
+            <a:endParaRPr lang="fr-FR" dirty="0"/>
+          </a:p>
+        </p:txBody>
+      </p:sp>
+    </p:spTree>
+    <p:extLst>
+      <p:ext uri="{BB962C8B-B14F-4D97-AF65-F5344CB8AC3E}">
+        <p14:creationId xmlns:p14="http://schemas.microsoft.com/office/powerpoint/2010/main" val="1841075970"/>
+      </p:ext>
+    </p:extLst>
+  </p:cSld>
+  <p:clrMapOvr>
+    <a:masterClrMapping/>
+  </p:clrMapOvr>
+</p:sld>
+</file>
+
+<file path=ppt/slides/slide5.xml><?xml version="1.0" encoding="utf-8"?>
+<p:sld xmlns:a="http://schemas.openxmlformats.org/drawingml/2006/main" xmlns:r="http://schemas.openxmlformats.org/officeDocument/2006/relationships" xmlns:p="http://schemas.openxmlformats.org/presentationml/2006/main">
+  <p:cSld>
+    <p:spTree>
+      <p:nvGrpSpPr>
+        <p:cNvPr id="1" name=""/>
+        <p:cNvGrpSpPr/>
+        <p:nvPr/>
+      </p:nvGrpSpPr>
+      <p:grpSpPr>
+        <a:xfrm>
+          <a:off x="0" y="0"/>
+          <a:ext cx="0" cy="0"/>
+          <a:chOff x="0" y="0"/>
+          <a:chExt cx="0" cy="0"/>
+        </a:xfrm>
+      </p:grpSpPr>
+      <p:sp>
+        <p:nvSpPr>
+          <p:cNvPr id="2" name="Titre 1"/>
+          <p:cNvSpPr>
+            <a:spLocks noGrp="1"/>
+          </p:cNvSpPr>
+          <p:nvPr>
+            <p:ph type="title"/>
+          </p:nvPr>
+        </p:nvSpPr>
+        <p:spPr/>
+        <p:txBody>
+          <a:bodyPr/>
+          <a:lstStyle/>
+          <a:p>
+            <a:r>
+              <a:rPr lang="fr-FR" dirty="0"/>
               <a:t>But</a:t>
             </a:r>
           </a:p>
@@ -7264,7 +7519,7 @@
 </p:sld>
 </file>
 
-<file path=ppt/slides/slide5.xml><?xml version="1.0" encoding="utf-8"?>
+<file path=ppt/slides/slide6.xml><?xml version="1.0" encoding="utf-8"?>
 <p:sld xmlns:a="http://schemas.openxmlformats.org/drawingml/2006/main" xmlns:r="http://schemas.openxmlformats.org/officeDocument/2006/relationships" xmlns:p="http://schemas.openxmlformats.org/presentationml/2006/main">
   <p:cSld>
     <p:spTree>
@@ -7382,7 +7637,7 @@
 </p:sld>
 </file>
 
-<file path=ppt/slides/slide6.xml><?xml version="1.0" encoding="utf-8"?>
+<file path=ppt/slides/slide7.xml><?xml version="1.0" encoding="utf-8"?>
 <p:sld xmlns:a="http://schemas.openxmlformats.org/drawingml/2006/main" xmlns:r="http://schemas.openxmlformats.org/officeDocument/2006/relationships" xmlns:p="http://schemas.openxmlformats.org/presentationml/2006/main">
   <p:cSld>
     <p:spTree>
@@ -7521,7 +7776,7 @@
 </p:sld>
 </file>
 
-<file path=ppt/slides/slide7.xml><?xml version="1.0" encoding="utf-8"?>
+<file path=ppt/slides/slide8.xml><?xml version="1.0" encoding="utf-8"?>
 <p:sld xmlns:a="http://schemas.openxmlformats.org/drawingml/2006/main" xmlns:r="http://schemas.openxmlformats.org/officeDocument/2006/relationships" xmlns:p="http://schemas.openxmlformats.org/presentationml/2006/main">
   <p:cSld>
     <p:spTree>
@@ -7664,105 +7919,6 @@
 </p:sld>
 </file>
 
-<file path=ppt/slides/slide8.xml><?xml version="1.0" encoding="utf-8"?>
-<p:sld xmlns:a="http://schemas.openxmlformats.org/drawingml/2006/main" xmlns:r="http://schemas.openxmlformats.org/officeDocument/2006/relationships" xmlns:p="http://schemas.openxmlformats.org/presentationml/2006/main">
-  <p:cSld>
-    <p:spTree>
-      <p:nvGrpSpPr>
-        <p:cNvPr id="1" name=""/>
-        <p:cNvGrpSpPr/>
-        <p:nvPr/>
-      </p:nvGrpSpPr>
-      <p:grpSpPr>
-        <a:xfrm>
-          <a:off x="0" y="0"/>
-          <a:ext cx="0" cy="0"/>
-          <a:chOff x="0" y="0"/>
-          <a:chExt cx="0" cy="0"/>
-        </a:xfrm>
-      </p:grpSpPr>
-      <p:sp>
-        <p:nvSpPr>
-          <p:cNvPr id="2" name="Titre 1"/>
-          <p:cNvSpPr>
-            <a:spLocks noGrp="1"/>
-          </p:cNvSpPr>
-          <p:nvPr>
-            <p:ph type="title"/>
-          </p:nvPr>
-        </p:nvSpPr>
-        <p:spPr/>
-        <p:txBody>
-          <a:bodyPr/>
-          <a:lstStyle/>
-          <a:p>
-            <a:r>
-              <a:rPr lang="fr-FR" dirty="0"/>
-              <a:t>Trouver le bon modèle</a:t>
-            </a:r>
-          </a:p>
-        </p:txBody>
-      </p:sp>
-      <p:sp>
-        <p:nvSpPr>
-          <p:cNvPr id="3" name="Espace réservé du contenu 2"/>
-          <p:cNvSpPr>
-            <a:spLocks noGrp="1"/>
-          </p:cNvSpPr>
-          <p:nvPr>
-            <p:ph idx="1"/>
-          </p:nvPr>
-        </p:nvSpPr>
-        <p:spPr/>
-        <p:txBody>
-          <a:bodyPr/>
-          <a:lstStyle/>
-          <a:p>
-            <a:r>
-              <a:rPr lang="fr-FR" dirty="0"/>
-              <a:t>Pour résumer, le travail de modélisation consiste à trouver le bon modèle statistique qui colle le mieux aux données d'exemple</a:t>
-            </a:r>
-          </a:p>
-          <a:p>
-            <a:r>
-              <a:rPr lang="fr-FR" dirty="0"/>
-              <a:t>Le machine </a:t>
-            </a:r>
-            <a:r>
-              <a:rPr lang="fr-FR" dirty="0" err="1"/>
-              <a:t>learning</a:t>
-            </a:r>
-            <a:r>
-              <a:rPr lang="fr-FR" dirty="0"/>
-              <a:t> en particulier intervient pour trouver ce modèle de manière automatisée</a:t>
-            </a:r>
-          </a:p>
-          <a:p>
-            <a:r>
-              <a:rPr lang="fr-FR" dirty="0"/>
-              <a:t>Problème du quartet d’</a:t>
-            </a:r>
-            <a:r>
-              <a:rPr lang="fr-FR" dirty="0" err="1"/>
-              <a:t>Ascombe</a:t>
-            </a:r>
-            <a:endParaRPr lang="fr-FR" dirty="0"/>
-          </a:p>
-        </p:txBody>
-      </p:sp>
-    </p:spTree>
-    <p:extLst>
-      <p:ext uri="{BB962C8B-B14F-4D97-AF65-F5344CB8AC3E}">
-        <p14:creationId xmlns:p14="http://schemas.microsoft.com/office/powerpoint/2010/main" val="374821470"/>
-      </p:ext>
-    </p:extLst>
-  </p:cSld>
-  <p:clrMapOvr>
-    <a:masterClrMapping/>
-  </p:clrMapOvr>
-</p:sld>
-</file>
-
 <file path=ppt/slides/slide9.xml><?xml version="1.0" encoding="utf-8"?>
 <p:sld xmlns:a="http://schemas.openxmlformats.org/drawingml/2006/main" xmlns:r="http://schemas.openxmlformats.org/officeDocument/2006/relationships" xmlns:p="http://schemas.openxmlformats.org/presentationml/2006/main">
   <p:cSld>
@@ -7797,7 +7953,49 @@
           <a:p>
             <a:r>
               <a:rPr lang="fr-FR" dirty="0"/>
-              <a:t>Quartet d’</a:t>
+              <a:t>Trouver le bon modèle</a:t>
+            </a:r>
+          </a:p>
+        </p:txBody>
+      </p:sp>
+      <p:sp>
+        <p:nvSpPr>
+          <p:cNvPr id="3" name="Espace réservé du contenu 2"/>
+          <p:cNvSpPr>
+            <a:spLocks noGrp="1"/>
+          </p:cNvSpPr>
+          <p:nvPr>
+            <p:ph idx="1"/>
+          </p:nvPr>
+        </p:nvSpPr>
+        <p:spPr/>
+        <p:txBody>
+          <a:bodyPr/>
+          <a:lstStyle/>
+          <a:p>
+            <a:r>
+              <a:rPr lang="fr-FR" dirty="0"/>
+              <a:t>Pour résumer, le travail de modélisation consiste à trouver le bon modèle statistique qui colle le mieux aux données d'exemple</a:t>
+            </a:r>
+          </a:p>
+          <a:p>
+            <a:r>
+              <a:rPr lang="fr-FR" dirty="0"/>
+              <a:t>Le machine </a:t>
+            </a:r>
+            <a:r>
+              <a:rPr lang="fr-FR" dirty="0" err="1"/>
+              <a:t>learning</a:t>
+            </a:r>
+            <a:r>
+              <a:rPr lang="fr-FR" dirty="0"/>
+              <a:t> en particulier intervient pour trouver ce modèle de manière automatisée</a:t>
+            </a:r>
+          </a:p>
+          <a:p>
+            <a:r>
+              <a:rPr lang="fr-FR" dirty="0"/>
+              <a:t>Problème du quartet d’</a:t>
             </a:r>
             <a:r>
               <a:rPr lang="fr-FR" dirty="0" err="1"/>
@@ -7807,80 +8005,10 @@
           </a:p>
         </p:txBody>
       </p:sp>
-      <p:sp>
-        <p:nvSpPr>
-          <p:cNvPr id="3" name="Espace réservé du contenu 2"/>
-          <p:cNvSpPr>
-            <a:spLocks noGrp="1"/>
-          </p:cNvSpPr>
-          <p:nvPr>
-            <p:ph idx="1"/>
-          </p:nvPr>
-        </p:nvSpPr>
-        <p:spPr/>
-        <p:txBody>
-          <a:bodyPr/>
-          <a:lstStyle/>
-          <a:p>
-            <a:r>
-              <a:rPr lang="fr-FR" dirty="0"/>
-              <a:t>Ces 4 modèles possède la même régression linéaire</a:t>
-            </a:r>
-          </a:p>
-          <a:p>
-            <a:pPr lvl="1"/>
-            <a:r>
-              <a:rPr lang="fr-FR" dirty="0"/>
-              <a:t>Trouver les erreurs</a:t>
-            </a:r>
-          </a:p>
-        </p:txBody>
-      </p:sp>
-      <p:pic>
-        <p:nvPicPr>
-          <p:cNvPr id="4098" name="Picture 2" descr="Le quartet d'anscombe"/>
-          <p:cNvPicPr>
-            <a:picLocks noChangeAspect="1" noChangeArrowheads="1"/>
-          </p:cNvPicPr>
-          <p:nvPr/>
-        </p:nvPicPr>
-        <p:blipFill>
-          <a:blip r:embed="rId2">
-            <a:extLst>
-              <a:ext uri="{28A0092B-C50C-407E-A947-70E740481C1C}">
-                <a14:useLocalDpi xmlns:a14="http://schemas.microsoft.com/office/drawing/2010/main" val="0"/>
-              </a:ext>
-            </a:extLst>
-          </a:blip>
-          <a:srcRect/>
-          <a:stretch>
-            <a:fillRect/>
-          </a:stretch>
-        </p:blipFill>
-        <p:spPr bwMode="auto">
-          <a:xfrm>
-            <a:off x="1528833" y="2783429"/>
-            <a:ext cx="6067407" cy="4053028"/>
-          </a:xfrm>
-          <a:prstGeom prst="rect">
-            <a:avLst/>
-          </a:prstGeom>
-          <a:noFill/>
-          <a:extLst>
-            <a:ext uri="{909E8E84-426E-40DD-AFC4-6F175D3DCCD1}">
-              <a14:hiddenFill xmlns:a14="http://schemas.microsoft.com/office/drawing/2010/main">
-                <a:solidFill>
-                  <a:srgbClr val="FFFFFF"/>
-                </a:solidFill>
-              </a14:hiddenFill>
-            </a:ext>
-          </a:extLst>
-        </p:spPr>
-      </p:pic>
     </p:spTree>
     <p:extLst>
       <p:ext uri="{BB962C8B-B14F-4D97-AF65-F5344CB8AC3E}">
-        <p14:creationId xmlns:p14="http://schemas.microsoft.com/office/powerpoint/2010/main" val="681607745"/>
+        <p14:creationId xmlns:p14="http://schemas.microsoft.com/office/powerpoint/2010/main" val="374821470"/>
       </p:ext>
     </p:extLst>
   </p:cSld>
